--- a/DS.pptx
+++ b/DS.pptx
@@ -19,7 +19,7 @@
     <p:sldId id="263" r:id="rId10"/>
     <p:sldId id="265" r:id="rId11"/>
     <p:sldId id="269" r:id="rId12"/>
-    <p:sldId id="266" r:id="rId13"/>
+    <p:sldId id="270" r:id="rId13"/>
     <p:sldId id="267" r:id="rId14"/>
     <p:sldId id="268" r:id="rId15"/>
   </p:sldIdLst>
@@ -172,6 +172,11 @@
       </a:defRPr>
     </a:lvl9pPr>
   </p:defaultTextStyle>
+  <p:extLst>
+    <p:ext uri="{EFAFB233-063F-42B5-8137-9DF3F51BA10A}">
+      <p15:sldGuideLst xmlns:p15="http://schemas.microsoft.com/office/powerpoint/2012/main"/>
+    </p:ext>
+  </p:extLst>
 </p:presentation>
 </file>
 
@@ -401,7 +406,7 @@
             </a:lvl9pPr>
           </a:lstStyle>
           <a:p>
-            <a:endParaRPr/>
+            <a:endParaRPr dirty="0"/>
           </a:p>
         </p:txBody>
       </p:sp>
@@ -606,7 +611,7 @@
             </a:lvl9pPr>
           </a:lstStyle>
           <a:p>
-            <a:endParaRPr/>
+            <a:endParaRPr dirty="0"/>
           </a:p>
         </p:txBody>
       </p:sp>
@@ -1067,7 +1072,7 @@
             </a:lvl9pPr>
           </a:lstStyle>
           <a:p>
-            <a:endParaRPr/>
+            <a:endParaRPr dirty="0"/>
           </a:p>
         </p:txBody>
       </p:sp>
@@ -1121,7 +1126,7 @@
               </a:rPr>
               <a:t>‹Nº›</a:t>
             </a:fld>
-            <a:endParaRPr sz="1200" b="0" i="0" u="none" strike="noStrike" cap="none">
+            <a:endParaRPr sz="1200" b="0" i="0" u="none" strike="noStrike" cap="none" dirty="0">
               <a:solidFill>
                 <a:schemeClr val="dk1"/>
               </a:solidFill>
@@ -1474,7 +1479,7 @@
               </a:spcAft>
               <a:buNone/>
             </a:pPr>
-            <a:endParaRPr/>
+            <a:endParaRPr dirty="0"/>
           </a:p>
         </p:txBody>
       </p:sp>
@@ -1536,7 +1541,7 @@
               </a:rPr>
               <a:t>1</a:t>
             </a:fld>
-            <a:endParaRPr sz="1200" b="0" i="0" u="none" strike="noStrike" cap="none">
+            <a:endParaRPr sz="1200" b="0" i="0" u="none" strike="noStrike" cap="none" dirty="0">
               <a:solidFill>
                 <a:srgbClr val="000000"/>
               </a:solidFill>
@@ -1662,7 +1667,7 @@
               </a:spcAft>
               <a:buNone/>
             </a:pPr>
-            <a:endParaRPr/>
+            <a:endParaRPr dirty="0"/>
           </a:p>
         </p:txBody>
       </p:sp>
@@ -1724,7 +1729,7 @@
               </a:rPr>
               <a:t>10</a:t>
             </a:fld>
-            <a:endParaRPr sz="1200" b="0" i="0" u="none" strike="noStrike" cap="none">
+            <a:endParaRPr sz="1200" b="0" i="0" u="none" strike="noStrike" cap="none" dirty="0">
               <a:solidFill>
                 <a:srgbClr val="000000"/>
               </a:solidFill>
@@ -1850,7 +1855,7 @@
               </a:spcAft>
               <a:buNone/>
             </a:pPr>
-            <a:endParaRPr/>
+            <a:endParaRPr dirty="0"/>
           </a:p>
         </p:txBody>
       </p:sp>
@@ -1912,7 +1917,7 @@
               </a:rPr>
               <a:t>11</a:t>
             </a:fld>
-            <a:endParaRPr sz="1200" b="0" i="0" u="none" strike="noStrike" cap="none">
+            <a:endParaRPr sz="1200" b="0" i="0" u="none" strike="noStrike" cap="none" dirty="0">
               <a:solidFill>
                 <a:srgbClr val="000000"/>
               </a:solidFill>
@@ -2043,7 +2048,7 @@
               </a:spcAft>
               <a:buNone/>
             </a:pPr>
-            <a:endParaRPr/>
+            <a:endParaRPr dirty="0"/>
           </a:p>
         </p:txBody>
       </p:sp>
@@ -2105,7 +2110,7 @@
               </a:rPr>
               <a:t>12</a:t>
             </a:fld>
-            <a:endParaRPr sz="1200" b="0" i="0" u="none" strike="noStrike" cap="none">
+            <a:endParaRPr sz="1200" b="0" i="0" u="none" strike="noStrike" cap="none" dirty="0">
               <a:solidFill>
                 <a:srgbClr val="000000"/>
               </a:solidFill>
@@ -2118,6 +2123,11 @@
         </p:txBody>
       </p:sp>
     </p:spTree>
+    <p:extLst>
+      <p:ext uri="{BB962C8B-B14F-4D97-AF65-F5344CB8AC3E}">
+        <p14:creationId xmlns:p14="http://schemas.microsoft.com/office/powerpoint/2010/main" val="1856629873"/>
+      </p:ext>
+    </p:extLst>
   </p:cSld>
   <p:clrMapOvr>
     <a:masterClrMapping/>
@@ -2231,7 +2241,7 @@
               </a:spcAft>
               <a:buNone/>
             </a:pPr>
-            <a:endParaRPr/>
+            <a:endParaRPr dirty="0"/>
           </a:p>
         </p:txBody>
       </p:sp>
@@ -2293,7 +2303,7 @@
               </a:rPr>
               <a:t>13</a:t>
             </a:fld>
-            <a:endParaRPr sz="1200" b="0" i="0" u="none" strike="noStrike" cap="none">
+            <a:endParaRPr sz="1200" b="0" i="0" u="none" strike="noStrike" cap="none" dirty="0">
               <a:solidFill>
                 <a:srgbClr val="000000"/>
               </a:solidFill>
@@ -2419,7 +2429,7 @@
               </a:spcAft>
               <a:buNone/>
             </a:pPr>
-            <a:endParaRPr/>
+            <a:endParaRPr dirty="0"/>
           </a:p>
         </p:txBody>
       </p:sp>
@@ -2481,7 +2491,7 @@
               </a:rPr>
               <a:t>14</a:t>
             </a:fld>
-            <a:endParaRPr sz="1200" b="0" i="0" u="none" strike="noStrike" cap="none">
+            <a:endParaRPr sz="1200" b="0" i="0" u="none" strike="noStrike" cap="none" dirty="0">
               <a:solidFill>
                 <a:srgbClr val="000000"/>
               </a:solidFill>
@@ -2607,7 +2617,7 @@
               </a:spcAft>
               <a:buNone/>
             </a:pPr>
-            <a:endParaRPr/>
+            <a:endParaRPr dirty="0"/>
           </a:p>
         </p:txBody>
       </p:sp>
@@ -2669,7 +2679,7 @@
               </a:rPr>
               <a:t>2</a:t>
             </a:fld>
-            <a:endParaRPr sz="1200" b="0" i="0" u="none" strike="noStrike" cap="none">
+            <a:endParaRPr sz="1200" b="0" i="0" u="none" strike="noStrike" cap="none" dirty="0">
               <a:solidFill>
                 <a:srgbClr val="000000"/>
               </a:solidFill>
@@ -2795,150 +2805,6 @@
               </a:spcAft>
               <a:buNone/>
             </a:pPr>
-            <a:r>
-              <a:rPr lang="en-US" dirty="0" err="1"/>
-              <a:t>Contexto</a:t>
-            </a:r>
-            <a:r>
-              <a:rPr lang="en-US" dirty="0"/>
-              <a:t>: </a:t>
-            </a:r>
-            <a:r>
-              <a:rPr lang="en-US" dirty="0" err="1"/>
-              <a:t>Contexto</a:t>
-            </a:r>
-            <a:r>
-              <a:rPr lang="en-US" dirty="0"/>
-              <a:t> del </a:t>
-            </a:r>
-            <a:r>
-              <a:rPr lang="en-US" dirty="0" err="1"/>
-              <a:t>proyecto</a:t>
-            </a:r>
-            <a:r>
-              <a:rPr lang="en-US" dirty="0"/>
-              <a:t> (</a:t>
-            </a:r>
-            <a:r>
-              <a:rPr lang="en-US" dirty="0" err="1"/>
-              <a:t>I.e</a:t>
-            </a:r>
-            <a:r>
-              <a:rPr lang="en-US" dirty="0"/>
-              <a:t> </a:t>
-            </a:r>
-            <a:r>
-              <a:rPr lang="en-US" dirty="0" err="1"/>
-              <a:t>motivación</a:t>
-            </a:r>
-            <a:r>
-              <a:rPr lang="en-US" dirty="0"/>
-              <a:t>, </a:t>
-            </a:r>
-            <a:r>
-              <a:rPr lang="en-US" dirty="0" err="1"/>
-              <a:t>situación</a:t>
-            </a:r>
-            <a:r>
-              <a:rPr lang="en-US" dirty="0"/>
-              <a:t> general del </a:t>
-            </a:r>
-            <a:r>
-              <a:rPr lang="en-US" dirty="0" err="1"/>
-              <a:t>problema</a:t>
-            </a:r>
-            <a:r>
-              <a:rPr lang="en-US" dirty="0"/>
-              <a:t>, etc.)</a:t>
-            </a:r>
-            <a:endParaRPr dirty="0"/>
-          </a:p>
-          <a:p>
-            <a:pPr marL="0" lvl="0" indent="0" algn="l" rtl="0">
-              <a:spcBef>
-                <a:spcPts val="0"/>
-              </a:spcBef>
-              <a:spcAft>
-                <a:spcPts val="0"/>
-              </a:spcAft>
-              <a:buNone/>
-            </a:pPr>
-            <a:r>
-              <a:rPr lang="en-US" dirty="0"/>
-              <a:t>Audiencia: </a:t>
-            </a:r>
-            <a:r>
-              <a:rPr lang="en-US" dirty="0" err="1"/>
-              <a:t>esto</a:t>
-            </a:r>
-            <a:r>
-              <a:rPr lang="en-US" dirty="0"/>
-              <a:t> es para que los </a:t>
-            </a:r>
-            <a:r>
-              <a:rPr lang="en-US" dirty="0" err="1"/>
-              <a:t>lectores</a:t>
-            </a:r>
-            <a:r>
-              <a:rPr lang="en-US" dirty="0"/>
-              <a:t> </a:t>
-            </a:r>
-            <a:r>
-              <a:rPr lang="en-US" dirty="0" err="1"/>
-              <a:t>sepan</a:t>
-            </a:r>
-            <a:r>
-              <a:rPr lang="en-US" dirty="0"/>
-              <a:t> de </a:t>
-            </a:r>
-            <a:r>
-              <a:rPr lang="en-US" dirty="0" err="1"/>
-              <a:t>primera</a:t>
-            </a:r>
-            <a:r>
-              <a:rPr lang="en-US" dirty="0"/>
-              <a:t> mano </a:t>
-            </a:r>
-            <a:r>
-              <a:rPr lang="en-US" dirty="0" err="1"/>
-              <a:t>si</a:t>
-            </a:r>
-            <a:r>
-              <a:rPr lang="en-US" dirty="0"/>
-              <a:t> </a:t>
-            </a:r>
-            <a:r>
-              <a:rPr lang="en-US" dirty="0" err="1"/>
-              <a:t>este</a:t>
-            </a:r>
-            <a:r>
-              <a:rPr lang="en-US" dirty="0"/>
-              <a:t> es un </a:t>
-            </a:r>
-            <a:r>
-              <a:rPr lang="en-US" dirty="0" err="1"/>
-              <a:t>proyecto</a:t>
-            </a:r>
-            <a:r>
-              <a:rPr lang="en-US" dirty="0"/>
-              <a:t> que </a:t>
-            </a:r>
-            <a:r>
-              <a:rPr lang="en-US" dirty="0" err="1"/>
-              <a:t>puede</a:t>
-            </a:r>
-            <a:r>
-              <a:rPr lang="en-US" dirty="0"/>
-              <a:t> </a:t>
-            </a:r>
-            <a:r>
-              <a:rPr lang="en-US" dirty="0" err="1"/>
-              <a:t>beneficiarles</a:t>
-            </a:r>
-            <a:r>
-              <a:rPr lang="en-US" dirty="0"/>
-              <a:t>.</a:t>
-            </a:r>
             <a:endParaRPr dirty="0"/>
           </a:p>
         </p:txBody>
@@ -3001,7 +2867,7 @@
               </a:rPr>
               <a:t>3</a:t>
             </a:fld>
-            <a:endParaRPr sz="1200" b="0" i="0" u="none" strike="noStrike" cap="none">
+            <a:endParaRPr sz="1200" b="0" i="0" u="none" strike="noStrike" cap="none" dirty="0">
               <a:solidFill>
                 <a:srgbClr val="000000"/>
               </a:solidFill>
@@ -3127,7 +2993,7 @@
               </a:spcAft>
               <a:buNone/>
             </a:pPr>
-            <a:endParaRPr/>
+            <a:endParaRPr dirty="0"/>
           </a:p>
         </p:txBody>
       </p:sp>
@@ -3189,7 +3055,7 @@
               </a:rPr>
               <a:t>4</a:t>
             </a:fld>
-            <a:endParaRPr sz="1200" b="0" i="0" u="none" strike="noStrike" cap="none">
+            <a:endParaRPr sz="1200" b="0" i="0" u="none" strike="noStrike" cap="none" dirty="0">
               <a:solidFill>
                 <a:srgbClr val="000000"/>
               </a:solidFill>
@@ -3315,7 +3181,7 @@
               </a:spcAft>
               <a:buNone/>
             </a:pPr>
-            <a:endParaRPr/>
+            <a:endParaRPr dirty="0"/>
           </a:p>
         </p:txBody>
       </p:sp>
@@ -3377,7 +3243,7 @@
               </a:rPr>
               <a:t>5</a:t>
             </a:fld>
-            <a:endParaRPr sz="1200" b="0" i="0" u="none" strike="noStrike" cap="none">
+            <a:endParaRPr sz="1200" b="0" i="0" u="none" strike="noStrike" cap="none" dirty="0">
               <a:solidFill>
                 <a:srgbClr val="000000"/>
               </a:solidFill>
@@ -3503,7 +3369,7 @@
               </a:spcAft>
               <a:buNone/>
             </a:pPr>
-            <a:endParaRPr/>
+            <a:endParaRPr dirty="0"/>
           </a:p>
         </p:txBody>
       </p:sp>
@@ -3565,7 +3431,7 @@
               </a:rPr>
               <a:t>6</a:t>
             </a:fld>
-            <a:endParaRPr sz="1200" b="0" i="0" u="none" strike="noStrike" cap="none">
+            <a:endParaRPr sz="1200" b="0" i="0" u="none" strike="noStrike" cap="none" dirty="0">
               <a:solidFill>
                 <a:srgbClr val="000000"/>
               </a:solidFill>
@@ -3691,7 +3557,7 @@
               </a:spcAft>
               <a:buNone/>
             </a:pPr>
-            <a:endParaRPr/>
+            <a:endParaRPr dirty="0"/>
           </a:p>
         </p:txBody>
       </p:sp>
@@ -3753,7 +3619,7 @@
               </a:rPr>
               <a:t>7</a:t>
             </a:fld>
-            <a:endParaRPr sz="1200" b="0" i="0" u="none" strike="noStrike" cap="none">
+            <a:endParaRPr sz="1200" b="0" i="0" u="none" strike="noStrike" cap="none" dirty="0">
               <a:solidFill>
                 <a:srgbClr val="000000"/>
               </a:solidFill>
@@ -3879,7 +3745,7 @@
               </a:spcAft>
               <a:buNone/>
             </a:pPr>
-            <a:endParaRPr/>
+            <a:endParaRPr dirty="0"/>
           </a:p>
         </p:txBody>
       </p:sp>
@@ -3941,7 +3807,7 @@
               </a:rPr>
               <a:t>8</a:t>
             </a:fld>
-            <a:endParaRPr sz="1200" b="0" i="0" u="none" strike="noStrike" cap="none">
+            <a:endParaRPr sz="1200" b="0" i="0" u="none" strike="noStrike" cap="none" dirty="0">
               <a:solidFill>
                 <a:srgbClr val="000000"/>
               </a:solidFill>
@@ -4067,7 +3933,7 @@
               </a:spcAft>
               <a:buNone/>
             </a:pPr>
-            <a:endParaRPr/>
+            <a:endParaRPr dirty="0"/>
           </a:p>
         </p:txBody>
       </p:sp>
@@ -4129,7 +3995,7 @@
               </a:rPr>
               <a:t>9</a:t>
             </a:fld>
-            <a:endParaRPr sz="1200" b="0" i="0" u="none" strike="noStrike" cap="none">
+            <a:endParaRPr sz="1200" b="0" i="0" u="none" strike="noStrike" cap="none" dirty="0">
               <a:solidFill>
                 <a:srgbClr val="000000"/>
               </a:solidFill>
@@ -4335,7 +4201,7 @@
           <a:bodyPr/>
           <a:lstStyle/>
           <a:p>
-            <a:endParaRPr lang="es-AR"/>
+            <a:endParaRPr lang="es-AR" dirty="0"/>
           </a:p>
         </p:txBody>
       </p:sp>
@@ -4354,7 +4220,7 @@
           <a:bodyPr/>
           <a:lstStyle/>
           <a:p>
-            <a:endParaRPr lang="es-AR"/>
+            <a:endParaRPr lang="es-AR" dirty="0"/>
           </a:p>
         </p:txBody>
       </p:sp>
@@ -4473,7 +4339,7 @@
               <a:rPr lang="en-US" smtClean="0"/>
               <a:t>‹Nº›</a:t>
             </a:fld>
-            <a:endParaRPr lang="en-US"/>
+            <a:endParaRPr lang="en-US" dirty="0"/>
           </a:p>
         </p:txBody>
       </p:sp>
@@ -4679,7 +4545,7 @@
           <a:bodyPr/>
           <a:lstStyle/>
           <a:p>
-            <a:endParaRPr lang="es-AR"/>
+            <a:endParaRPr lang="es-AR" dirty="0"/>
           </a:p>
         </p:txBody>
       </p:sp>
@@ -4698,7 +4564,7 @@
           <a:bodyPr/>
           <a:lstStyle/>
           <a:p>
-            <a:endParaRPr lang="es-AR"/>
+            <a:endParaRPr lang="es-AR" dirty="0"/>
           </a:p>
         </p:txBody>
       </p:sp>
@@ -4817,7 +4683,7 @@
               <a:rPr lang="en-US" smtClean="0"/>
               <a:t>‹Nº›</a:t>
             </a:fld>
-            <a:endParaRPr lang="en-US"/>
+            <a:endParaRPr lang="en-US" dirty="0"/>
           </a:p>
         </p:txBody>
       </p:sp>
@@ -5086,7 +4952,7 @@
           <a:bodyPr/>
           <a:lstStyle/>
           <a:p>
-            <a:endParaRPr lang="es-AR"/>
+            <a:endParaRPr lang="es-AR" dirty="0"/>
           </a:p>
         </p:txBody>
       </p:sp>
@@ -5105,7 +4971,7 @@
           <a:bodyPr/>
           <a:lstStyle/>
           <a:p>
-            <a:endParaRPr lang="es-AR"/>
+            <a:endParaRPr lang="es-AR" dirty="0"/>
           </a:p>
         </p:txBody>
       </p:sp>
@@ -5224,7 +5090,7 @@
               <a:rPr lang="en-US" smtClean="0"/>
               <a:t>‹Nº›</a:t>
             </a:fld>
-            <a:endParaRPr lang="en-US"/>
+            <a:endParaRPr lang="en-US" dirty="0"/>
           </a:p>
         </p:txBody>
       </p:sp>
@@ -5431,7 +5297,7 @@
             <a:fld id="{B61BEF0D-F0BB-DE4B-95CE-6DB70DBA9567}" type="datetimeFigureOut">
               <a:rPr lang="en-US" smtClean="0"/>
               <a:pPr/>
-              <a:t>12/27/2023</a:t>
+              <a:t>12/28/2023</a:t>
             </a:fld>
             <a:endParaRPr lang="en-US" dirty="0"/>
           </a:p>
@@ -5754,7 +5620,7 @@
             <a:fld id="{B61BEF0D-F0BB-DE4B-95CE-6DB70DBA9567}" type="datetimeFigureOut">
               <a:rPr lang="en-US" smtClean="0"/>
               <a:pPr/>
-              <a:t>12/27/2023</a:t>
+              <a:t>12/28/2023</a:t>
             </a:fld>
             <a:endParaRPr lang="en-US" dirty="0"/>
           </a:p>
@@ -6153,7 +6019,7 @@
             <a:fld id="{B61BEF0D-F0BB-DE4B-95CE-6DB70DBA9567}" type="datetimeFigureOut">
               <a:rPr lang="en-US" smtClean="0"/>
               <a:pPr/>
-              <a:t>12/27/2023</a:t>
+              <a:t>12/28/2023</a:t>
             </a:fld>
             <a:endParaRPr lang="en-US" dirty="0"/>
           </a:p>
@@ -6410,7 +6276,7 @@
           <a:bodyPr/>
           <a:lstStyle/>
           <a:p>
-            <a:endParaRPr lang="es-AR"/>
+            <a:endParaRPr lang="es-AR" dirty="0"/>
           </a:p>
         </p:txBody>
       </p:sp>
@@ -6429,7 +6295,7 @@
           <a:bodyPr/>
           <a:lstStyle/>
           <a:p>
-            <a:endParaRPr lang="es-AR"/>
+            <a:endParaRPr lang="es-AR" dirty="0"/>
           </a:p>
         </p:txBody>
       </p:sp>
@@ -6543,7 +6409,7 @@
               <a:rPr lang="en-US" smtClean="0"/>
               <a:t>‹Nº›</a:t>
             </a:fld>
-            <a:endParaRPr lang="en-US"/>
+            <a:endParaRPr lang="en-US" dirty="0"/>
           </a:p>
         </p:txBody>
       </p:sp>
@@ -6678,7 +6544,7 @@
           <a:bodyPr/>
           <a:lstStyle/>
           <a:p>
-            <a:endParaRPr lang="es-AR"/>
+            <a:endParaRPr lang="es-AR" dirty="0"/>
           </a:p>
         </p:txBody>
       </p:sp>
@@ -6697,7 +6563,7 @@
           <a:bodyPr/>
           <a:lstStyle/>
           <a:p>
-            <a:endParaRPr lang="es-AR"/>
+            <a:endParaRPr lang="es-AR" dirty="0"/>
           </a:p>
         </p:txBody>
       </p:sp>
@@ -6811,7 +6677,7 @@
               <a:rPr lang="en-US" smtClean="0"/>
               <a:t>‹Nº›</a:t>
             </a:fld>
-            <a:endParaRPr lang="en-US"/>
+            <a:endParaRPr lang="en-US" dirty="0"/>
           </a:p>
         </p:txBody>
       </p:sp>
@@ -7077,7 +6943,7 @@
             </a:lvl9pPr>
           </a:lstStyle>
           <a:p>
-            <a:endParaRPr/>
+            <a:endParaRPr dirty="0"/>
           </a:p>
         </p:txBody>
       </p:sp>
@@ -7282,7 +7148,7 @@
             </a:lvl9pPr>
           </a:lstStyle>
           <a:p>
-            <a:endParaRPr/>
+            <a:endParaRPr dirty="0"/>
           </a:p>
         </p:txBody>
       </p:sp>
@@ -7563,7 +7429,7 @@
               <a:rPr lang="en-US"/>
               <a:t>‹Nº›</a:t>
             </a:fld>
-            <a:endParaRPr/>
+            <a:endParaRPr dirty="0"/>
           </a:p>
         </p:txBody>
       </p:sp>
@@ -8233,7 +8099,7 @@
           <a:bodyPr/>
           <a:lstStyle/>
           <a:p>
-            <a:endParaRPr lang="es-AR"/>
+            <a:endParaRPr lang="es-AR" dirty="0"/>
           </a:p>
         </p:txBody>
       </p:sp>
@@ -8252,7 +8118,7 @@
           <a:bodyPr/>
           <a:lstStyle/>
           <a:p>
-            <a:endParaRPr lang="es-AR"/>
+            <a:endParaRPr lang="es-AR" dirty="0"/>
           </a:p>
         </p:txBody>
       </p:sp>
@@ -8366,7 +8232,7 @@
               <a:rPr lang="en-US" smtClean="0"/>
               <a:t>‹Nº›</a:t>
             </a:fld>
-            <a:endParaRPr lang="en-US"/>
+            <a:endParaRPr lang="en-US" dirty="0"/>
           </a:p>
         </p:txBody>
       </p:sp>
@@ -8568,7 +8434,7 @@
           <a:bodyPr/>
           <a:lstStyle/>
           <a:p>
-            <a:endParaRPr lang="es-AR"/>
+            <a:endParaRPr lang="es-AR" dirty="0"/>
           </a:p>
         </p:txBody>
       </p:sp>
@@ -8587,7 +8453,7 @@
           <a:bodyPr/>
           <a:lstStyle/>
           <a:p>
-            <a:endParaRPr lang="es-AR"/>
+            <a:endParaRPr lang="es-AR" dirty="0"/>
           </a:p>
         </p:txBody>
       </p:sp>
@@ -8706,7 +8572,7 @@
               <a:rPr lang="en-US" smtClean="0"/>
               <a:t>‹Nº›</a:t>
             </a:fld>
-            <a:endParaRPr lang="en-US"/>
+            <a:endParaRPr lang="en-US" dirty="0"/>
           </a:p>
         </p:txBody>
       </p:sp>
@@ -8897,7 +8763,7 @@
           <a:bodyPr/>
           <a:lstStyle/>
           <a:p>
-            <a:endParaRPr lang="es-AR"/>
+            <a:endParaRPr lang="es-AR" dirty="0"/>
           </a:p>
         </p:txBody>
       </p:sp>
@@ -8916,7 +8782,7 @@
           <a:bodyPr/>
           <a:lstStyle/>
           <a:p>
-            <a:endParaRPr lang="es-AR"/>
+            <a:endParaRPr lang="es-AR" dirty="0"/>
           </a:p>
         </p:txBody>
       </p:sp>
@@ -9035,7 +8901,7 @@
               <a:rPr lang="en-US" smtClean="0"/>
               <a:t>‹Nº›</a:t>
             </a:fld>
-            <a:endParaRPr lang="en-US"/>
+            <a:endParaRPr lang="en-US" dirty="0"/>
           </a:p>
         </p:txBody>
       </p:sp>
@@ -9360,7 +9226,7 @@
           <a:bodyPr/>
           <a:lstStyle/>
           <a:p>
-            <a:endParaRPr lang="es-AR"/>
+            <a:endParaRPr lang="es-AR" dirty="0"/>
           </a:p>
         </p:txBody>
       </p:sp>
@@ -9379,7 +9245,7 @@
           <a:bodyPr/>
           <a:lstStyle/>
           <a:p>
-            <a:endParaRPr lang="es-AR"/>
+            <a:endParaRPr lang="es-AR" dirty="0"/>
           </a:p>
         </p:txBody>
       </p:sp>
@@ -9498,7 +9364,7 @@
               <a:rPr lang="en-US" smtClean="0"/>
               <a:t>‹Nº›</a:t>
             </a:fld>
-            <a:endParaRPr lang="en-US"/>
+            <a:endParaRPr lang="en-US" dirty="0"/>
           </a:p>
         </p:txBody>
       </p:sp>
@@ -9571,7 +9437,7 @@
           <a:bodyPr/>
           <a:lstStyle/>
           <a:p>
-            <a:endParaRPr lang="es-AR"/>
+            <a:endParaRPr lang="es-AR" dirty="0"/>
           </a:p>
         </p:txBody>
       </p:sp>
@@ -9590,7 +9456,7 @@
           <a:bodyPr/>
           <a:lstStyle/>
           <a:p>
-            <a:endParaRPr lang="es-AR"/>
+            <a:endParaRPr lang="es-AR" dirty="0"/>
           </a:p>
         </p:txBody>
       </p:sp>
@@ -9704,7 +9570,7 @@
               <a:rPr lang="en-US" smtClean="0"/>
               <a:t>‹Nº›</a:t>
             </a:fld>
-            <a:endParaRPr lang="en-US"/>
+            <a:endParaRPr lang="en-US" dirty="0"/>
           </a:p>
         </p:txBody>
       </p:sp>
@@ -9754,7 +9620,7 @@
           <a:bodyPr/>
           <a:lstStyle/>
           <a:p>
-            <a:endParaRPr lang="es-AR"/>
+            <a:endParaRPr lang="es-AR" dirty="0"/>
           </a:p>
         </p:txBody>
       </p:sp>
@@ -9773,7 +9639,7 @@
           <a:bodyPr/>
           <a:lstStyle/>
           <a:p>
-            <a:endParaRPr lang="es-AR"/>
+            <a:endParaRPr lang="es-AR" dirty="0"/>
           </a:p>
         </p:txBody>
       </p:sp>
@@ -9887,7 +9753,7 @@
               <a:rPr lang="en-US" smtClean="0"/>
               <a:t>‹Nº›</a:t>
             </a:fld>
-            <a:endParaRPr lang="en-US"/>
+            <a:endParaRPr lang="en-US" dirty="0"/>
           </a:p>
         </p:txBody>
       </p:sp>
@@ -10093,7 +9959,7 @@
           <a:bodyPr/>
           <a:lstStyle/>
           <a:p>
-            <a:endParaRPr lang="es-AR"/>
+            <a:endParaRPr lang="es-AR" dirty="0"/>
           </a:p>
         </p:txBody>
       </p:sp>
@@ -10112,7 +9978,7 @@
           <a:bodyPr/>
           <a:lstStyle/>
           <a:p>
-            <a:endParaRPr lang="es-AR"/>
+            <a:endParaRPr lang="es-AR" dirty="0"/>
           </a:p>
         </p:txBody>
       </p:sp>
@@ -10226,7 +10092,7 @@
               <a:rPr lang="en-US" smtClean="0"/>
               <a:t>‹Nº›</a:t>
             </a:fld>
-            <a:endParaRPr lang="en-US"/>
+            <a:endParaRPr lang="en-US" dirty="0"/>
           </a:p>
         </p:txBody>
       </p:sp>
@@ -10355,7 +10221,7 @@
           </a:lstStyle>
           <a:p>
             <a:r>
-              <a:rPr lang="es-ES"/>
+              <a:rPr lang="es-ES" dirty="0"/>
               <a:t>Haga clic en el icono para agregar una imagen</a:t>
             </a:r>
             <a:endParaRPr lang="en-US" dirty="0"/>
@@ -10444,7 +10310,7 @@
           <a:bodyPr/>
           <a:lstStyle/>
           <a:p>
-            <a:endParaRPr lang="es-AR"/>
+            <a:endParaRPr lang="es-AR" dirty="0"/>
           </a:p>
         </p:txBody>
       </p:sp>
@@ -10463,7 +10329,7 @@
           <a:bodyPr/>
           <a:lstStyle/>
           <a:p>
-            <a:endParaRPr lang="es-AR"/>
+            <a:endParaRPr lang="es-AR" dirty="0"/>
           </a:p>
         </p:txBody>
       </p:sp>
@@ -10582,7 +10448,7 @@
               <a:rPr lang="en-US" smtClean="0"/>
               <a:t>‹Nº›</a:t>
             </a:fld>
-            <a:endParaRPr lang="en-US"/>
+            <a:endParaRPr lang="en-US" dirty="0"/>
           </a:p>
         </p:txBody>
       </p:sp>
@@ -12570,7 +12436,7 @@
             <a:fld id="{B61BEF0D-F0BB-DE4B-95CE-6DB70DBA9567}" type="datetimeFigureOut">
               <a:rPr lang="en-US" dirty="0"/>
               <a:pPr/>
-              <a:t>12/27/2023</a:t>
+              <a:t>12/28/2023</a:t>
             </a:fld>
             <a:endParaRPr lang="en-US" dirty="0"/>
           </a:p>
@@ -13265,19 +13131,7 @@
                 <a:cs typeface="Helvetica Neue Light"/>
                 <a:sym typeface="Helvetica Neue Light"/>
               </a:rPr>
-              <a:t>AUTOR: Barbara </a:t>
-            </a:r>
-            <a:r>
-              <a:rPr lang="es-ES" sz="3500" i="0" u="none" strike="noStrike" cap="none" dirty="0" err="1">
-                <a:solidFill>
-                  <a:srgbClr val="00B050"/>
-                </a:solidFill>
-                <a:latin typeface="Helvetica Neue" panose="020B0604020202020204" charset="0"/>
-                <a:ea typeface="Verdana" panose="020B0604030504040204" pitchFamily="34" charset="0"/>
-                <a:cs typeface="Helvetica Neue Light"/>
-                <a:sym typeface="Helvetica Neue Light"/>
-              </a:rPr>
-              <a:t>Iummato</a:t>
+              <a:t>AUTOR: Barbara Iummato</a:t>
             </a:r>
             <a:endParaRPr lang="es-ES" sz="3500" dirty="0">
               <a:solidFill>
@@ -13328,7 +13182,7 @@
         <p:spPr>
           <a:xfrm>
             <a:off x="366537" y="1280845"/>
-            <a:ext cx="6392001" cy="4322034"/>
+            <a:ext cx="6392001" cy="5614304"/>
           </a:xfrm>
           <a:prstGeom prst="rect">
             <a:avLst/>
@@ -13363,127 +13217,7 @@
                 <a:cs typeface="DM Sans"/>
                 <a:sym typeface="DM Sans"/>
               </a:rPr>
-              <a:t>¿</a:t>
-            </a:r>
-            <a:r>
-              <a:rPr lang="en-US" sz="2000" b="1" dirty="0" err="1">
-                <a:solidFill>
-                  <a:schemeClr val="dk1"/>
-                </a:solidFill>
-                <a:latin typeface="Helvetica Neue" panose="020B0604020202020204" charset="0"/>
-                <a:ea typeface="DM Sans"/>
-                <a:cs typeface="DM Sans"/>
-                <a:sym typeface="DM Sans"/>
-              </a:rPr>
-              <a:t>Qué</a:t>
-            </a:r>
-            <a:r>
-              <a:rPr lang="en-US" sz="2000" b="1" dirty="0">
-                <a:solidFill>
-                  <a:schemeClr val="dk1"/>
-                </a:solidFill>
-                <a:latin typeface="Helvetica Neue" panose="020B0604020202020204" charset="0"/>
-                <a:ea typeface="DM Sans"/>
-                <a:cs typeface="DM Sans"/>
-                <a:sym typeface="DM Sans"/>
-              </a:rPr>
-              <a:t> </a:t>
-            </a:r>
-            <a:r>
-              <a:rPr lang="en-US" sz="2000" b="1" dirty="0" err="1">
-                <a:solidFill>
-                  <a:schemeClr val="dk1"/>
-                </a:solidFill>
-                <a:latin typeface="Helvetica Neue" panose="020B0604020202020204" charset="0"/>
-                <a:ea typeface="DM Sans"/>
-                <a:cs typeface="DM Sans"/>
-                <a:sym typeface="DM Sans"/>
-              </a:rPr>
-              <a:t>autor</a:t>
-            </a:r>
-            <a:r>
-              <a:rPr lang="en-US" sz="2000" b="1" dirty="0">
-                <a:solidFill>
-                  <a:schemeClr val="dk1"/>
-                </a:solidFill>
-                <a:latin typeface="Helvetica Neue" panose="020B0604020202020204" charset="0"/>
-                <a:ea typeface="DM Sans"/>
-                <a:cs typeface="DM Sans"/>
-                <a:sym typeface="DM Sans"/>
-              </a:rPr>
-              <a:t> genera </a:t>
-            </a:r>
-            <a:r>
-              <a:rPr lang="en-US" sz="2000" b="1" dirty="0" err="1">
-                <a:solidFill>
-                  <a:schemeClr val="dk1"/>
-                </a:solidFill>
-                <a:latin typeface="Helvetica Neue" panose="020B0604020202020204" charset="0"/>
-                <a:ea typeface="DM Sans"/>
-                <a:cs typeface="DM Sans"/>
-                <a:sym typeface="DM Sans"/>
-              </a:rPr>
-              <a:t>más</a:t>
-            </a:r>
-            <a:r>
-              <a:rPr lang="en-US" sz="2000" b="1" dirty="0">
-                <a:solidFill>
-                  <a:schemeClr val="dk1"/>
-                </a:solidFill>
-                <a:latin typeface="Helvetica Neue" panose="020B0604020202020204" charset="0"/>
-                <a:ea typeface="DM Sans"/>
-                <a:cs typeface="DM Sans"/>
-                <a:sym typeface="DM Sans"/>
-              </a:rPr>
-              <a:t> </a:t>
-            </a:r>
-            <a:r>
-              <a:rPr lang="en-US" sz="2000" b="1" dirty="0" err="1">
-                <a:solidFill>
-                  <a:schemeClr val="dk1"/>
-                </a:solidFill>
-                <a:latin typeface="Helvetica Neue" panose="020B0604020202020204" charset="0"/>
-                <a:ea typeface="DM Sans"/>
-                <a:cs typeface="DM Sans"/>
-                <a:sym typeface="DM Sans"/>
-              </a:rPr>
-              <a:t>contenido</a:t>
-            </a:r>
-            <a:r>
-              <a:rPr lang="en-US" sz="2000" b="1" dirty="0">
-                <a:solidFill>
-                  <a:schemeClr val="dk1"/>
-                </a:solidFill>
-                <a:latin typeface="Helvetica Neue" panose="020B0604020202020204" charset="0"/>
-                <a:ea typeface="DM Sans"/>
-                <a:cs typeface="DM Sans"/>
-                <a:sym typeface="DM Sans"/>
-              </a:rPr>
-              <a:t> </a:t>
-            </a:r>
-            <a:r>
-              <a:rPr lang="en-US" sz="2000" b="1" dirty="0" err="1">
-                <a:solidFill>
-                  <a:schemeClr val="dk1"/>
-                </a:solidFill>
-                <a:latin typeface="Helvetica Neue" panose="020B0604020202020204" charset="0"/>
-                <a:ea typeface="DM Sans"/>
-                <a:cs typeface="DM Sans"/>
-                <a:sym typeface="DM Sans"/>
-              </a:rPr>
-              <a:t>en</a:t>
-            </a:r>
-            <a:r>
-              <a:rPr lang="en-US" sz="2000" b="1" dirty="0">
-                <a:solidFill>
-                  <a:schemeClr val="dk1"/>
-                </a:solidFill>
-                <a:latin typeface="Helvetica Neue" panose="020B0604020202020204" charset="0"/>
-                <a:ea typeface="DM Sans"/>
-                <a:cs typeface="DM Sans"/>
-                <a:sym typeface="DM Sans"/>
-              </a:rPr>
-              <a:t> Python?</a:t>
+              <a:t>¿Cómo es la distribución de la antiguedad de nuestros clientes y el abandon del servicio?</a:t>
             </a:r>
             <a:endParaRPr dirty="0">
               <a:latin typeface="Helvetica Neue" panose="020B0604020202020204" charset="0"/>
@@ -13493,7 +13227,7 @@
             </a:endParaRPr>
           </a:p>
           <a:p>
-            <a:pPr marL="0" marR="0" lvl="0" indent="0" algn="l" rtl="0">
+            <a:pPr marL="0" marR="0" lvl="0" indent="0" algn="just" rtl="0">
               <a:spcBef>
                 <a:spcPts val="0"/>
               </a:spcBef>
@@ -13513,7 +13247,7 @@
             </a:endParaRPr>
           </a:p>
           <a:p>
-            <a:pPr marL="0" marR="0" lvl="0" indent="0" algn="l" rtl="0">
+            <a:pPr marL="0" marR="0" lvl="0" indent="0" algn="just" rtl="0">
               <a:spcBef>
                 <a:spcPts val="0"/>
               </a:spcBef>
@@ -13523,7 +13257,7 @@
               <a:buNone/>
             </a:pPr>
             <a:r>
-              <a:rPr lang="es-ES" dirty="0">
+              <a:rPr lang="es-ES" sz="1400" dirty="0">
                 <a:solidFill>
                   <a:schemeClr val="dk1"/>
                 </a:solidFill>
@@ -13536,7 +13270,7 @@
             </a:r>
           </a:p>
           <a:p>
-            <a:pPr marL="0" marR="0" lvl="0" indent="0" algn="l" rtl="0">
+            <a:pPr marL="0" marR="0" lvl="0" indent="0" algn="just" rtl="0">
               <a:spcBef>
                 <a:spcPts val="0"/>
               </a:spcBef>
@@ -13545,7 +13279,7 @@
               </a:spcAft>
               <a:buNone/>
             </a:pPr>
-            <a:endParaRPr lang="es-ES" dirty="0">
+            <a:endParaRPr lang="es-ES" sz="1400" dirty="0">
               <a:solidFill>
                 <a:schemeClr val="dk1"/>
               </a:solidFill>
@@ -13556,7 +13290,7 @@
             </a:endParaRPr>
           </a:p>
           <a:p>
-            <a:pPr marL="0" marR="0" lvl="0" indent="0" algn="l" rtl="0">
+            <a:pPr marL="0" marR="0" lvl="0" indent="0" algn="just" rtl="0">
               <a:spcBef>
                 <a:spcPts val="0"/>
               </a:spcBef>
@@ -13566,7 +13300,7 @@
               <a:buNone/>
             </a:pPr>
             <a:r>
-              <a:rPr lang="es-ES" dirty="0">
+              <a:rPr lang="es-ES" sz="1400" dirty="0">
                 <a:solidFill>
                   <a:schemeClr val="dk1"/>
                 </a:solidFill>
@@ -13575,11 +13309,11 @@
                 <a:cs typeface="DM Sans"/>
                 <a:sym typeface="DM Sans"/>
               </a:rPr>
-              <a:t>Una posible conclusión podría ser que los clientes con un historial más corto tienden a tener niveles de satisfacción más altos y abandonan con menos frecuencia en comparación con aquellos con un historial más largo. Esto podría sugerir que dirigirse a estos clientes a corto plazo puede ser más beneficioso para la empresa.</a:t>
+              <a:t>Si analizamos nuestra variable target, vemos que los clientes con un historial más corto tienden a tener niveles de satisfacción más altos y abandonan con menos frecuencia en comparación con aquellos con un historial hasta 37 meses. Esto podría sugerir que dirigirse a estos clientes a corto plazo puede ser más beneficioso para la empresa.</a:t>
             </a:r>
           </a:p>
           <a:p>
-            <a:pPr marL="0" marR="0" lvl="0" indent="0" algn="l" rtl="0">
+            <a:pPr marL="0" marR="0" lvl="0" indent="0" algn="just" rtl="0">
               <a:spcBef>
                 <a:spcPts val="0"/>
               </a:spcBef>
@@ -13588,7 +13322,7 @@
               </a:spcAft>
               <a:buNone/>
             </a:pPr>
-            <a:endParaRPr lang="es-ES" dirty="0">
+            <a:endParaRPr lang="es-ES" sz="1400" dirty="0">
               <a:solidFill>
                 <a:schemeClr val="dk1"/>
               </a:solidFill>
@@ -13599,7 +13333,7 @@
             </a:endParaRPr>
           </a:p>
           <a:p>
-            <a:pPr marL="0" marR="0" lvl="0" indent="0" algn="l" rtl="0">
+            <a:pPr marL="0" marR="0" lvl="0" indent="0" algn="just" rtl="0">
               <a:spcBef>
                 <a:spcPts val="0"/>
               </a:spcBef>
@@ -13609,7 +13343,7 @@
               <a:buNone/>
             </a:pPr>
             <a:r>
-              <a:rPr lang="es-ES" dirty="0">
+              <a:rPr lang="es-ES" sz="1400" dirty="0">
                 <a:solidFill>
                   <a:schemeClr val="dk1"/>
                 </a:solidFill>
@@ -13618,93 +13352,7 @@
                 <a:cs typeface="DM Sans"/>
                 <a:sym typeface="DM Sans"/>
               </a:rPr>
-              <a:t>Sin embargo, es importante considerar otros factores, como la segmentación de clientes y la demografía, antes de hacer suposiciones sobre el comportamiento de los clientes.</a:t>
-            </a:r>
-          </a:p>
-          <a:p>
-            <a:pPr marL="0" marR="0" lvl="0" indent="0" algn="l" rtl="0">
-              <a:spcBef>
-                <a:spcPts val="0"/>
-              </a:spcBef>
-              <a:spcAft>
-                <a:spcPts val="0"/>
-              </a:spcAft>
-              <a:buNone/>
-            </a:pPr>
-            <a:endParaRPr lang="es-ES" dirty="0">
-              <a:solidFill>
-                <a:schemeClr val="dk1"/>
-              </a:solidFill>
-              <a:latin typeface="Helvetica Neue" panose="020B0604020202020204" charset="0"/>
-              <a:ea typeface="DM Sans"/>
-              <a:cs typeface="DM Sans"/>
-              <a:sym typeface="DM Sans"/>
-            </a:endParaRPr>
-          </a:p>
-          <a:p>
-            <a:pPr marL="0" marR="0" lvl="0" indent="0" algn="l" rtl="0">
-              <a:spcBef>
-                <a:spcPts val="0"/>
-              </a:spcBef>
-              <a:spcAft>
-                <a:spcPts val="0"/>
-              </a:spcAft>
-              <a:buNone/>
-            </a:pPr>
-            <a:r>
-              <a:rPr lang="es-ES" dirty="0">
-                <a:solidFill>
-                  <a:schemeClr val="dk1"/>
-                </a:solidFill>
-                <a:latin typeface="Helvetica Neue" panose="020B0604020202020204" charset="0"/>
-                <a:ea typeface="DM Sans"/>
-                <a:cs typeface="DM Sans"/>
-                <a:sym typeface="DM Sans"/>
-              </a:rPr>
-              <a:t>Además, sería útil investigar más a fondo la tasa de abandono y la tasa de retención de clientes en cada uno de estos grupos de edad. Esta información podría ayudar a diseñar estrategias de retención más específicas y efectivas.</a:t>
-            </a:r>
-          </a:p>
-          <a:p>
-            <a:pPr marL="0" marR="0" lvl="0" indent="0" algn="l" rtl="0">
-              <a:spcBef>
-                <a:spcPts val="0"/>
-              </a:spcBef>
-              <a:spcAft>
-                <a:spcPts val="0"/>
-              </a:spcAft>
-              <a:buNone/>
-            </a:pPr>
-            <a:endParaRPr lang="es-ES" dirty="0">
-              <a:solidFill>
-                <a:schemeClr val="dk1"/>
-              </a:solidFill>
-              <a:latin typeface="Helvetica Neue" panose="020B0604020202020204" charset="0"/>
-              <a:ea typeface="DM Sans"/>
-              <a:cs typeface="DM Sans"/>
-              <a:sym typeface="DM Sans"/>
-            </a:endParaRPr>
-          </a:p>
-          <a:p>
-            <a:pPr marL="0" marR="0" lvl="0" indent="0" algn="l" rtl="0">
-              <a:spcBef>
-                <a:spcPts val="0"/>
-              </a:spcBef>
-              <a:spcAft>
-                <a:spcPts val="0"/>
-              </a:spcAft>
-              <a:buNone/>
-            </a:pPr>
-            <a:r>
-              <a:rPr lang="es-ES" dirty="0">
-                <a:solidFill>
-                  <a:schemeClr val="dk1"/>
-                </a:solidFill>
-                <a:latin typeface="Helvetica Neue" panose="020B0604020202020204" charset="0"/>
-                <a:ea typeface="DM Sans"/>
-                <a:cs typeface="DM Sans"/>
-                <a:sym typeface="DM Sans"/>
-              </a:rPr>
-              <a:t>En conclusión, si bien el análisis inicial sugiere un patrón de mayor número de clientes a corto plazo, es necesario realizar más investigaciones y considerar otros factores para obtener una comprensión más completa del comportamiento y las preferencias de los clientes.</a:t>
+              <a:t>Si bien el análisis inicial sugiere un patrón de mayor número de clientes a corto plazo, complementaremos esta investigaciones con otros factores para obtener una comprensión más completa del comportamiento y las preferencias de los clientes.</a:t>
             </a:r>
             <a:endParaRPr sz="1400" dirty="0">
               <a:solidFill>
@@ -13772,7 +13420,7 @@
               </a:rPr>
               <a:t>10</a:t>
             </a:fld>
-            <a:endParaRPr sz="1050" b="0" i="0" u="none" strike="noStrike" cap="none">
+            <a:endParaRPr sz="1050" b="0" i="0" u="none" strike="noStrike" cap="none" dirty="0">
               <a:solidFill>
                 <a:srgbClr val="000000"/>
               </a:solidFill>
@@ -13915,23 +13563,7 @@
           <a:p>
             <a:r>
               <a:rPr lang="en-US" sz="1200" dirty="0"/>
-              <a:t>Antiguedad de </a:t>
-            </a:r>
-            <a:r>
-              <a:rPr lang="en-US" sz="1200" dirty="0" err="1"/>
-              <a:t>nuestros</a:t>
-            </a:r>
-            <a:r>
-              <a:rPr lang="en-US" sz="1200" dirty="0"/>
-              <a:t>  Clientess (</a:t>
-            </a:r>
-            <a:r>
-              <a:rPr lang="en-US" sz="1200" dirty="0" err="1"/>
-              <a:t>en</a:t>
-            </a:r>
-            <a:r>
-              <a:rPr lang="en-US" sz="1200" dirty="0"/>
-              <a:t> meses)</a:t>
+              <a:t>Antiguedad de nuestros  Clientess (en meses)</a:t>
             </a:r>
             <a:endParaRPr sz="1200" dirty="0"/>
           </a:p>
@@ -13980,7 +13612,7 @@
           <a:lstStyle/>
           <a:p>
             <a:pPr algn="ctr"/>
-            <a:endParaRPr lang="es-AR">
+            <a:endParaRPr lang="es-AR" dirty="0">
               <a:solidFill>
                 <a:schemeClr val="tx1"/>
               </a:solidFill>
@@ -14079,97 +13711,7 @@
                 </a:solidFill>
                 <a:latin typeface="Helvetica Neue" panose="020B0604020202020204" charset="0"/>
               </a:rPr>
-              <a:t>Antiguedad de </a:t>
-            </a:r>
-            <a:r>
-              <a:rPr lang="en-US" sz="1200" b="1" dirty="0" err="1">
-                <a:solidFill>
-                  <a:schemeClr val="dk1"/>
-                </a:solidFill>
-                <a:latin typeface="Helvetica Neue" panose="020B0604020202020204" charset="0"/>
-              </a:rPr>
-              <a:t>nuestros</a:t>
-            </a:r>
-            <a:r>
-              <a:rPr lang="en-US" sz="1200" b="1" dirty="0">
-                <a:solidFill>
-                  <a:schemeClr val="dk1"/>
-                </a:solidFill>
-                <a:latin typeface="Helvetica Neue" panose="020B0604020202020204" charset="0"/>
-              </a:rPr>
-              <a:t> Clientes </a:t>
-            </a:r>
-            <a:r>
-              <a:rPr lang="en-US" sz="1200" b="1" dirty="0" err="1">
-                <a:solidFill>
-                  <a:schemeClr val="dk1"/>
-                </a:solidFill>
-                <a:latin typeface="Helvetica Neue" panose="020B0604020202020204" charset="0"/>
-              </a:rPr>
-              <a:t>abiertos</a:t>
-            </a:r>
-            <a:r>
-              <a:rPr lang="en-US" sz="1200" b="1" dirty="0">
-                <a:solidFill>
-                  <a:schemeClr val="dk1"/>
-                </a:solidFill>
-                <a:latin typeface="Helvetica Neue" panose="020B0604020202020204" charset="0"/>
-              </a:rPr>
-              <a:t> </a:t>
-            </a:r>
-            <a:r>
-              <a:rPr lang="en-US" sz="1200" b="1" dirty="0" err="1">
-                <a:solidFill>
-                  <a:schemeClr val="dk1"/>
-                </a:solidFill>
-                <a:latin typeface="Helvetica Neue" panose="020B0604020202020204" charset="0"/>
-              </a:rPr>
-              <a:t>por</a:t>
-            </a:r>
-            <a:r>
-              <a:rPr lang="en-US" sz="1200" b="1" dirty="0">
-                <a:solidFill>
-                  <a:schemeClr val="dk1"/>
-                </a:solidFill>
-                <a:latin typeface="Helvetica Neue" panose="020B0604020202020204" charset="0"/>
-              </a:rPr>
-              <a:t> </a:t>
-            </a:r>
-            <a:r>
-              <a:rPr lang="en-US" sz="1200" b="1" dirty="0" err="1">
-                <a:solidFill>
-                  <a:schemeClr val="dk1"/>
-                </a:solidFill>
-                <a:latin typeface="Helvetica Neue" panose="020B0604020202020204" charset="0"/>
-              </a:rPr>
-              <a:t>nuestra</a:t>
-            </a:r>
-            <a:r>
-              <a:rPr lang="en-US" sz="1200" b="1" dirty="0">
-                <a:solidFill>
-                  <a:schemeClr val="dk1"/>
-                </a:solidFill>
-                <a:latin typeface="Helvetica Neue" panose="020B0604020202020204" charset="0"/>
-              </a:rPr>
-              <a:t> variable target  (</a:t>
-            </a:r>
-            <a:r>
-              <a:rPr lang="en-US" sz="1200" b="1" dirty="0" err="1">
-                <a:solidFill>
-                  <a:schemeClr val="dk1"/>
-                </a:solidFill>
-                <a:latin typeface="Helvetica Neue" panose="020B0604020202020204" charset="0"/>
-              </a:rPr>
-              <a:t>en</a:t>
-            </a:r>
-            <a:r>
-              <a:rPr lang="en-US" sz="1200" b="1" dirty="0">
-                <a:solidFill>
-                  <a:schemeClr val="dk1"/>
-                </a:solidFill>
-                <a:latin typeface="Helvetica Neue" panose="020B0604020202020204" charset="0"/>
-              </a:rPr>
-              <a:t> meses)</a:t>
+              <a:t>Antiguedad de nuestros Clientes abiertos por nuestra variable target  (en meses)</a:t>
             </a:r>
             <a:endParaRPr sz="1200" b="1" dirty="0">
               <a:solidFill>
@@ -14282,127 +13824,7 @@
                 <a:cs typeface="DM Sans"/>
                 <a:sym typeface="DM Sans"/>
               </a:rPr>
-              <a:t>¿Hay </a:t>
-            </a:r>
-            <a:r>
-              <a:rPr lang="en-US" sz="2000" b="1" dirty="0" err="1">
-                <a:solidFill>
-                  <a:schemeClr val="dk1"/>
-                </a:solidFill>
-                <a:latin typeface="Helvetica Neue" panose="020B0604020202020204" charset="0"/>
-                <a:ea typeface="DM Sans"/>
-                <a:cs typeface="DM Sans"/>
-                <a:sym typeface="DM Sans"/>
-              </a:rPr>
-              <a:t>relación</a:t>
-            </a:r>
-            <a:r>
-              <a:rPr lang="en-US" sz="2000" b="1" dirty="0">
-                <a:solidFill>
-                  <a:schemeClr val="dk1"/>
-                </a:solidFill>
-                <a:latin typeface="Helvetica Neue" panose="020B0604020202020204" charset="0"/>
-                <a:ea typeface="DM Sans"/>
-                <a:cs typeface="DM Sans"/>
-                <a:sym typeface="DM Sans"/>
-              </a:rPr>
-              <a:t> entre </a:t>
-            </a:r>
-            <a:r>
-              <a:rPr lang="en-US" sz="2000" b="1" dirty="0" err="1">
-                <a:solidFill>
-                  <a:schemeClr val="dk1"/>
-                </a:solidFill>
-                <a:latin typeface="Helvetica Neue" panose="020B0604020202020204" charset="0"/>
-                <a:ea typeface="DM Sans"/>
-                <a:cs typeface="DM Sans"/>
-                <a:sym typeface="DM Sans"/>
-              </a:rPr>
-              <a:t>el</a:t>
-            </a:r>
-            <a:r>
-              <a:rPr lang="en-US" sz="2000" b="1" dirty="0">
-                <a:solidFill>
-                  <a:schemeClr val="dk1"/>
-                </a:solidFill>
-                <a:latin typeface="Helvetica Neue" panose="020B0604020202020204" charset="0"/>
-                <a:ea typeface="DM Sans"/>
-                <a:cs typeface="DM Sans"/>
-                <a:sym typeface="DM Sans"/>
-              </a:rPr>
-              <a:t> </a:t>
-            </a:r>
-            <a:r>
-              <a:rPr lang="en-US" sz="2000" b="1" dirty="0" err="1">
-                <a:solidFill>
-                  <a:schemeClr val="dk1"/>
-                </a:solidFill>
-                <a:latin typeface="Helvetica Neue" panose="020B0604020202020204" charset="0"/>
-                <a:ea typeface="DM Sans"/>
-                <a:cs typeface="DM Sans"/>
-                <a:sym typeface="DM Sans"/>
-              </a:rPr>
-              <a:t>rango</a:t>
-            </a:r>
-            <a:r>
-              <a:rPr lang="en-US" sz="2000" b="1" dirty="0">
-                <a:solidFill>
-                  <a:schemeClr val="dk1"/>
-                </a:solidFill>
-                <a:latin typeface="Helvetica Neue" panose="020B0604020202020204" charset="0"/>
-                <a:ea typeface="DM Sans"/>
-                <a:cs typeface="DM Sans"/>
-                <a:sym typeface="DM Sans"/>
-              </a:rPr>
-              <a:t> de </a:t>
-            </a:r>
-            <a:r>
-              <a:rPr lang="en-US" sz="2000" b="1" dirty="0" err="1">
-                <a:solidFill>
-                  <a:schemeClr val="dk1"/>
-                </a:solidFill>
-                <a:latin typeface="Helvetica Neue" panose="020B0604020202020204" charset="0"/>
-                <a:ea typeface="DM Sans"/>
-                <a:cs typeface="DM Sans"/>
-                <a:sym typeface="DM Sans"/>
-              </a:rPr>
-              <a:t>ingresos</a:t>
-            </a:r>
-            <a:r>
-              <a:rPr lang="en-US" sz="2000" b="1" dirty="0">
-                <a:solidFill>
-                  <a:schemeClr val="dk1"/>
-                </a:solidFill>
-                <a:latin typeface="Helvetica Neue" panose="020B0604020202020204" charset="0"/>
-                <a:ea typeface="DM Sans"/>
-                <a:cs typeface="DM Sans"/>
-                <a:sym typeface="DM Sans"/>
-              </a:rPr>
-              <a:t> y </a:t>
-            </a:r>
-            <a:r>
-              <a:rPr lang="en-US" sz="2000" b="1" dirty="0" err="1">
-                <a:solidFill>
-                  <a:schemeClr val="dk1"/>
-                </a:solidFill>
-                <a:latin typeface="Helvetica Neue" panose="020B0604020202020204" charset="0"/>
-                <a:ea typeface="DM Sans"/>
-                <a:cs typeface="DM Sans"/>
-                <a:sym typeface="DM Sans"/>
-              </a:rPr>
-              <a:t>nuestra</a:t>
-            </a:r>
-            <a:r>
-              <a:rPr lang="en-US" sz="2000" b="1" dirty="0">
-                <a:solidFill>
-                  <a:schemeClr val="dk1"/>
-                </a:solidFill>
-                <a:latin typeface="Helvetica Neue" panose="020B0604020202020204" charset="0"/>
-                <a:ea typeface="DM Sans"/>
-                <a:cs typeface="DM Sans"/>
-                <a:sym typeface="DM Sans"/>
-              </a:rPr>
-              <a:t> variable target?</a:t>
+              <a:t>¿Hay relación entre el rango de ingresos y nuestra variable target?</a:t>
             </a:r>
             <a:endParaRPr dirty="0">
               <a:latin typeface="Helvetica Neue" panose="020B0604020202020204" charset="0"/>
@@ -14487,7 +13909,7 @@
               </a:rPr>
               <a:t>11</a:t>
             </a:fld>
-            <a:endParaRPr sz="1050" b="0" i="0" u="none" strike="noStrike" cap="none">
+            <a:endParaRPr sz="1050" b="0" i="0" u="none" strike="noStrike" cap="none" dirty="0">
               <a:solidFill>
                 <a:srgbClr val="000000"/>
               </a:solidFill>
@@ -14616,7 +14038,7 @@
           <a:lstStyle/>
           <a:p>
             <a:pPr algn="ctr"/>
-            <a:endParaRPr lang="es-AR">
+            <a:endParaRPr lang="es-AR" dirty="0">
               <a:solidFill>
                 <a:schemeClr val="tx1"/>
               </a:solidFill>
@@ -14845,7 +14267,7 @@
               </a:rPr>
               <a:t>12</a:t>
             </a:fld>
-            <a:endParaRPr sz="1050" b="0" i="0" u="none" strike="noStrike" cap="none">
+            <a:endParaRPr sz="1050" b="0" i="0" u="none" strike="noStrike" cap="none" dirty="0">
               <a:solidFill>
                 <a:srgbClr val="000000"/>
               </a:solidFill>
@@ -14901,127 +14323,7 @@
                 <a:cs typeface="DM Sans"/>
                 <a:sym typeface="DM Sans"/>
               </a:rPr>
-              <a:t>¿</a:t>
-            </a:r>
-            <a:r>
-              <a:rPr lang="en-US" sz="2000" b="1" dirty="0" err="1">
-                <a:solidFill>
-                  <a:schemeClr val="dk1"/>
-                </a:solidFill>
-                <a:latin typeface="Helvetica Neue" panose="020B0604020202020204" charset="0"/>
-                <a:ea typeface="DM Sans"/>
-                <a:cs typeface="DM Sans"/>
-                <a:sym typeface="DM Sans"/>
-              </a:rPr>
-              <a:t>Cuáles</a:t>
-            </a:r>
-            <a:r>
-              <a:rPr lang="en-US" sz="2000" b="1" dirty="0">
-                <a:solidFill>
-                  <a:schemeClr val="dk1"/>
-                </a:solidFill>
-                <a:latin typeface="Helvetica Neue" panose="020B0604020202020204" charset="0"/>
-                <a:ea typeface="DM Sans"/>
-                <a:cs typeface="DM Sans"/>
-                <a:sym typeface="DM Sans"/>
-              </a:rPr>
-              <a:t> son las variables con </a:t>
-            </a:r>
-            <a:r>
-              <a:rPr lang="en-US" sz="2000" b="1" dirty="0" err="1">
-                <a:solidFill>
-                  <a:schemeClr val="dk1"/>
-                </a:solidFill>
-                <a:latin typeface="Helvetica Neue" panose="020B0604020202020204" charset="0"/>
-                <a:ea typeface="DM Sans"/>
-                <a:cs typeface="DM Sans"/>
-                <a:sym typeface="DM Sans"/>
-              </a:rPr>
-              <a:t>correlación</a:t>
-            </a:r>
-            <a:r>
-              <a:rPr lang="en-US" sz="2000" b="1" dirty="0">
-                <a:solidFill>
-                  <a:schemeClr val="dk1"/>
-                </a:solidFill>
-                <a:latin typeface="Helvetica Neue" panose="020B0604020202020204" charset="0"/>
-                <a:ea typeface="DM Sans"/>
-                <a:cs typeface="DM Sans"/>
-                <a:sym typeface="DM Sans"/>
-              </a:rPr>
-              <a:t> </a:t>
-            </a:r>
-            <a:r>
-              <a:rPr lang="en-US" sz="2000" b="1" dirty="0" err="1">
-                <a:solidFill>
-                  <a:schemeClr val="dk1"/>
-                </a:solidFill>
-                <a:latin typeface="Helvetica Neue" panose="020B0604020202020204" charset="0"/>
-                <a:ea typeface="DM Sans"/>
-                <a:cs typeface="DM Sans"/>
-                <a:sym typeface="DM Sans"/>
-              </a:rPr>
-              <a:t>más</a:t>
-            </a:r>
-            <a:r>
-              <a:rPr lang="en-US" sz="2000" b="1" dirty="0">
-                <a:solidFill>
-                  <a:schemeClr val="dk1"/>
-                </a:solidFill>
-                <a:latin typeface="Helvetica Neue" panose="020B0604020202020204" charset="0"/>
-                <a:ea typeface="DM Sans"/>
-                <a:cs typeface="DM Sans"/>
-                <a:sym typeface="DM Sans"/>
-              </a:rPr>
-              <a:t> </a:t>
-            </a:r>
-            <a:r>
-              <a:rPr lang="en-US" sz="2000" b="1" dirty="0" err="1">
-                <a:solidFill>
-                  <a:schemeClr val="dk1"/>
-                </a:solidFill>
-                <a:latin typeface="Helvetica Neue" panose="020B0604020202020204" charset="0"/>
-                <a:ea typeface="DM Sans"/>
-                <a:cs typeface="DM Sans"/>
-                <a:sym typeface="DM Sans"/>
-              </a:rPr>
-              <a:t>fuerte</a:t>
-            </a:r>
-            <a:r>
-              <a:rPr lang="en-US" sz="2000" b="1" dirty="0">
-                <a:solidFill>
-                  <a:schemeClr val="dk1"/>
-                </a:solidFill>
-                <a:latin typeface="Helvetica Neue" panose="020B0604020202020204" charset="0"/>
-                <a:ea typeface="DM Sans"/>
-                <a:cs typeface="DM Sans"/>
-                <a:sym typeface="DM Sans"/>
-              </a:rPr>
-              <a:t> a </a:t>
-            </a:r>
-            <a:r>
-              <a:rPr lang="en-US" sz="2000" b="1" dirty="0" err="1">
-                <a:solidFill>
-                  <a:schemeClr val="dk1"/>
-                </a:solidFill>
-                <a:latin typeface="Helvetica Neue" panose="020B0604020202020204" charset="0"/>
-                <a:ea typeface="DM Sans"/>
-                <a:cs typeface="DM Sans"/>
-                <a:sym typeface="DM Sans"/>
-              </a:rPr>
-              <a:t>nuestra</a:t>
-            </a:r>
-            <a:r>
-              <a:rPr lang="en-US" sz="2000" b="1" dirty="0">
-                <a:solidFill>
-                  <a:schemeClr val="dk1"/>
-                </a:solidFill>
-                <a:latin typeface="Helvetica Neue" panose="020B0604020202020204" charset="0"/>
-                <a:ea typeface="DM Sans"/>
-                <a:cs typeface="DM Sans"/>
-                <a:sym typeface="DM Sans"/>
-              </a:rPr>
-              <a:t> variable target?</a:t>
+              <a:t>¿Cuál es el modelo predictivo con mayor precisión?</a:t>
             </a:r>
             <a:endParaRPr dirty="0">
               <a:latin typeface="Helvetica Neue" panose="020B0604020202020204" charset="0"/>
@@ -15076,11 +14378,7 @@
             </a:pPr>
             <a:r>
               <a:rPr lang="en-US" sz="2800" b="1" dirty="0"/>
-              <a:t>CORRELACIÓN</a:t>
-            </a:r>
-            <a:r>
-              <a:rPr lang="en-US" sz="2800" dirty="0"/>
-              <a:t> DE VARIABLES </a:t>
+              <a:t>MODELOS PREDICIVOS</a:t>
             </a:r>
             <a:endParaRPr sz="2800" dirty="0"/>
           </a:p>
@@ -15094,8 +14392,8 @@
         </p:nvSpPr>
         <p:spPr>
           <a:xfrm>
-            <a:off x="5426242" y="1055474"/>
-            <a:ext cx="6677526" cy="4551241"/>
+            <a:off x="5426242" y="1055475"/>
+            <a:ext cx="6569242" cy="1808042"/>
           </a:xfrm>
           <a:prstGeom prst="rect">
             <a:avLst/>
@@ -15111,9 +14409,9 @@
           </a:bodyPr>
           <a:lstStyle/>
           <a:p>
-            <a:pPr lvl="0"/>
+            <a:pPr lvl="0" algn="just"/>
             <a:r>
-              <a:rPr lang="es-ES" sz="1300" dirty="0">
+              <a:rPr lang="es-ES" sz="1400" dirty="0">
                 <a:solidFill>
                   <a:schemeClr val="dk1"/>
                 </a:solidFill>
@@ -15122,11 +14420,23 @@
                 <a:cs typeface="DM Sans"/>
                 <a:sym typeface="DM Sans"/>
               </a:rPr>
-              <a:t>El siguiente mapa de calor se colorea según los coeficientes de correlación, que van de -1 a 1. Un coeficiente de 1 significa que existe una correlación positiva perfecta entre las dos variables, mientras que un coeficiente de -1 significa que existe una correlación negativa perfecta.</a:t>
+              <a:t>De acuerdo a nuestro análisis de la matriz de confusión podemos observar que el</a:t>
             </a:r>
-          </a:p>
-          <a:p>
-            <a:pPr lvl="0"/>
+            <a:r>
+              <a:rPr lang="es-ES" sz="1300" dirty="0">
+                <a:solidFill>
+                  <a:schemeClr val="dk1"/>
+                </a:solidFill>
+                <a:latin typeface="Helvetica Neue" panose="020B0604020202020204" charset="0"/>
+                <a:ea typeface="DM Sans"/>
+                <a:cs typeface="DM Sans"/>
+                <a:sym typeface="DM Sans"/>
+              </a:rPr>
+              <a:t> mejor clasificador es AdaBoost con precisión = 0.88, recall = 0.82. Si realizamos la curva de ROC obtenemos la métrica AUC - 0.98 que resulta consistente con nuestra matriz de confusión.</a:t>
+            </a:r>
+          </a:p>
+          <a:p>
+            <a:pPr lvl="0" algn="just"/>
             <a:endParaRPr lang="es-ES" sz="1300" dirty="0">
               <a:solidFill>
                 <a:schemeClr val="dk1"/>
@@ -15138,7 +14448,22 @@
             </a:endParaRPr>
           </a:p>
           <a:p>
-            <a:pPr lvl="0"/>
+            <a:pPr lvl="0" algn="just"/>
+            <a:r>
+              <a:rPr lang="es-ES" sz="1300" dirty="0">
+                <a:solidFill>
+                  <a:schemeClr val="dk1"/>
+                </a:solidFill>
+                <a:latin typeface="Helvetica Neue" panose="020B0604020202020204" charset="0"/>
+                <a:ea typeface="DM Sans"/>
+                <a:cs typeface="DM Sans"/>
+                <a:sym typeface="DM Sans"/>
+              </a:rPr>
+              <a:t>Las métricas de AdaBoostClassifier son bastante buenas. La matriz de confusión muestra que el modelo hizo 396 predicciones correctas para "Existing Customer" y 2497 predicciones correctas para "Attrited Customer". </a:t>
+            </a:r>
+          </a:p>
+          <a:p>
+            <a:pPr lvl="0" algn="just"/>
             <a:endParaRPr lang="es-ES" sz="1300" dirty="0">
               <a:solidFill>
                 <a:schemeClr val="dk1"/>
@@ -15150,7 +14475,19 @@
             </a:endParaRPr>
           </a:p>
           <a:p>
-            <a:pPr lvl="0"/>
+            <a:pPr lvl="0" algn="just"/>
+            <a:endParaRPr lang="es-ES" sz="1300" dirty="0">
+              <a:solidFill>
+                <a:schemeClr val="dk1"/>
+              </a:solidFill>
+              <a:latin typeface="Helvetica Neue" panose="020B0604020202020204" charset="0"/>
+              <a:ea typeface="DM Sans"/>
+              <a:cs typeface="DM Sans"/>
+              <a:sym typeface="DM Sans"/>
+            </a:endParaRPr>
+          </a:p>
+          <a:p>
+            <a:pPr lvl="0" algn="just"/>
             <a:r>
               <a:rPr lang="es-ES" sz="1300" dirty="0">
                 <a:solidFill>
@@ -15218,7 +14555,7 @@
           <a:lstStyle/>
           <a:p>
             <a:pPr algn="ctr"/>
-            <a:endParaRPr lang="es-AR">
+            <a:endParaRPr lang="es-AR" dirty="0">
               <a:solidFill>
                 <a:schemeClr val="tx1"/>
               </a:solidFill>
@@ -15228,10 +14565,10 @@
       </p:sp>
       <p:pic>
         <p:nvPicPr>
-          <p:cNvPr id="4" name="Imagen 3">
+          <p:cNvPr id="5" name="Imagen 4">
             <a:extLst>
               <a:ext uri="{FF2B5EF4-FFF2-40B4-BE49-F238E27FC236}">
-                <a16:creationId xmlns:a16="http://schemas.microsoft.com/office/drawing/2014/main" id="{438E379C-93C4-7416-4973-4616420EB33C}"/>
+                <a16:creationId xmlns:a16="http://schemas.microsoft.com/office/drawing/2014/main" id="{38BD45AB-D225-9794-641F-EBCFF69993D1}"/>
               </a:ext>
             </a:extLst>
           </p:cNvPr>
@@ -15248,15 +14585,50 @@
         </p:blipFill>
         <p:spPr>
           <a:xfrm>
-            <a:off x="480873" y="1351047"/>
-            <a:ext cx="4895850" cy="3533775"/>
+            <a:off x="308058" y="1464344"/>
+            <a:ext cx="4886325" cy="3448050"/>
           </a:xfrm>
           <a:prstGeom prst="rect">
             <a:avLst/>
           </a:prstGeom>
         </p:spPr>
       </p:pic>
+      <p:pic>
+        <p:nvPicPr>
+          <p:cNvPr id="7" name="Imagen 6">
+            <a:extLst>
+              <a:ext uri="{FF2B5EF4-FFF2-40B4-BE49-F238E27FC236}">
+                <a16:creationId xmlns:a16="http://schemas.microsoft.com/office/drawing/2014/main" id="{F084DB78-95C8-8C8D-3C76-814E0B1CB3E1}"/>
+              </a:ext>
+            </a:extLst>
+          </p:cNvPr>
+          <p:cNvPicPr>
+            <a:picLocks noChangeAspect="1"/>
+          </p:cNvPicPr>
+          <p:nvPr/>
+        </p:nvPicPr>
+        <p:blipFill>
+          <a:blip r:embed="rId5"/>
+          <a:stretch>
+            <a:fillRect/>
+          </a:stretch>
+        </p:blipFill>
+        <p:spPr>
+          <a:xfrm>
+            <a:off x="6096000" y="3468624"/>
+            <a:ext cx="5667375" cy="2514600"/>
+          </a:xfrm>
+          <a:prstGeom prst="rect">
+            <a:avLst/>
+          </a:prstGeom>
+        </p:spPr>
+      </p:pic>
     </p:spTree>
+    <p:extLst>
+      <p:ext uri="{BB962C8B-B14F-4D97-AF65-F5344CB8AC3E}">
+        <p14:creationId xmlns:p14="http://schemas.microsoft.com/office/powerpoint/2010/main" val="1974999091"/>
+      </p:ext>
+    </p:extLst>
   </p:cSld>
   <p:clrMapOvr>
     <a:masterClrMapping/>
@@ -15421,7 +14793,7 @@
               </a:rPr>
               <a:t>13</a:t>
             </a:fld>
-            <a:endParaRPr sz="1050" b="0" i="0" u="none" strike="noStrike" cap="none">
+            <a:endParaRPr sz="1050" b="0" i="0" u="none" strike="noStrike" cap="none" dirty="0">
               <a:solidFill>
                 <a:srgbClr val="000000"/>
               </a:solidFill>
@@ -15476,10 +14848,10 @@
               <a:buNone/>
             </a:pPr>
             <a:r>
-              <a:rPr lang="en-US" sz="6000"/>
+              <a:rPr lang="en-US" sz="6000" dirty="0"/>
               <a:t>INSIGHTS &amp;</a:t>
             </a:r>
-            <a:endParaRPr sz="6000"/>
+            <a:endParaRPr sz="6000" dirty="0"/>
           </a:p>
           <a:p>
             <a:pPr marL="0" marR="0" lvl="0" indent="0" algn="ctr" rtl="0">
@@ -15500,7 +14872,7 @@
               <a:buNone/>
             </a:pPr>
             <a:r>
-              <a:rPr lang="en-US" sz="6000" b="1" cap="none">
+              <a:rPr lang="en-US" sz="6000" b="1" cap="none" dirty="0">
                 <a:solidFill>
                   <a:srgbClr val="000000"/>
                 </a:solidFill>
@@ -15512,10 +14884,10 @@
               <a:t>RECOMENDA</a:t>
             </a:r>
             <a:r>
-              <a:rPr lang="en-US" sz="6000" b="1"/>
+              <a:rPr lang="en-US" sz="6000" b="1" dirty="0"/>
               <a:t>CIONES</a:t>
             </a:r>
-            <a:endParaRPr sz="6000" b="1" i="0" u="none" strike="noStrike" cap="none">
+            <a:endParaRPr sz="6000" b="1" i="0" u="none" strike="noStrike" cap="none" dirty="0">
               <a:solidFill>
                 <a:srgbClr val="000000"/>
               </a:solidFill>
@@ -15597,7 +14969,7 @@
               <a:buFont typeface="Arial"/>
               <a:buNone/>
             </a:pPr>
-            <a:endParaRPr sz="1600" i="0" u="none" strike="noStrike" cap="none">
+            <a:endParaRPr sz="1600" i="0" u="none" strike="noStrike" cap="none" dirty="0">
               <a:solidFill>
                 <a:srgbClr val="000000"/>
               </a:solidFill>
@@ -15689,7 +15061,7 @@
               </a:rPr>
               <a:t>14</a:t>
             </a:fld>
-            <a:endParaRPr sz="1050" i="0" u="none" strike="noStrike" cap="none">
+            <a:endParaRPr sz="1050" i="0" u="none" strike="noStrike" cap="none" dirty="0">
               <a:solidFill>
                 <a:srgbClr val="000000"/>
               </a:solidFill>
@@ -15780,7 +15152,7 @@
         <p:spPr>
           <a:xfrm>
             <a:off x="4554112" y="315472"/>
-            <a:ext cx="7473949" cy="4355001"/>
+            <a:ext cx="7582356" cy="5543907"/>
           </a:xfrm>
           <a:prstGeom prst="rect">
             <a:avLst/>
@@ -15810,7 +15182,7 @@
                 <a:solidFill>
                   <a:schemeClr val="dk1"/>
                 </a:solidFill>
-                <a:latin typeface="DM Sans"/>
+                <a:latin typeface="Helvetica Neue" panose="020B0604020202020204" charset="0"/>
                 <a:ea typeface="DM Sans"/>
                 <a:cs typeface="DM Sans"/>
                 <a:sym typeface="DM Sans"/>
@@ -15818,7 +15190,7 @@
               <a:t>Insights </a:t>
             </a:r>
             <a:endParaRPr dirty="0">
-              <a:latin typeface="DM Sans"/>
+              <a:latin typeface="Helvetica Neue" panose="020B0604020202020204" charset="0"/>
               <a:ea typeface="DM Sans"/>
               <a:cs typeface="DM Sans"/>
               <a:sym typeface="DM Sans"/>
@@ -15844,13 +15216,38 @@
                 <a:solidFill>
                   <a:schemeClr val="dk1"/>
                 </a:solidFill>
-                <a:latin typeface="DM Sans"/>
+                <a:latin typeface="Helvetica Neue" panose="020B0604020202020204" charset="0"/>
                 <a:ea typeface="DM Sans"/>
                 <a:cs typeface="DM Sans"/>
                 <a:sym typeface="DM Sans"/>
               </a:rPr>
               <a:t>La variable Edad tiene una probabilidad de 0,979 de ser dependiente de nuestra variable target. Esto quiere decir que cada vez que un nuevo cliente se sume podremos predecir la probabilidad de que abandone el servicio de acuerdo a su edad.</a:t>
             </a:r>
+          </a:p>
+          <a:p>
+            <a:pPr marL="285750" marR="0" lvl="0" indent="-279400" algn="l" rtl="0">
+              <a:spcBef>
+                <a:spcPts val="0"/>
+              </a:spcBef>
+              <a:spcAft>
+                <a:spcPts val="0"/>
+              </a:spcAft>
+              <a:buClr>
+                <a:schemeClr val="dk1"/>
+              </a:buClr>
+              <a:buSzPts val="1400"/>
+              <a:buFont typeface="DM Sans"/>
+              <a:buChar char="❑"/>
+            </a:pPr>
+            <a:endParaRPr lang="es-ES" dirty="0">
+              <a:solidFill>
+                <a:schemeClr val="dk1"/>
+              </a:solidFill>
+              <a:latin typeface="Helvetica Neue" panose="020B0604020202020204" charset="0"/>
+              <a:ea typeface="DM Sans"/>
+              <a:cs typeface="DM Sans"/>
+              <a:sym typeface="DM Sans"/>
+            </a:endParaRPr>
           </a:p>
           <a:p>
             <a:pPr marL="285750" marR="0" lvl="0" indent="-279400" algn="l" rtl="0">
@@ -15976,6 +15373,21 @@
             </a:r>
           </a:p>
           <a:p>
+            <a:pPr marL="463550" lvl="1">
+              <a:buClr>
+                <a:schemeClr val="dk1"/>
+              </a:buClr>
+              <a:buSzPts val="1400"/>
+            </a:pPr>
+            <a:endParaRPr lang="es-ES" b="0" i="0" dirty="0">
+              <a:solidFill>
+                <a:srgbClr val="000000"/>
+              </a:solidFill>
+              <a:effectLst/>
+              <a:latin typeface="Helvetica Neue" panose="020B0604020202020204" charset="0"/>
+            </a:endParaRPr>
+          </a:p>
+          <a:p>
             <a:pPr marL="292100" indent="-285750">
               <a:buClr>
                 <a:schemeClr val="dk1"/>
@@ -15994,7 +15406,7 @@
                 <a:cs typeface="DM Sans"/>
                 <a:sym typeface="DM Sans"/>
               </a:rPr>
-              <a:t>Es decir que nuestro modelo predictivo podrá evaluar para cada nuevo cliente la probabilidad de que abandone el servicio según las variables mencionadas.</a:t>
+              <a:t>Nuestro modelo predictivo podrá evaluar para cada nuevo cliente la probabilidad de que abandone el servicio según las variables mencionadas. Utilizaremos el clasificador es AdaBoost con *precisión = 0.88, recall = 0.82</a:t>
             </a:r>
           </a:p>
           <a:p>
@@ -16010,7 +15422,7 @@
               <a:solidFill>
                 <a:schemeClr val="dk1"/>
               </a:solidFill>
-              <a:latin typeface="DM Sans"/>
+              <a:latin typeface="Helvetica Neue" panose="020B0604020202020204" charset="0"/>
               <a:ea typeface="DM Sans"/>
               <a:cs typeface="DM Sans"/>
               <a:sym typeface="DM Sans"/>
@@ -16061,7 +15473,7 @@
           <a:lstStyle/>
           <a:p>
             <a:pPr algn="ctr"/>
-            <a:endParaRPr lang="es-AR">
+            <a:endParaRPr lang="es-AR" dirty="0">
               <a:solidFill>
                 <a:schemeClr val="tx1"/>
               </a:solidFill>
@@ -16222,7 +15634,7 @@
               <a:buNone/>
             </a:pPr>
             <a:r>
-              <a:rPr lang="en-US" sz="2400" i="0" u="none" strike="noStrike" cap="none" dirty="0" err="1">
+              <a:rPr lang="en-US" sz="2400" i="0" u="none" strike="noStrike" cap="none" dirty="0">
                 <a:solidFill>
                   <a:schemeClr val="tx2">
                     <a:lumMod val="75000"/>
@@ -16240,28 +15652,7 @@
                   </a:extLst>
                 </a:hlinkClick>
               </a:rPr>
-              <a:t>Contexto</a:t>
-            </a:r>
-            <a:r>
-              <a:rPr lang="en-US" sz="2400" i="0" u="none" strike="noStrike" cap="none" dirty="0">
-                <a:solidFill>
-                  <a:schemeClr val="tx2">
-                    <a:lumMod val="75000"/>
-                  </a:schemeClr>
-                </a:solidFill>
-                <a:latin typeface="Anton" pitchFamily="2" charset="0"/>
-                <a:ea typeface="Verdana" panose="020B0604030504040204" pitchFamily="34" charset="0"/>
-                <a:cs typeface="Helvetica Neue Light"/>
-                <a:sym typeface="Helvetica Neue Light"/>
-                <a:hlinkClick r:id="rId3" action="ppaction://hlinksldjump">
-                  <a:extLst>
-                    <a:ext uri="{A12FA001-AC4F-418D-AE19-62706E023703}">
-                      <ahyp:hlinkClr xmlns:ahyp="http://schemas.microsoft.com/office/drawing/2018/hyperlinkcolor" val="tx"/>
-                    </a:ext>
-                  </a:extLst>
-                </a:hlinkClick>
-              </a:rPr>
-              <a:t> y Audiencia</a:t>
+              <a:t>Contexto y Audiencia</a:t>
             </a:r>
             <a:endParaRPr sz="2400" i="0" u="none" strike="noStrike" cap="none" dirty="0">
               <a:solidFill>
@@ -16705,7 +16096,7 @@
               <a:buNone/>
             </a:pPr>
             <a:r>
-              <a:rPr lang="en-US" sz="2400" i="0" u="none" strike="noStrike" cap="none" dirty="0" err="1">
+              <a:rPr lang="en-US" sz="2400" i="0" u="none" strike="noStrike" cap="none" dirty="0">
                 <a:solidFill>
                   <a:schemeClr val="tx2">
                     <a:lumMod val="75000"/>
@@ -16723,49 +16114,7 @@
                   </a:extLst>
                 </a:hlinkClick>
               </a:rPr>
-              <a:t>Análisis</a:t>
-            </a:r>
-            <a:r>
-              <a:rPr lang="en-US" sz="2400" i="0" u="none" strike="noStrike" cap="none" dirty="0">
-                <a:solidFill>
-                  <a:schemeClr val="tx2">
-                    <a:lumMod val="75000"/>
-                  </a:schemeClr>
-                </a:solidFill>
-                <a:latin typeface="Anton" pitchFamily="2" charset="0"/>
-                <a:ea typeface="Verdana" panose="020B0604030504040204" pitchFamily="34" charset="0"/>
-                <a:cs typeface="Helvetica Neue Light"/>
-                <a:sym typeface="Helvetica Neue Light"/>
-                <a:hlinkClick r:id="rId5" action="ppaction://hlinksldjump">
-                  <a:extLst>
-                    <a:ext uri="{A12FA001-AC4F-418D-AE19-62706E023703}">
-                      <ahyp:hlinkClr xmlns:ahyp="http://schemas.microsoft.com/office/drawing/2018/hyperlinkcolor" val="tx"/>
-                    </a:ext>
-                  </a:extLst>
-                </a:hlinkClick>
-              </a:rPr>
-              <a:t> </a:t>
-            </a:r>
-            <a:r>
-              <a:rPr lang="en-US" sz="2400" i="0" u="none" strike="noStrike" cap="none" dirty="0" err="1">
-                <a:solidFill>
-                  <a:schemeClr val="tx2">
-                    <a:lumMod val="75000"/>
-                  </a:schemeClr>
-                </a:solidFill>
-                <a:latin typeface="Anton" pitchFamily="2" charset="0"/>
-                <a:ea typeface="Verdana" panose="020B0604030504040204" pitchFamily="34" charset="0"/>
-                <a:cs typeface="Helvetica Neue Light"/>
-                <a:sym typeface="Helvetica Neue Light"/>
-                <a:hlinkClick r:id="rId5" action="ppaction://hlinksldjump">
-                  <a:extLst>
-                    <a:ext uri="{A12FA001-AC4F-418D-AE19-62706E023703}">
-                      <ahyp:hlinkClr xmlns:ahyp="http://schemas.microsoft.com/office/drawing/2018/hyperlinkcolor" val="tx"/>
-                    </a:ext>
-                  </a:extLst>
-                </a:hlinkClick>
-              </a:rPr>
-              <a:t>Exploratorio</a:t>
+              <a:t>Análisis Exploratorio</a:t>
             </a:r>
             <a:endParaRPr sz="2800" i="0" u="none" strike="noStrike" cap="none" dirty="0">
               <a:solidFill>
@@ -16822,7 +16171,7 @@
               <a:buSzPts val="4000"/>
             </a:pPr>
             <a:r>
-              <a:rPr lang="en-US" sz="4000">
+              <a:rPr lang="en-US" sz="4000" dirty="0">
                 <a:solidFill>
                   <a:schemeClr val="tx2">
                     <a:lumMod val="75000"/>
@@ -16836,7 +16185,7 @@
               <a:t> </a:t>
             </a:r>
             <a:r>
-              <a:rPr lang="en-US" sz="4000" i="0" u="none" strike="noStrike" cap="none">
+              <a:rPr lang="en-US" sz="4000" i="0" u="none" strike="noStrike" cap="none" dirty="0">
                 <a:solidFill>
                   <a:schemeClr val="tx2">
                     <a:lumMod val="75000"/>
@@ -16849,7 +16198,7 @@
               </a:rPr>
               <a:t>04</a:t>
             </a:r>
-            <a:endParaRPr>
+            <a:endParaRPr dirty="0">
               <a:solidFill>
                 <a:schemeClr val="tx2">
                   <a:lumMod val="75000"/>
@@ -16932,7 +16281,7 @@
               <a:buNone/>
             </a:pPr>
             <a:r>
-              <a:rPr lang="en-US" sz="2400" i="0" u="none" strike="noStrike" cap="none" dirty="0" err="1">
+              <a:rPr lang="en-US" sz="2400" i="0" u="none" strike="noStrike" cap="none" dirty="0">
                 <a:solidFill>
                   <a:schemeClr val="tx2">
                     <a:lumMod val="75000"/>
@@ -16950,73 +16299,10 @@
                   </a:extLst>
                 </a:hlinkClick>
               </a:rPr>
-              <a:t>Hipótesis</a:t>
+              <a:t>Hipótesis/Preguntas de </a:t>
             </a:r>
             <a:r>
-              <a:rPr lang="en-US" sz="2400" i="0" u="none" strike="noStrike" cap="none" dirty="0">
-                <a:solidFill>
-                  <a:schemeClr val="tx2">
-                    <a:lumMod val="75000"/>
-                  </a:schemeClr>
-                </a:solidFill>
-                <a:latin typeface="Anton" pitchFamily="2" charset="0"/>
-                <a:ea typeface="Verdana" panose="020B0604030504040204" pitchFamily="34" charset="0"/>
-                <a:cs typeface="Helvetica Neue Light"/>
-                <a:sym typeface="Helvetica Neue Light"/>
-                <a:hlinkClick r:id="rId6" action="ppaction://hlinksldjump">
-                  <a:extLst>
-                    <a:ext uri="{A12FA001-AC4F-418D-AE19-62706E023703}">
-                      <ahyp:hlinkClr xmlns:ahyp="http://schemas.microsoft.com/office/drawing/2018/hyperlinkcolor" val="tx"/>
-                    </a:ext>
-                  </a:extLst>
-                </a:hlinkClick>
-              </a:rPr>
-              <a:t>/</a:t>
-            </a:r>
-            <a:r>
-              <a:rPr lang="en-US" sz="2400" i="0" u="none" strike="noStrike" cap="none" dirty="0" err="1">
-                <a:solidFill>
-                  <a:schemeClr val="tx2">
-                    <a:lumMod val="75000"/>
-                  </a:schemeClr>
-                </a:solidFill>
-                <a:latin typeface="Anton" pitchFamily="2" charset="0"/>
-                <a:ea typeface="Verdana" panose="020B0604030504040204" pitchFamily="34" charset="0"/>
-                <a:cs typeface="Helvetica Neue Light"/>
-                <a:sym typeface="Helvetica Neue Light"/>
-                <a:hlinkClick r:id="rId6" action="ppaction://hlinksldjump">
-                  <a:extLst>
-                    <a:ext uri="{A12FA001-AC4F-418D-AE19-62706E023703}">
-                      <ahyp:hlinkClr xmlns:ahyp="http://schemas.microsoft.com/office/drawing/2018/hyperlinkcolor" val="tx"/>
-                    </a:ext>
-                  </a:extLst>
-                </a:hlinkClick>
-              </a:rPr>
-              <a:t>Preguntas</a:t>
-            </a:r>
-            <a:r>
-              <a:rPr lang="en-US" sz="2400" i="0" u="none" strike="noStrike" cap="none" dirty="0">
-                <a:solidFill>
-                  <a:schemeClr val="tx2">
-                    <a:lumMod val="75000"/>
-                  </a:schemeClr>
-                </a:solidFill>
-                <a:latin typeface="Anton" pitchFamily="2" charset="0"/>
-                <a:ea typeface="Verdana" panose="020B0604030504040204" pitchFamily="34" charset="0"/>
-                <a:cs typeface="Helvetica Neue Light"/>
-                <a:sym typeface="Helvetica Neue Light"/>
-                <a:hlinkClick r:id="rId6" action="ppaction://hlinksldjump">
-                  <a:extLst>
-                    <a:ext uri="{A12FA001-AC4F-418D-AE19-62706E023703}">
-                      <ahyp:hlinkClr xmlns:ahyp="http://schemas.microsoft.com/office/drawing/2018/hyperlinkcolor" val="tx"/>
-                    </a:ext>
-                  </a:extLst>
-                </a:hlinkClick>
-              </a:rPr>
-              <a:t> de </a:t>
-            </a:r>
-            <a:r>
-              <a:rPr lang="en-US" sz="2400" dirty="0" err="1">
+              <a:rPr lang="en-US" sz="2400" dirty="0">
                 <a:solidFill>
                   <a:schemeClr val="tx2">
                     <a:lumMod val="75000"/>
@@ -17132,28 +16418,7 @@
                   </a:extLst>
                 </a:hlinkClick>
               </a:rPr>
-              <a:t> y </a:t>
-            </a:r>
-            <a:r>
-              <a:rPr lang="en-US" sz="2400" i="0" u="none" strike="noStrike" cap="none" dirty="0" err="1">
-                <a:solidFill>
-                  <a:schemeClr val="tx2">
-                    <a:lumMod val="75000"/>
-                  </a:schemeClr>
-                </a:solidFill>
-                <a:latin typeface="Anton" pitchFamily="2" charset="0"/>
-                <a:ea typeface="Verdana" panose="020B0604030504040204" pitchFamily="34" charset="0"/>
-                <a:cs typeface="Helvetica Neue Light"/>
-                <a:sym typeface="Helvetica Neue Light"/>
-                <a:hlinkClick r:id="rId7" action="ppaction://hlinksldjump">
-                  <a:extLst>
-                    <a:ext uri="{A12FA001-AC4F-418D-AE19-62706E023703}">
-                      <ahyp:hlinkClr xmlns:ahyp="http://schemas.microsoft.com/office/drawing/2018/hyperlinkcolor" val="tx"/>
-                    </a:ext>
-                  </a:extLst>
-                </a:hlinkClick>
-              </a:rPr>
-              <a:t>Recomendaciones</a:t>
+              <a:t> y Recomendaciones</a:t>
             </a:r>
             <a:endParaRPr sz="2400" i="0" u="none" strike="noStrike" cap="none" dirty="0">
               <a:solidFill>
@@ -17210,7 +16475,7 @@
               <a:buSzPts val="4000"/>
             </a:pPr>
             <a:r>
-              <a:rPr lang="en-US" sz="4000">
+              <a:rPr lang="en-US" sz="4000" dirty="0">
                 <a:solidFill>
                   <a:schemeClr val="tx2">
                     <a:lumMod val="75000"/>
@@ -17224,7 +16489,7 @@
               <a:t> </a:t>
             </a:r>
             <a:r>
-              <a:rPr lang="en-US" sz="4000" i="0" u="none" strike="noStrike" cap="none">
+              <a:rPr lang="en-US" sz="4000" i="0" u="none" strike="noStrike" cap="none" dirty="0">
                 <a:solidFill>
                   <a:schemeClr val="tx2">
                     <a:lumMod val="75000"/>
@@ -17237,7 +16502,7 @@
               </a:rPr>
               <a:t>05</a:t>
             </a:r>
-            <a:endParaRPr>
+            <a:endParaRPr dirty="0">
               <a:solidFill>
                 <a:schemeClr val="tx2">
                   <a:lumMod val="75000"/>
@@ -17415,7 +16680,7 @@
               </a:rPr>
               <a:t>3</a:t>
             </a:fld>
-            <a:endParaRPr sz="1050" b="0" i="0" u="none" strike="noStrike" cap="none">
+            <a:endParaRPr sz="1050" b="0" i="0" u="none" strike="noStrike" cap="none" dirty="0">
               <a:solidFill>
                 <a:srgbClr val="000000"/>
               </a:solidFill>
@@ -17559,7 +16824,7 @@
               <a:buNone/>
             </a:pPr>
             <a:r>
-              <a:rPr lang="en-US" sz="1600" b="1" i="0" u="none" strike="noStrike" cap="none" dirty="0" err="1">
+              <a:rPr lang="en-US" sz="1600" b="1" i="0" u="none" strike="noStrike" cap="none" dirty="0">
                 <a:solidFill>
                   <a:schemeClr val="tx2">
                     <a:lumMod val="75000"/>
@@ -17606,7 +16871,7 @@
                 <a:cs typeface="Helvetica Neue Light"/>
                 <a:sym typeface="Helvetica Neue Light"/>
               </a:rPr>
-              <a:t>Actualmente en la Argentina más de la mitad de la población no cuenta con una cuenta bancaria. Adicionalmente cerca del 85% de los clientes de bancos prefieren resignar beneficios antes de pasar por la experiencia de cambiar de banco y su  tarjeta de crédito asociada.</a:t>
+              <a:t>Actualmente en la Argentina más de la mitad de la población no cuenta con una cuenta bancaria. Adicionalmente cerca del 85% de los clientes de bancos prefieren resignar beneficios antes de pasar por la experiencia de cambiar de banco y su tarjeta de crédito asociada.</a:t>
             </a:r>
           </a:p>
           <a:p>
@@ -17700,7 +16965,7 @@
                 <a:cs typeface="Helvetica Neue Light"/>
                 <a:sym typeface="Helvetica Neue Light"/>
               </a:rPr>
-              <a:t>Actualmente existen muchas estrategias de marketing orientadas a la obtención de clientes y muy pocas orientadas a la retención. Sin embargo, cada año el banco al que pertenezco pierde 8 M USD en clientes que abandonan el servicio. ¿Y si pudiéramos anticiparnos a esta pérdida identificando un modelo predictivo asociado al comportamiento de nuestros clientes? </a:t>
+              <a:t>Actualmente existen muchas estrategias de marketing orientadas a la obtención de clientes y muy pocas orientadas a la retención. Sin embargo, cada año el banco al que pertenezco pierde 8 M USD en clientes que abandonan el servicio. ¿Y si pudiéramos anticiparnos a esta pérdida identificando un modelo predictivo asociado al comportamiento y características de nuestros clientes? </a:t>
             </a:r>
           </a:p>
           <a:p>
@@ -17747,7 +17012,7 @@
                 <a:cs typeface="Helvetica Neue Light"/>
                 <a:sym typeface="Helvetica Neue Light"/>
               </a:rPr>
-              <a:t>Sabemos que nuestros clientes reciben, al menos, 4 propuestas al año para cambiarse de banco por distintos beneficios. Sumado a la alta competencia, contamos con estadísticas que nos muestran que el 20% de nuestros clientes presenta al menos un reclamo durante su tiempo cómo cliente. Conocemos los principales motivos de queja y le damos seguimiento, sin embargo, no pudimos establecer el patrón entre los motivos de reclamo, la frecuencia y la deserción. Por lo tanto precisamos desarrollar un modelo que nos permita predecir el porcentaje de deserción.</a:t>
+              <a:t>Sabemos que nuestros clientes reciben, al menos, 4 propuestas al año para cambiarse de banco por distintos beneficios. Sumado a la alta competencia, contamos con estadísticas que nos muestran que el 20% de nuestros clientes presenta al menos un reclamo durante su tiempo cómo cliente. Conocemos los principales motivos de queja y le damos seguimiento, sin embargo, no pudimos establecer el patrón entre los motivos de reclamo, la frecuencia y la deserción. Por lo tanto precisamos desarrollar un modelo predictivo que nos permita predecir el porcentaje de deserción.</a:t>
             </a:r>
           </a:p>
           <a:p>
@@ -17833,7 +17098,7 @@
               <a:t>Este </a:t>
             </a:r>
             <a:r>
-              <a:rPr lang="en-US" sz="1400" dirty="0" err="1">
+              <a:rPr lang="es-AR" sz="1400" dirty="0">
                 <a:solidFill>
                   <a:schemeClr val="tx2">
                     <a:lumMod val="75000"/>
@@ -17858,66 +17123,10 @@
                 <a:cs typeface="Helvetica Neue Light"/>
                 <a:sym typeface="Helvetica Neue Light"/>
               </a:rPr>
-              <a:t> </a:t>
+              <a:t> intenta contestar, con </a:t>
             </a:r>
             <a:r>
-              <a:rPr lang="en-US" sz="1400" dirty="0" err="1">
-                <a:solidFill>
-                  <a:schemeClr val="tx2">
-                    <a:lumMod val="75000"/>
-                  </a:schemeClr>
-                </a:solidFill>
-                <a:latin typeface="Helvetica Neue" panose="020B0604020202020204" charset="0"/>
-                <a:ea typeface="Verdana" panose="020B0604030504040204" pitchFamily="34" charset="0"/>
-                <a:cs typeface="Helvetica Neue Light"/>
-                <a:sym typeface="Helvetica Neue Light"/>
-              </a:rPr>
-              <a:t>intenta</a:t>
-            </a:r>
-            <a:r>
-              <a:rPr lang="en-US" sz="1400" dirty="0">
-                <a:solidFill>
-                  <a:schemeClr val="tx2">
-                    <a:lumMod val="75000"/>
-                  </a:schemeClr>
-                </a:solidFill>
-                <a:latin typeface="Helvetica Neue" panose="020B0604020202020204" charset="0"/>
-                <a:ea typeface="Verdana" panose="020B0604030504040204" pitchFamily="34" charset="0"/>
-                <a:cs typeface="Helvetica Neue Light"/>
-                <a:sym typeface="Helvetica Neue Light"/>
-              </a:rPr>
-              <a:t> </a:t>
-            </a:r>
-            <a:r>
-              <a:rPr lang="en-US" sz="1400" dirty="0" err="1">
-                <a:solidFill>
-                  <a:schemeClr val="tx2">
-                    <a:lumMod val="75000"/>
-                  </a:schemeClr>
-                </a:solidFill>
-                <a:latin typeface="Helvetica Neue" panose="020B0604020202020204" charset="0"/>
-                <a:ea typeface="Verdana" panose="020B0604030504040204" pitchFamily="34" charset="0"/>
-                <a:cs typeface="Helvetica Neue Light"/>
-                <a:sym typeface="Helvetica Neue Light"/>
-              </a:rPr>
-              <a:t>contestar</a:t>
-            </a:r>
-            <a:r>
-              <a:rPr lang="en-US" sz="1400" dirty="0">
-                <a:solidFill>
-                  <a:schemeClr val="tx2">
-                    <a:lumMod val="75000"/>
-                  </a:schemeClr>
-                </a:solidFill>
-                <a:latin typeface="Helvetica Neue" panose="020B0604020202020204" charset="0"/>
-                <a:ea typeface="Verdana" panose="020B0604030504040204" pitchFamily="34" charset="0"/>
-                <a:cs typeface="Helvetica Neue Light"/>
-                <a:sym typeface="Helvetica Neue Light"/>
-              </a:rPr>
-              <a:t>, con </a:t>
-            </a:r>
-            <a:r>
-              <a:rPr lang="en-US" sz="1400" dirty="0" err="1">
+              <a:rPr lang="es-AR" sz="1400" dirty="0">
                 <a:solidFill>
                   <a:schemeClr val="tx2">
                     <a:lumMod val="75000"/>
@@ -17942,38 +17151,10 @@
                 <a:cs typeface="Helvetica Neue Light"/>
                 <a:sym typeface="Helvetica Neue Light"/>
               </a:rPr>
-              <a:t>, las </a:t>
+              <a:t>, las preguntas del </a:t>
             </a:r>
             <a:r>
-              <a:rPr lang="en-US" sz="1400" dirty="0" err="1">
-                <a:solidFill>
-                  <a:schemeClr val="tx2">
-                    <a:lumMod val="75000"/>
-                  </a:schemeClr>
-                </a:solidFill>
-                <a:latin typeface="Helvetica Neue" panose="020B0604020202020204" charset="0"/>
-                <a:ea typeface="Verdana" panose="020B0604030504040204" pitchFamily="34" charset="0"/>
-                <a:cs typeface="Helvetica Neue Light"/>
-                <a:sym typeface="Helvetica Neue Light"/>
-              </a:rPr>
-              <a:t>preguntas</a:t>
-            </a:r>
-            <a:r>
-              <a:rPr lang="en-US" sz="1400" dirty="0">
-                <a:solidFill>
-                  <a:schemeClr val="tx2">
-                    <a:lumMod val="75000"/>
-                  </a:schemeClr>
-                </a:solidFill>
-                <a:latin typeface="Helvetica Neue" panose="020B0604020202020204" charset="0"/>
-                <a:ea typeface="Verdana" panose="020B0604030504040204" pitchFamily="34" charset="0"/>
-                <a:cs typeface="Helvetica Neue Light"/>
-                <a:sym typeface="Helvetica Neue Light"/>
-              </a:rPr>
-              <a:t> del </a:t>
-            </a:r>
-            <a:r>
-              <a:rPr lang="en-US" sz="1400" dirty="0" err="1">
+              <a:rPr lang="es-AR" sz="1400" dirty="0">
                 <a:solidFill>
                   <a:schemeClr val="tx2">
                     <a:lumMod val="75000"/>
@@ -17998,287 +17179,7 @@
                 <a:cs typeface="Helvetica Neue Light"/>
                 <a:sym typeface="Helvetica Neue Light"/>
               </a:rPr>
-              <a:t> anterior </a:t>
-            </a:r>
-            <a:r>
-              <a:rPr lang="en-US" sz="1400" dirty="0" err="1">
-                <a:solidFill>
-                  <a:schemeClr val="tx2">
-                    <a:lumMod val="75000"/>
-                  </a:schemeClr>
-                </a:solidFill>
-                <a:latin typeface="Helvetica Neue" panose="020B0604020202020204" charset="0"/>
-                <a:ea typeface="Verdana" panose="020B0604030504040204" pitchFamily="34" charset="0"/>
-                <a:cs typeface="Helvetica Neue Light"/>
-                <a:sym typeface="Helvetica Neue Light"/>
-              </a:rPr>
-              <a:t>por</a:t>
-            </a:r>
-            <a:r>
-              <a:rPr lang="en-US" sz="1400" dirty="0">
-                <a:solidFill>
-                  <a:schemeClr val="tx2">
-                    <a:lumMod val="75000"/>
-                  </a:schemeClr>
-                </a:solidFill>
-                <a:latin typeface="Helvetica Neue" panose="020B0604020202020204" charset="0"/>
-                <a:ea typeface="Verdana" panose="020B0604030504040204" pitchFamily="34" charset="0"/>
-                <a:cs typeface="Helvetica Neue Light"/>
-                <a:sym typeface="Helvetica Neue Light"/>
-              </a:rPr>
-              <a:t> lo </a:t>
-            </a:r>
-            <a:r>
-              <a:rPr lang="en-US" sz="1400" dirty="0" err="1">
-                <a:solidFill>
-                  <a:schemeClr val="tx2">
-                    <a:lumMod val="75000"/>
-                  </a:schemeClr>
-                </a:solidFill>
-                <a:latin typeface="Helvetica Neue" panose="020B0604020202020204" charset="0"/>
-                <a:ea typeface="Verdana" panose="020B0604030504040204" pitchFamily="34" charset="0"/>
-                <a:cs typeface="Helvetica Neue Light"/>
-                <a:sym typeface="Helvetica Neue Light"/>
-              </a:rPr>
-              <a:t>cuál</a:t>
-            </a:r>
-            <a:r>
-              <a:rPr lang="en-US" sz="1400" dirty="0">
-                <a:solidFill>
-                  <a:schemeClr val="tx2">
-                    <a:lumMod val="75000"/>
-                  </a:schemeClr>
-                </a:solidFill>
-                <a:latin typeface="Helvetica Neue" panose="020B0604020202020204" charset="0"/>
-                <a:ea typeface="Verdana" panose="020B0604030504040204" pitchFamily="34" charset="0"/>
-                <a:cs typeface="Helvetica Neue Light"/>
-                <a:sym typeface="Helvetica Neue Light"/>
-              </a:rPr>
-              <a:t> </a:t>
-            </a:r>
-            <a:r>
-              <a:rPr lang="en-US" sz="1400" dirty="0" err="1">
-                <a:solidFill>
-                  <a:schemeClr val="tx2">
-                    <a:lumMod val="75000"/>
-                  </a:schemeClr>
-                </a:solidFill>
-                <a:latin typeface="Helvetica Neue" panose="020B0604020202020204" charset="0"/>
-                <a:ea typeface="Verdana" panose="020B0604030504040204" pitchFamily="34" charset="0"/>
-                <a:cs typeface="Helvetica Neue Light"/>
-                <a:sym typeface="Helvetica Neue Light"/>
-              </a:rPr>
-              <a:t>puede</a:t>
-            </a:r>
-            <a:r>
-              <a:rPr lang="en-US" sz="1400" dirty="0">
-                <a:solidFill>
-                  <a:schemeClr val="tx2">
-                    <a:lumMod val="75000"/>
-                  </a:schemeClr>
-                </a:solidFill>
-                <a:latin typeface="Helvetica Neue" panose="020B0604020202020204" charset="0"/>
-                <a:ea typeface="Verdana" panose="020B0604030504040204" pitchFamily="34" charset="0"/>
-                <a:cs typeface="Helvetica Neue Light"/>
-                <a:sym typeface="Helvetica Neue Light"/>
-              </a:rPr>
-              <a:t> ser de </a:t>
-            </a:r>
-            <a:r>
-              <a:rPr lang="en-US" sz="1400" dirty="0" err="1">
-                <a:solidFill>
-                  <a:schemeClr val="tx2">
-                    <a:lumMod val="75000"/>
-                  </a:schemeClr>
-                </a:solidFill>
-                <a:latin typeface="Helvetica Neue" panose="020B0604020202020204" charset="0"/>
-                <a:ea typeface="Verdana" panose="020B0604030504040204" pitchFamily="34" charset="0"/>
-                <a:cs typeface="Helvetica Neue Light"/>
-                <a:sym typeface="Helvetica Neue Light"/>
-              </a:rPr>
-              <a:t>utilidad</a:t>
-            </a:r>
-            <a:r>
-              <a:rPr lang="en-US" sz="1400" dirty="0">
-                <a:solidFill>
-                  <a:schemeClr val="tx2">
-                    <a:lumMod val="75000"/>
-                  </a:schemeClr>
-                </a:solidFill>
-                <a:latin typeface="Helvetica Neue" panose="020B0604020202020204" charset="0"/>
-                <a:ea typeface="Verdana" panose="020B0604030504040204" pitchFamily="34" charset="0"/>
-                <a:cs typeface="Helvetica Neue Light"/>
-                <a:sym typeface="Helvetica Neue Light"/>
-              </a:rPr>
-              <a:t> los </a:t>
-            </a:r>
-            <a:r>
-              <a:rPr lang="en-US" sz="1400" dirty="0" err="1">
-                <a:solidFill>
-                  <a:schemeClr val="tx2">
-                    <a:lumMod val="75000"/>
-                  </a:schemeClr>
-                </a:solidFill>
-                <a:latin typeface="Helvetica Neue" panose="020B0604020202020204" charset="0"/>
-                <a:ea typeface="Verdana" panose="020B0604030504040204" pitchFamily="34" charset="0"/>
-                <a:cs typeface="Helvetica Neue Light"/>
-                <a:sym typeface="Helvetica Neue Light"/>
-              </a:rPr>
-              <a:t>responsables</a:t>
-            </a:r>
-            <a:r>
-              <a:rPr lang="en-US" sz="1400" dirty="0">
-                <a:solidFill>
-                  <a:schemeClr val="tx2">
-                    <a:lumMod val="75000"/>
-                  </a:schemeClr>
-                </a:solidFill>
-                <a:latin typeface="Helvetica Neue" panose="020B0604020202020204" charset="0"/>
-                <a:ea typeface="Verdana" panose="020B0604030504040204" pitchFamily="34" charset="0"/>
-                <a:cs typeface="Helvetica Neue Light"/>
-                <a:sym typeface="Helvetica Neue Light"/>
-              </a:rPr>
-              <a:t> de areas de marketing de </a:t>
-            </a:r>
-            <a:r>
-              <a:rPr lang="en-US" sz="1400" dirty="0" err="1">
-                <a:solidFill>
-                  <a:schemeClr val="tx2">
-                    <a:lumMod val="75000"/>
-                  </a:schemeClr>
-                </a:solidFill>
-                <a:latin typeface="Helvetica Neue" panose="020B0604020202020204" charset="0"/>
-                <a:ea typeface="Verdana" panose="020B0604030504040204" pitchFamily="34" charset="0"/>
-                <a:cs typeface="Helvetica Neue Light"/>
-                <a:sym typeface="Helvetica Neue Light"/>
-              </a:rPr>
-              <a:t>bancos</a:t>
-            </a:r>
-            <a:r>
-              <a:rPr lang="en-US" sz="1400" dirty="0">
-                <a:solidFill>
-                  <a:schemeClr val="tx2">
-                    <a:lumMod val="75000"/>
-                  </a:schemeClr>
-                </a:solidFill>
-                <a:latin typeface="Helvetica Neue" panose="020B0604020202020204" charset="0"/>
-                <a:ea typeface="Verdana" panose="020B0604030504040204" pitchFamily="34" charset="0"/>
-                <a:cs typeface="Helvetica Neue Light"/>
-                <a:sym typeface="Helvetica Neue Light"/>
-              </a:rPr>
-              <a:t> </a:t>
-            </a:r>
-            <a:r>
-              <a:rPr lang="en-US" sz="1400" dirty="0" err="1">
-                <a:solidFill>
-                  <a:schemeClr val="tx2">
-                    <a:lumMod val="75000"/>
-                  </a:schemeClr>
-                </a:solidFill>
-                <a:latin typeface="Helvetica Neue" panose="020B0604020202020204" charset="0"/>
-                <a:ea typeface="Verdana" panose="020B0604030504040204" pitchFamily="34" charset="0"/>
-                <a:cs typeface="Helvetica Neue Light"/>
-                <a:sym typeface="Helvetica Neue Light"/>
-              </a:rPr>
-              <a:t>comerciales</a:t>
-            </a:r>
-            <a:r>
-              <a:rPr lang="en-US" sz="1400" dirty="0">
-                <a:solidFill>
-                  <a:schemeClr val="tx2">
-                    <a:lumMod val="75000"/>
-                  </a:schemeClr>
-                </a:solidFill>
-                <a:latin typeface="Helvetica Neue" panose="020B0604020202020204" charset="0"/>
-                <a:ea typeface="Verdana" panose="020B0604030504040204" pitchFamily="34" charset="0"/>
-                <a:cs typeface="Helvetica Neue Light"/>
-                <a:sym typeface="Helvetica Neue Light"/>
-              </a:rPr>
-              <a:t> y </a:t>
-            </a:r>
-            <a:r>
-              <a:rPr lang="en-US" sz="1400" dirty="0" err="1">
-                <a:solidFill>
-                  <a:schemeClr val="tx2">
-                    <a:lumMod val="75000"/>
-                  </a:schemeClr>
-                </a:solidFill>
-                <a:latin typeface="Helvetica Neue" panose="020B0604020202020204" charset="0"/>
-                <a:ea typeface="Verdana" panose="020B0604030504040204" pitchFamily="34" charset="0"/>
-                <a:cs typeface="Helvetica Neue Light"/>
-                <a:sym typeface="Helvetica Neue Light"/>
-              </a:rPr>
-              <a:t>responsables</a:t>
-            </a:r>
-            <a:r>
-              <a:rPr lang="en-US" sz="1400" dirty="0">
-                <a:solidFill>
-                  <a:schemeClr val="tx2">
-                    <a:lumMod val="75000"/>
-                  </a:schemeClr>
-                </a:solidFill>
-                <a:latin typeface="Helvetica Neue" panose="020B0604020202020204" charset="0"/>
-                <a:ea typeface="Verdana" panose="020B0604030504040204" pitchFamily="34" charset="0"/>
-                <a:cs typeface="Helvetica Neue Light"/>
-                <a:sym typeface="Helvetica Neue Light"/>
-              </a:rPr>
-              <a:t> del </a:t>
-            </a:r>
-            <a:r>
-              <a:rPr lang="en-US" sz="1400" dirty="0" err="1">
-                <a:solidFill>
-                  <a:schemeClr val="tx2">
-                    <a:lumMod val="75000"/>
-                  </a:schemeClr>
-                </a:solidFill>
-                <a:latin typeface="Helvetica Neue" panose="020B0604020202020204" charset="0"/>
-                <a:ea typeface="Verdana" panose="020B0604030504040204" pitchFamily="34" charset="0"/>
-                <a:cs typeface="Helvetica Neue Light"/>
-                <a:sym typeface="Helvetica Neue Light"/>
-              </a:rPr>
-              <a:t>área</a:t>
-            </a:r>
-            <a:r>
-              <a:rPr lang="en-US" sz="1400" dirty="0">
-                <a:solidFill>
-                  <a:schemeClr val="tx2">
-                    <a:lumMod val="75000"/>
-                  </a:schemeClr>
-                </a:solidFill>
-                <a:latin typeface="Helvetica Neue" panose="020B0604020202020204" charset="0"/>
-                <a:ea typeface="Verdana" panose="020B0604030504040204" pitchFamily="34" charset="0"/>
-                <a:cs typeface="Helvetica Neue Light"/>
-                <a:sym typeface="Helvetica Neue Light"/>
-              </a:rPr>
-              <a:t> de </a:t>
-            </a:r>
-            <a:r>
-              <a:rPr lang="en-US" sz="1400" dirty="0" err="1">
-                <a:solidFill>
-                  <a:schemeClr val="tx2">
-                    <a:lumMod val="75000"/>
-                  </a:schemeClr>
-                </a:solidFill>
-                <a:latin typeface="Helvetica Neue" panose="020B0604020202020204" charset="0"/>
-                <a:ea typeface="Verdana" panose="020B0604030504040204" pitchFamily="34" charset="0"/>
-                <a:cs typeface="Helvetica Neue Light"/>
-                <a:sym typeface="Helvetica Neue Light"/>
-              </a:rPr>
-              <a:t>créditos</a:t>
-            </a:r>
-            <a:r>
-              <a:rPr lang="en-US" sz="1400" dirty="0">
-                <a:solidFill>
-                  <a:schemeClr val="tx2">
-                    <a:lumMod val="75000"/>
-                  </a:schemeClr>
-                </a:solidFill>
-                <a:latin typeface="Helvetica Neue" panose="020B0604020202020204" charset="0"/>
-                <a:ea typeface="Verdana" panose="020B0604030504040204" pitchFamily="34" charset="0"/>
-                <a:cs typeface="Helvetica Neue Light"/>
-                <a:sym typeface="Helvetica Neue Light"/>
-              </a:rPr>
-              <a:t>.</a:t>
+              <a:t> anterior por lo cuál puede ser de utilidad los responsables de areas de marketing de bancos comerciales y responsables del área de créditos.</a:t>
             </a:r>
             <a:endParaRPr sz="1400" dirty="0">
               <a:solidFill>
@@ -18364,7 +17265,7 @@
           <a:lstStyle/>
           <a:p>
             <a:pPr algn="ctr"/>
-            <a:endParaRPr lang="es-AR">
+            <a:endParaRPr lang="es-AR" dirty="0">
               <a:solidFill>
                 <a:schemeClr val="tx1"/>
               </a:solidFill>
@@ -18480,7 +17381,7 @@
               </a:rPr>
               <a:t>4</a:t>
             </a:fld>
-            <a:endParaRPr sz="1050" b="0" i="0" u="none" strike="noStrike" cap="none">
+            <a:endParaRPr sz="1050" b="0" i="0" u="none" strike="noStrike" cap="none" dirty="0">
               <a:solidFill>
                 <a:srgbClr val="000000"/>
               </a:solidFill>
@@ -18591,7 +17492,7 @@
         <p:spPr>
           <a:xfrm>
             <a:off x="3418142" y="751319"/>
-            <a:ext cx="8773858" cy="4555093"/>
+            <a:ext cx="8773858" cy="4924425"/>
           </a:xfrm>
           <a:prstGeom prst="rect">
             <a:avLst/>
@@ -18617,7 +17518,7 @@
               <a:buSzPts val="2800"/>
             </a:pPr>
             <a:r>
-              <a:rPr lang="en-US" sz="2000" b="1" dirty="0" err="1">
+              <a:rPr lang="en-US" sz="2000" b="1" dirty="0">
                 <a:solidFill>
                   <a:schemeClr val="tx2">
                     <a:lumMod val="75000"/>
@@ -18627,20 +17528,7 @@
                 <a:ea typeface="Verdana" panose="020B0604030504040204" pitchFamily="34" charset="0"/>
                 <a:sym typeface="Helvetica Neue"/>
               </a:rPr>
-              <a:t>Preguntas</a:t>
-            </a:r>
-            <a:r>
-              <a:rPr lang="en-US" sz="2000" b="1" dirty="0">
-                <a:solidFill>
-                  <a:schemeClr val="tx2">
-                    <a:lumMod val="75000"/>
-                  </a:schemeClr>
-                </a:solidFill>
-                <a:latin typeface="Helvetica Neue" panose="020B0604020202020204" charset="0"/>
-                <a:ea typeface="Verdana" panose="020B0604030504040204" pitchFamily="34" charset="0"/>
-                <a:sym typeface="Helvetica Neue"/>
-              </a:rPr>
-              <a:t> claves</a:t>
+              <a:t>Preguntas claves</a:t>
             </a:r>
           </a:p>
           <a:p>
@@ -18685,163 +17573,7 @@
                 <a:ea typeface="Verdana" panose="020B0604030504040204" pitchFamily="34" charset="0"/>
                 <a:sym typeface="Helvetica Neue Light"/>
               </a:rPr>
-              <a:t>¿</a:t>
-            </a:r>
-            <a:r>
-              <a:rPr lang="en-US" sz="1500" dirty="0" err="1">
-                <a:solidFill>
-                  <a:schemeClr val="tx2">
-                    <a:lumMod val="75000"/>
-                  </a:schemeClr>
-                </a:solidFill>
-                <a:latin typeface="Helvetica Neue" panose="020B0604020202020204" charset="0"/>
-                <a:ea typeface="Verdana" panose="020B0604030504040204" pitchFamily="34" charset="0"/>
-                <a:sym typeface="Helvetica Neue Light"/>
-              </a:rPr>
-              <a:t>Qué</a:t>
-            </a:r>
-            <a:r>
-              <a:rPr lang="en-US" sz="1500" dirty="0">
-                <a:solidFill>
-                  <a:schemeClr val="tx2">
-                    <a:lumMod val="75000"/>
-                  </a:schemeClr>
-                </a:solidFill>
-                <a:latin typeface="Helvetica Neue" panose="020B0604020202020204" charset="0"/>
-                <a:ea typeface="Verdana" panose="020B0604030504040204" pitchFamily="34" charset="0"/>
-                <a:sym typeface="Helvetica Neue Light"/>
-              </a:rPr>
-              <a:t> </a:t>
-            </a:r>
-            <a:r>
-              <a:rPr lang="en-US" sz="1500" dirty="0" err="1">
-                <a:solidFill>
-                  <a:schemeClr val="tx2">
-                    <a:lumMod val="75000"/>
-                  </a:schemeClr>
-                </a:solidFill>
-                <a:latin typeface="Helvetica Neue" panose="020B0604020202020204" charset="0"/>
-                <a:ea typeface="Verdana" panose="020B0604030504040204" pitchFamily="34" charset="0"/>
-                <a:sym typeface="Helvetica Neue Light"/>
-              </a:rPr>
-              <a:t>lleva</a:t>
-            </a:r>
-            <a:r>
-              <a:rPr lang="en-US" sz="1500" dirty="0">
-                <a:solidFill>
-                  <a:schemeClr val="tx2">
-                    <a:lumMod val="75000"/>
-                  </a:schemeClr>
-                </a:solidFill>
-                <a:latin typeface="Helvetica Neue" panose="020B0604020202020204" charset="0"/>
-                <a:ea typeface="Verdana" panose="020B0604030504040204" pitchFamily="34" charset="0"/>
-                <a:sym typeface="Helvetica Neue Light"/>
-              </a:rPr>
-              <a:t> a un </a:t>
-            </a:r>
-            <a:r>
-              <a:rPr lang="en-US" sz="1500" dirty="0" err="1">
-                <a:solidFill>
-                  <a:schemeClr val="tx2">
-                    <a:lumMod val="75000"/>
-                  </a:schemeClr>
-                </a:solidFill>
-                <a:latin typeface="Helvetica Neue" panose="020B0604020202020204" charset="0"/>
-                <a:ea typeface="Verdana" panose="020B0604030504040204" pitchFamily="34" charset="0"/>
-                <a:sym typeface="Helvetica Neue Light"/>
-              </a:rPr>
-              <a:t>cliente</a:t>
-            </a:r>
-            <a:r>
-              <a:rPr lang="en-US" sz="1500" dirty="0">
-                <a:solidFill>
-                  <a:schemeClr val="tx2">
-                    <a:lumMod val="75000"/>
-                  </a:schemeClr>
-                </a:solidFill>
-                <a:latin typeface="Helvetica Neue" panose="020B0604020202020204" charset="0"/>
-                <a:ea typeface="Verdana" panose="020B0604030504040204" pitchFamily="34" charset="0"/>
-                <a:sym typeface="Helvetica Neue Light"/>
-              </a:rPr>
-              <a:t> a </a:t>
-            </a:r>
-            <a:r>
-              <a:rPr lang="en-US" sz="1500" dirty="0" err="1">
-                <a:solidFill>
-                  <a:schemeClr val="tx2">
-                    <a:lumMod val="75000"/>
-                  </a:schemeClr>
-                </a:solidFill>
-                <a:latin typeface="Helvetica Neue" panose="020B0604020202020204" charset="0"/>
-                <a:ea typeface="Verdana" panose="020B0604030504040204" pitchFamily="34" charset="0"/>
-                <a:sym typeface="Helvetica Neue Light"/>
-              </a:rPr>
-              <a:t>cambiar</a:t>
-            </a:r>
-            <a:r>
-              <a:rPr lang="en-US" sz="1500" dirty="0">
-                <a:solidFill>
-                  <a:schemeClr val="tx2">
-                    <a:lumMod val="75000"/>
-                  </a:schemeClr>
-                </a:solidFill>
-                <a:latin typeface="Helvetica Neue" panose="020B0604020202020204" charset="0"/>
-                <a:ea typeface="Verdana" panose="020B0604030504040204" pitchFamily="34" charset="0"/>
-                <a:sym typeface="Helvetica Neue Light"/>
-              </a:rPr>
-              <a:t> de banco y </a:t>
-            </a:r>
-            <a:r>
-              <a:rPr lang="en-US" sz="1500" dirty="0" err="1">
-                <a:solidFill>
-                  <a:schemeClr val="tx2">
-                    <a:lumMod val="75000"/>
-                  </a:schemeClr>
-                </a:solidFill>
-                <a:latin typeface="Helvetica Neue" panose="020B0604020202020204" charset="0"/>
-                <a:ea typeface="Verdana" panose="020B0604030504040204" pitchFamily="34" charset="0"/>
-                <a:sym typeface="Helvetica Neue Light"/>
-              </a:rPr>
-              <a:t>tarjeta</a:t>
-            </a:r>
-            <a:r>
-              <a:rPr lang="en-US" sz="1500" dirty="0">
-                <a:solidFill>
-                  <a:schemeClr val="tx2">
-                    <a:lumMod val="75000"/>
-                  </a:schemeClr>
-                </a:solidFill>
-                <a:latin typeface="Helvetica Neue" panose="020B0604020202020204" charset="0"/>
-                <a:ea typeface="Verdana" panose="020B0604030504040204" pitchFamily="34" charset="0"/>
-                <a:sym typeface="Helvetica Neue Light"/>
-              </a:rPr>
-              <a:t> de </a:t>
-            </a:r>
-            <a:r>
-              <a:rPr lang="en-US" sz="1500" dirty="0" err="1">
-                <a:solidFill>
-                  <a:schemeClr val="tx2">
-                    <a:lumMod val="75000"/>
-                  </a:schemeClr>
-                </a:solidFill>
-                <a:latin typeface="Helvetica Neue" panose="020B0604020202020204" charset="0"/>
-                <a:ea typeface="Verdana" panose="020B0604030504040204" pitchFamily="34" charset="0"/>
-                <a:sym typeface="Helvetica Neue Light"/>
-              </a:rPr>
-              <a:t>crédito</a:t>
-            </a:r>
-            <a:r>
-              <a:rPr lang="en-US" sz="1500" dirty="0">
-                <a:solidFill>
-                  <a:schemeClr val="tx2">
-                    <a:lumMod val="75000"/>
-                  </a:schemeClr>
-                </a:solidFill>
-                <a:latin typeface="Helvetica Neue" panose="020B0604020202020204" charset="0"/>
-                <a:ea typeface="Verdana" panose="020B0604030504040204" pitchFamily="34" charset="0"/>
-                <a:sym typeface="Helvetica Neue Light"/>
-              </a:rPr>
-              <a:t>?</a:t>
+              <a:t>¿Qué lleva a un cliente a cambiar de banco y tarjeta de crédito?</a:t>
             </a:r>
           </a:p>
           <a:p>
@@ -18886,267 +17618,7 @@
                 <a:ea typeface="Verdana" panose="020B0604030504040204" pitchFamily="34" charset="0"/>
                 <a:sym typeface="Helvetica Neue Light"/>
               </a:rPr>
-              <a:t>¿</a:t>
-            </a:r>
-            <a:r>
-              <a:rPr lang="en-US" sz="1500" dirty="0" err="1">
-                <a:solidFill>
-                  <a:schemeClr val="tx2">
-                    <a:lumMod val="75000"/>
-                  </a:schemeClr>
-                </a:solidFill>
-                <a:latin typeface="Helvetica Neue" panose="020B0604020202020204" charset="0"/>
-                <a:ea typeface="Verdana" panose="020B0604030504040204" pitchFamily="34" charset="0"/>
-                <a:sym typeface="Helvetica Neue Light"/>
-              </a:rPr>
-              <a:t>Qué</a:t>
-            </a:r>
-            <a:r>
-              <a:rPr lang="en-US" sz="1500" dirty="0">
-                <a:solidFill>
-                  <a:schemeClr val="tx2">
-                    <a:lumMod val="75000"/>
-                  </a:schemeClr>
-                </a:solidFill>
-                <a:latin typeface="Helvetica Neue" panose="020B0604020202020204" charset="0"/>
-                <a:ea typeface="Verdana" panose="020B0604030504040204" pitchFamily="34" charset="0"/>
-                <a:sym typeface="Helvetica Neue Light"/>
-              </a:rPr>
-              <a:t> </a:t>
-            </a:r>
-            <a:r>
-              <a:rPr lang="en-US" sz="1500" dirty="0" err="1">
-                <a:solidFill>
-                  <a:schemeClr val="tx2">
-                    <a:lumMod val="75000"/>
-                  </a:schemeClr>
-                </a:solidFill>
-                <a:latin typeface="Helvetica Neue" panose="020B0604020202020204" charset="0"/>
-                <a:ea typeface="Verdana" panose="020B0604030504040204" pitchFamily="34" charset="0"/>
-                <a:sym typeface="Helvetica Neue Light"/>
-              </a:rPr>
-              <a:t>indicios</a:t>
-            </a:r>
-            <a:r>
-              <a:rPr lang="en-US" sz="1500" dirty="0">
-                <a:solidFill>
-                  <a:schemeClr val="tx2">
-                    <a:lumMod val="75000"/>
-                  </a:schemeClr>
-                </a:solidFill>
-                <a:latin typeface="Helvetica Neue" panose="020B0604020202020204" charset="0"/>
-                <a:ea typeface="Verdana" panose="020B0604030504040204" pitchFamily="34" charset="0"/>
-                <a:sym typeface="Helvetica Neue Light"/>
-              </a:rPr>
-              <a:t> </a:t>
-            </a:r>
-            <a:r>
-              <a:rPr lang="en-US" sz="1500" dirty="0" err="1">
-                <a:solidFill>
-                  <a:schemeClr val="tx2">
-                    <a:lumMod val="75000"/>
-                  </a:schemeClr>
-                </a:solidFill>
-                <a:latin typeface="Helvetica Neue" panose="020B0604020202020204" charset="0"/>
-                <a:ea typeface="Verdana" panose="020B0604030504040204" pitchFamily="34" charset="0"/>
-                <a:sym typeface="Helvetica Neue Light"/>
-              </a:rPr>
-              <a:t>existen</a:t>
-            </a:r>
-            <a:r>
-              <a:rPr lang="en-US" sz="1500" dirty="0">
-                <a:solidFill>
-                  <a:schemeClr val="tx2">
-                    <a:lumMod val="75000"/>
-                  </a:schemeClr>
-                </a:solidFill>
-                <a:latin typeface="Helvetica Neue" panose="020B0604020202020204" charset="0"/>
-                <a:ea typeface="Verdana" panose="020B0604030504040204" pitchFamily="34" charset="0"/>
-                <a:sym typeface="Helvetica Neue Light"/>
-              </a:rPr>
-              <a:t> para </a:t>
-            </a:r>
-            <a:r>
-              <a:rPr lang="en-US" sz="1500" dirty="0" err="1">
-                <a:solidFill>
-                  <a:schemeClr val="tx2">
-                    <a:lumMod val="75000"/>
-                  </a:schemeClr>
-                </a:solidFill>
-                <a:latin typeface="Helvetica Neue" panose="020B0604020202020204" charset="0"/>
-                <a:ea typeface="Verdana" panose="020B0604030504040204" pitchFamily="34" charset="0"/>
-                <a:sym typeface="Helvetica Neue Light"/>
-              </a:rPr>
-              <a:t>precedir</a:t>
-            </a:r>
-            <a:r>
-              <a:rPr lang="en-US" sz="1500" dirty="0">
-                <a:solidFill>
-                  <a:schemeClr val="tx2">
-                    <a:lumMod val="75000"/>
-                  </a:schemeClr>
-                </a:solidFill>
-                <a:latin typeface="Helvetica Neue" panose="020B0604020202020204" charset="0"/>
-                <a:ea typeface="Verdana" panose="020B0604030504040204" pitchFamily="34" charset="0"/>
-                <a:sym typeface="Helvetica Neue Light"/>
-              </a:rPr>
-              <a:t> que un </a:t>
-            </a:r>
-            <a:r>
-              <a:rPr lang="en-US" sz="1500" dirty="0" err="1">
-                <a:solidFill>
-                  <a:schemeClr val="tx2">
-                    <a:lumMod val="75000"/>
-                  </a:schemeClr>
-                </a:solidFill>
-                <a:latin typeface="Helvetica Neue" panose="020B0604020202020204" charset="0"/>
-                <a:ea typeface="Verdana" panose="020B0604030504040204" pitchFamily="34" charset="0"/>
-                <a:sym typeface="Helvetica Neue Light"/>
-              </a:rPr>
-              <a:t>cliente</a:t>
-            </a:r>
-            <a:r>
-              <a:rPr lang="en-US" sz="1500" dirty="0">
-                <a:solidFill>
-                  <a:schemeClr val="tx2">
-                    <a:lumMod val="75000"/>
-                  </a:schemeClr>
-                </a:solidFill>
-                <a:latin typeface="Helvetica Neue" panose="020B0604020202020204" charset="0"/>
-                <a:ea typeface="Verdana" panose="020B0604030504040204" pitchFamily="34" charset="0"/>
-                <a:sym typeface="Helvetica Neue Light"/>
-              </a:rPr>
-              <a:t> </a:t>
-            </a:r>
-            <a:r>
-              <a:rPr lang="en-US" sz="1500" dirty="0" err="1">
-                <a:solidFill>
-                  <a:schemeClr val="tx2">
-                    <a:lumMod val="75000"/>
-                  </a:schemeClr>
-                </a:solidFill>
-                <a:latin typeface="Helvetica Neue" panose="020B0604020202020204" charset="0"/>
-                <a:ea typeface="Verdana" panose="020B0604030504040204" pitchFamily="34" charset="0"/>
-                <a:sym typeface="Helvetica Neue Light"/>
-              </a:rPr>
-              <a:t>está</a:t>
-            </a:r>
-            <a:r>
-              <a:rPr lang="en-US" sz="1500" dirty="0">
-                <a:solidFill>
-                  <a:schemeClr val="tx2">
-                    <a:lumMod val="75000"/>
-                  </a:schemeClr>
-                </a:solidFill>
-                <a:latin typeface="Helvetica Neue" panose="020B0604020202020204" charset="0"/>
-                <a:ea typeface="Verdana" panose="020B0604030504040204" pitchFamily="34" charset="0"/>
-                <a:sym typeface="Helvetica Neue Light"/>
-              </a:rPr>
-              <a:t> </a:t>
-            </a:r>
-            <a:r>
-              <a:rPr lang="en-US" sz="1500" dirty="0" err="1">
-                <a:solidFill>
-                  <a:schemeClr val="tx2">
-                    <a:lumMod val="75000"/>
-                  </a:schemeClr>
-                </a:solidFill>
-                <a:latin typeface="Helvetica Neue" panose="020B0604020202020204" charset="0"/>
-                <a:ea typeface="Verdana" panose="020B0604030504040204" pitchFamily="34" charset="0"/>
-                <a:sym typeface="Helvetica Neue Light"/>
-              </a:rPr>
-              <a:t>por</a:t>
-            </a:r>
-            <a:r>
-              <a:rPr lang="en-US" sz="1500" dirty="0">
-                <a:solidFill>
-                  <a:schemeClr val="tx2">
-                    <a:lumMod val="75000"/>
-                  </a:schemeClr>
-                </a:solidFill>
-                <a:latin typeface="Helvetica Neue" panose="020B0604020202020204" charset="0"/>
-                <a:ea typeface="Verdana" panose="020B0604030504040204" pitchFamily="34" charset="0"/>
-                <a:sym typeface="Helvetica Neue Light"/>
-              </a:rPr>
-              <a:t> abandoner </a:t>
-            </a:r>
-            <a:r>
-              <a:rPr lang="en-US" sz="1500" dirty="0" err="1">
-                <a:solidFill>
-                  <a:schemeClr val="tx2">
-                    <a:lumMod val="75000"/>
-                  </a:schemeClr>
-                </a:solidFill>
-                <a:latin typeface="Helvetica Neue" panose="020B0604020202020204" charset="0"/>
-                <a:ea typeface="Verdana" panose="020B0604030504040204" pitchFamily="34" charset="0"/>
-                <a:sym typeface="Helvetica Neue Light"/>
-              </a:rPr>
-              <a:t>el</a:t>
-            </a:r>
-            <a:r>
-              <a:rPr lang="en-US" sz="1500" dirty="0">
-                <a:solidFill>
-                  <a:schemeClr val="tx2">
-                    <a:lumMod val="75000"/>
-                  </a:schemeClr>
-                </a:solidFill>
-                <a:latin typeface="Helvetica Neue" panose="020B0604020202020204" charset="0"/>
-                <a:ea typeface="Verdana" panose="020B0604030504040204" pitchFamily="34" charset="0"/>
-                <a:sym typeface="Helvetica Neue Light"/>
-              </a:rPr>
-              <a:t> </a:t>
-            </a:r>
-            <a:r>
-              <a:rPr lang="en-US" sz="1500" dirty="0" err="1">
-                <a:solidFill>
-                  <a:schemeClr val="tx2">
-                    <a:lumMod val="75000"/>
-                  </a:schemeClr>
-                </a:solidFill>
-                <a:latin typeface="Helvetica Neue" panose="020B0604020202020204" charset="0"/>
-                <a:ea typeface="Verdana" panose="020B0604030504040204" pitchFamily="34" charset="0"/>
-                <a:sym typeface="Helvetica Neue Light"/>
-              </a:rPr>
-              <a:t>servicio</a:t>
-            </a:r>
-            <a:r>
-              <a:rPr lang="en-US" sz="1500" dirty="0">
-                <a:solidFill>
-                  <a:schemeClr val="tx2">
-                    <a:lumMod val="75000"/>
-                  </a:schemeClr>
-                </a:solidFill>
-                <a:latin typeface="Helvetica Neue" panose="020B0604020202020204" charset="0"/>
-                <a:ea typeface="Verdana" panose="020B0604030504040204" pitchFamily="34" charset="0"/>
-                <a:sym typeface="Helvetica Neue Light"/>
-              </a:rPr>
-              <a:t> </a:t>
-            </a:r>
-            <a:r>
-              <a:rPr lang="en-US" sz="1500" dirty="0" err="1">
-                <a:solidFill>
-                  <a:schemeClr val="tx2">
-                    <a:lumMod val="75000"/>
-                  </a:schemeClr>
-                </a:solidFill>
-                <a:latin typeface="Helvetica Neue" panose="020B0604020202020204" charset="0"/>
-                <a:ea typeface="Verdana" panose="020B0604030504040204" pitchFamily="34" charset="0"/>
-                <a:sym typeface="Helvetica Neue Light"/>
-              </a:rPr>
-              <a:t>bancario</a:t>
-            </a:r>
-            <a:r>
-              <a:rPr lang="en-US" sz="1500" dirty="0">
-                <a:solidFill>
-                  <a:schemeClr val="tx2">
-                    <a:lumMod val="75000"/>
-                  </a:schemeClr>
-                </a:solidFill>
-                <a:latin typeface="Helvetica Neue" panose="020B0604020202020204" charset="0"/>
-                <a:ea typeface="Verdana" panose="020B0604030504040204" pitchFamily="34" charset="0"/>
-                <a:sym typeface="Helvetica Neue Light"/>
-              </a:rPr>
-              <a:t>?</a:t>
+              <a:t>¿Qué indicios existen para precedir que un cliente está por abandoner el servicio bancario?</a:t>
             </a:r>
           </a:p>
           <a:p>
@@ -19244,7 +17716,7 @@
               <a:buSzPts val="2800"/>
             </a:pPr>
             <a:r>
-              <a:rPr lang="en-US" sz="2000" b="1" dirty="0" err="1">
+              <a:rPr lang="en-US" sz="2000" b="1" dirty="0">
                 <a:solidFill>
                   <a:schemeClr val="tx2">
                     <a:lumMod val="75000"/>
@@ -19254,44 +17726,8 @@
                 <a:ea typeface="Verdana" panose="020B0604030504040204" pitchFamily="34" charset="0"/>
                 <a:sym typeface="Helvetica Neue"/>
               </a:rPr>
-              <a:t>Preguntas</a:t>
+              <a:t>Preguntas adicionales</a:t>
             </a:r>
-            <a:r>
-              <a:rPr lang="en-US" sz="2000" b="1" dirty="0">
-                <a:solidFill>
-                  <a:schemeClr val="tx2">
-                    <a:lumMod val="75000"/>
-                  </a:schemeClr>
-                </a:solidFill>
-                <a:latin typeface="Helvetica Neue" panose="020B0604020202020204" charset="0"/>
-                <a:ea typeface="Verdana" panose="020B0604030504040204" pitchFamily="34" charset="0"/>
-                <a:sym typeface="Helvetica Neue"/>
-              </a:rPr>
-              <a:t> </a:t>
-            </a:r>
-            <a:r>
-              <a:rPr lang="en-US" sz="2000" b="1" dirty="0" err="1">
-                <a:solidFill>
-                  <a:schemeClr val="tx2">
-                    <a:lumMod val="75000"/>
-                  </a:schemeClr>
-                </a:solidFill>
-                <a:latin typeface="Helvetica Neue" panose="020B0604020202020204" charset="0"/>
-                <a:ea typeface="Verdana" panose="020B0604030504040204" pitchFamily="34" charset="0"/>
-                <a:sym typeface="Helvetica Neue"/>
-              </a:rPr>
-              <a:t>adicionales</a:t>
-            </a:r>
-            <a:endParaRPr lang="en-US" sz="2000" b="1" dirty="0">
-              <a:solidFill>
-                <a:schemeClr val="tx2">
-                  <a:lumMod val="75000"/>
-                </a:schemeClr>
-              </a:solidFill>
-              <a:latin typeface="Helvetica Neue" panose="020B0604020202020204" charset="0"/>
-              <a:ea typeface="Verdana" panose="020B0604030504040204" pitchFamily="34" charset="0"/>
-              <a:sym typeface="Helvetica Neue"/>
-            </a:endParaRPr>
           </a:p>
           <a:p>
             <a:pPr>
@@ -19380,7 +17816,33 @@
                 <a:ea typeface="Verdana" panose="020B0604030504040204" pitchFamily="34" charset="0"/>
                 <a:sym typeface="Helvetica Neue Light"/>
               </a:rPr>
-              <a:t>¿Hay relación entre la edad de los clientes y el abandono del servicio?</a:t>
+              <a:t>¿Hay relación entre la </a:t>
+            </a:r>
+            <a:r>
+              <a:rPr lang="es-ES" sz="1500" b="1" dirty="0">
+                <a:solidFill>
+                  <a:schemeClr val="tx2">
+                    <a:lumMod val="75000"/>
+                  </a:schemeClr>
+                </a:solidFill>
+                <a:latin typeface="Helvetica Neue" panose="020B0604020202020204" charset="0"/>
+                <a:ea typeface="Verdana" panose="020B0604030504040204" pitchFamily="34" charset="0"/>
+                <a:sym typeface="Helvetica Neue Light"/>
+              </a:rPr>
+              <a:t>edad</a:t>
+            </a:r>
+            <a:r>
+              <a:rPr lang="es-ES" sz="1500" dirty="0">
+                <a:solidFill>
+                  <a:schemeClr val="tx2">
+                    <a:lumMod val="75000"/>
+                  </a:schemeClr>
+                </a:solidFill>
+                <a:latin typeface="Helvetica Neue" panose="020B0604020202020204" charset="0"/>
+                <a:ea typeface="Verdana" panose="020B0604030504040204" pitchFamily="34" charset="0"/>
+                <a:sym typeface="Helvetica Neue Light"/>
+              </a:rPr>
+              <a:t> de los clientes y el abandono del servicio?</a:t>
             </a:r>
           </a:p>
           <a:p>
@@ -19425,7 +17887,33 @@
                 <a:ea typeface="Verdana" panose="020B0604030504040204" pitchFamily="34" charset="0"/>
                 <a:sym typeface="Helvetica Neue Light"/>
               </a:rPr>
-              <a:t>¿Cómo se distribuye (%) los clientes que abandonan el servicio según el rango de sus ingresos informados? </a:t>
+              <a:t>¿Los clientes de </a:t>
+            </a:r>
+            <a:r>
+              <a:rPr lang="es-ES" sz="1500" b="1" dirty="0">
+                <a:solidFill>
+                  <a:schemeClr val="tx2">
+                    <a:lumMod val="75000"/>
+                  </a:schemeClr>
+                </a:solidFill>
+                <a:latin typeface="Helvetica Neue" panose="020B0604020202020204" charset="0"/>
+                <a:ea typeface="Verdana" panose="020B0604030504040204" pitchFamily="34" charset="0"/>
+                <a:sym typeface="Helvetica Neue Light"/>
+              </a:rPr>
+              <a:t>mayor edad </a:t>
+            </a:r>
+            <a:r>
+              <a:rPr lang="es-ES" sz="1500" dirty="0">
+                <a:solidFill>
+                  <a:schemeClr val="tx2">
+                    <a:lumMod val="75000"/>
+                  </a:schemeClr>
+                </a:solidFill>
+                <a:latin typeface="Helvetica Neue" panose="020B0604020202020204" charset="0"/>
+                <a:ea typeface="Verdana" panose="020B0604030504040204" pitchFamily="34" charset="0"/>
+                <a:sym typeface="Helvetica Neue Light"/>
+              </a:rPr>
+              <a:t>están abandonando más que los más jóvenes?</a:t>
             </a:r>
           </a:p>
           <a:p>
@@ -19470,7 +17958,33 @@
                 <a:ea typeface="Verdana" panose="020B0604030504040204" pitchFamily="34" charset="0"/>
                 <a:sym typeface="Helvetica Neue Light"/>
               </a:rPr>
-              <a:t>¿Existe correlación entre mi variable target (abandono de clientes) y el resto de las variables del presente trabajo? </a:t>
+              <a:t>¿Cómo se distribuye (%) los clientes que abandonan el servicio según el </a:t>
+            </a:r>
+            <a:r>
+              <a:rPr lang="es-ES" sz="1500" b="1" dirty="0">
+                <a:solidFill>
+                  <a:schemeClr val="tx2">
+                    <a:lumMod val="75000"/>
+                  </a:schemeClr>
+                </a:solidFill>
+                <a:latin typeface="Helvetica Neue" panose="020B0604020202020204" charset="0"/>
+                <a:ea typeface="Verdana" panose="020B0604030504040204" pitchFamily="34" charset="0"/>
+                <a:sym typeface="Helvetica Neue Light"/>
+              </a:rPr>
+              <a:t>rango de sus ingresos </a:t>
+            </a:r>
+            <a:r>
+              <a:rPr lang="es-ES" sz="1500" dirty="0">
+                <a:solidFill>
+                  <a:schemeClr val="tx2">
+                    <a:lumMod val="75000"/>
+                  </a:schemeClr>
+                </a:solidFill>
+                <a:latin typeface="Helvetica Neue" panose="020B0604020202020204" charset="0"/>
+                <a:ea typeface="Verdana" panose="020B0604030504040204" pitchFamily="34" charset="0"/>
+                <a:sym typeface="Helvetica Neue Light"/>
+              </a:rPr>
+              <a:t>informados? </a:t>
             </a:r>
           </a:p>
           <a:p>
@@ -19515,7 +18029,7 @@
                 <a:ea typeface="Verdana" panose="020B0604030504040204" pitchFamily="34" charset="0"/>
                 <a:sym typeface="Helvetica Neue Light"/>
               </a:rPr>
-              <a:t>¿Hay diferencias significativas en la distribución del límite crediticio entre los clientes y los que abandonan? </a:t>
+              <a:t>¿Existe correlación entre mi variable target (abandono de clientes) y el resto de las variables del presente trabajo? </a:t>
             </a:r>
           </a:p>
           <a:p>
@@ -19560,8 +18074,66 @@
                 <a:ea typeface="Verdana" panose="020B0604030504040204" pitchFamily="34" charset="0"/>
                 <a:sym typeface="Helvetica Neue Light"/>
               </a:rPr>
-              <a:t>¿Los clientes de mayor edad están abandonando más que los más jóvenes?</a:t>
+              <a:t>¿Hay diferencias significativas en la distribución del</a:t>
             </a:r>
+            <a:r>
+              <a:rPr lang="es-ES" sz="1500" b="1" dirty="0">
+                <a:solidFill>
+                  <a:schemeClr val="tx2">
+                    <a:lumMod val="75000"/>
+                  </a:schemeClr>
+                </a:solidFill>
+                <a:latin typeface="Helvetica Neue" panose="020B0604020202020204" charset="0"/>
+                <a:ea typeface="Verdana" panose="020B0604030504040204" pitchFamily="34" charset="0"/>
+                <a:sym typeface="Helvetica Neue Light"/>
+              </a:rPr>
+              <a:t> límite crediticio </a:t>
+            </a:r>
+            <a:r>
+              <a:rPr lang="es-ES" sz="1500" dirty="0">
+                <a:solidFill>
+                  <a:schemeClr val="tx2">
+                    <a:lumMod val="75000"/>
+                  </a:schemeClr>
+                </a:solidFill>
+                <a:latin typeface="Helvetica Neue" panose="020B0604020202020204" charset="0"/>
+                <a:ea typeface="Verdana" panose="020B0604030504040204" pitchFamily="34" charset="0"/>
+                <a:sym typeface="Helvetica Neue Light"/>
+              </a:rPr>
+              <a:t>entre los clientes y los que abandonan? </a:t>
+            </a:r>
+          </a:p>
+          <a:p>
+            <a:pPr>
+              <a:lnSpc>
+                <a:spcPct val="80000"/>
+              </a:lnSpc>
+              <a:buClr>
+                <a:srgbClr val="000000"/>
+              </a:buClr>
+              <a:buSzPts val="2800"/>
+            </a:pPr>
+            <a:endParaRPr lang="es-ES" sz="1500" dirty="0">
+              <a:solidFill>
+                <a:schemeClr val="tx2">
+                  <a:lumMod val="75000"/>
+                </a:schemeClr>
+              </a:solidFill>
+              <a:latin typeface="Helvetica Neue" panose="020B0604020202020204" charset="0"/>
+              <a:ea typeface="Verdana" panose="020B0604030504040204" pitchFamily="34" charset="0"/>
+              <a:sym typeface="Helvetica Neue Light"/>
+            </a:endParaRPr>
+          </a:p>
+          <a:p>
+            <a:pPr>
+              <a:lnSpc>
+                <a:spcPct val="80000"/>
+              </a:lnSpc>
+              <a:buClr>
+                <a:srgbClr val="000000"/>
+              </a:buClr>
+              <a:buSzPts val="2800"/>
+            </a:pPr>
             <a:endParaRPr sz="1500" dirty="0">
               <a:solidFill>
                 <a:schemeClr val="tx2">
@@ -19618,7 +18190,7 @@
           <a:lstStyle/>
           <a:p>
             <a:pPr algn="ctr"/>
-            <a:endParaRPr lang="es-AR">
+            <a:endParaRPr lang="es-AR" dirty="0">
               <a:solidFill>
                 <a:schemeClr val="tx1"/>
               </a:solidFill>
@@ -19731,7 +18303,7 @@
                 <a:cs typeface="DM Sans"/>
                 <a:sym typeface="DM Sans"/>
               </a:rPr>
-              <a:t>10.129</a:t>
+              <a:t>10.127</a:t>
             </a:r>
             <a:endParaRPr sz="3000" dirty="0">
               <a:solidFill>
@@ -19891,175 +18463,7 @@
                 <a:cs typeface="Calibri"/>
                 <a:sym typeface="Calibri"/>
               </a:rPr>
-              <a:t>Los </a:t>
-            </a:r>
-            <a:r>
-              <a:rPr lang="en-US" sz="1100" b="1" dirty="0" err="1">
-                <a:solidFill>
-                  <a:schemeClr val="tx2">
-                    <a:lumMod val="75000"/>
-                  </a:schemeClr>
-                </a:solidFill>
-                <a:latin typeface="Calibri"/>
-                <a:ea typeface="Calibri"/>
-                <a:cs typeface="Calibri"/>
-                <a:sym typeface="Calibri"/>
-              </a:rPr>
-              <a:t>datos</a:t>
-            </a:r>
-            <a:r>
-              <a:rPr lang="en-US" sz="1100" b="1" dirty="0">
-                <a:solidFill>
-                  <a:schemeClr val="tx2">
-                    <a:lumMod val="75000"/>
-                  </a:schemeClr>
-                </a:solidFill>
-                <a:latin typeface="Calibri"/>
-                <a:ea typeface="Calibri"/>
-                <a:cs typeface="Calibri"/>
-                <a:sym typeface="Calibri"/>
-              </a:rPr>
-              <a:t> </a:t>
-            </a:r>
-            <a:r>
-              <a:rPr lang="en-US" sz="1100" b="1" dirty="0" err="1">
-                <a:solidFill>
-                  <a:schemeClr val="tx2">
-                    <a:lumMod val="75000"/>
-                  </a:schemeClr>
-                </a:solidFill>
-                <a:latin typeface="Calibri"/>
-                <a:ea typeface="Calibri"/>
-                <a:cs typeface="Calibri"/>
-                <a:sym typeface="Calibri"/>
-              </a:rPr>
-              <a:t>fueron</a:t>
-            </a:r>
-            <a:r>
-              <a:rPr lang="en-US" sz="1100" b="1" dirty="0">
-                <a:solidFill>
-                  <a:schemeClr val="tx2">
-                    <a:lumMod val="75000"/>
-                  </a:schemeClr>
-                </a:solidFill>
-                <a:latin typeface="Calibri"/>
-                <a:ea typeface="Calibri"/>
-                <a:cs typeface="Calibri"/>
-                <a:sym typeface="Calibri"/>
-              </a:rPr>
-              <a:t> </a:t>
-            </a:r>
-            <a:r>
-              <a:rPr lang="en-US" sz="1100" b="1" dirty="0" err="1">
-                <a:solidFill>
-                  <a:schemeClr val="tx2">
-                    <a:lumMod val="75000"/>
-                  </a:schemeClr>
-                </a:solidFill>
-                <a:latin typeface="Calibri"/>
-                <a:ea typeface="Calibri"/>
-                <a:cs typeface="Calibri"/>
-                <a:sym typeface="Calibri"/>
-              </a:rPr>
-              <a:t>extraídos</a:t>
-            </a:r>
-            <a:r>
-              <a:rPr lang="en-US" sz="1100" b="1" dirty="0">
-                <a:solidFill>
-                  <a:schemeClr val="tx2">
-                    <a:lumMod val="75000"/>
-                  </a:schemeClr>
-                </a:solidFill>
-                <a:latin typeface="Calibri"/>
-                <a:ea typeface="Calibri"/>
-                <a:cs typeface="Calibri"/>
-                <a:sym typeface="Calibri"/>
-              </a:rPr>
-              <a:t> de Kaggle. Para mayor </a:t>
-            </a:r>
-            <a:r>
-              <a:rPr lang="en-US" sz="1100" b="1" dirty="0" err="1">
-                <a:solidFill>
-                  <a:schemeClr val="tx2">
-                    <a:lumMod val="75000"/>
-                  </a:schemeClr>
-                </a:solidFill>
-                <a:latin typeface="Calibri"/>
-                <a:ea typeface="Calibri"/>
-                <a:cs typeface="Calibri"/>
-                <a:sym typeface="Calibri"/>
-              </a:rPr>
-              <a:t>detalle</a:t>
-            </a:r>
-            <a:r>
-              <a:rPr lang="en-US" sz="1100" b="1" dirty="0">
-                <a:solidFill>
-                  <a:schemeClr val="tx2">
-                    <a:lumMod val="75000"/>
-                  </a:schemeClr>
-                </a:solidFill>
-                <a:latin typeface="Calibri"/>
-                <a:ea typeface="Calibri"/>
-                <a:cs typeface="Calibri"/>
-                <a:sym typeface="Calibri"/>
-              </a:rPr>
-              <a:t> </a:t>
-            </a:r>
-            <a:r>
-              <a:rPr lang="en-US" sz="1100" b="1" dirty="0" err="1">
-                <a:solidFill>
-                  <a:schemeClr val="tx2">
-                    <a:lumMod val="75000"/>
-                  </a:schemeClr>
-                </a:solidFill>
-                <a:latin typeface="Calibri"/>
-                <a:ea typeface="Calibri"/>
-                <a:cs typeface="Calibri"/>
-                <a:sym typeface="Calibri"/>
-              </a:rPr>
-              <a:t>ingresar</a:t>
-            </a:r>
-            <a:r>
-              <a:rPr lang="en-US" sz="1100" b="1" dirty="0">
-                <a:solidFill>
-                  <a:schemeClr val="tx2">
-                    <a:lumMod val="75000"/>
-                  </a:schemeClr>
-                </a:solidFill>
-                <a:latin typeface="Calibri"/>
-                <a:ea typeface="Calibri"/>
-                <a:cs typeface="Calibri"/>
-                <a:sym typeface="Calibri"/>
-              </a:rPr>
-              <a:t> al </a:t>
-            </a:r>
-            <a:r>
-              <a:rPr lang="en-US" sz="1100" b="1" dirty="0" err="1">
-                <a:solidFill>
-                  <a:schemeClr val="tx2">
-                    <a:lumMod val="75000"/>
-                  </a:schemeClr>
-                </a:solidFill>
-                <a:latin typeface="Calibri"/>
-                <a:ea typeface="Calibri"/>
-                <a:cs typeface="Calibri"/>
-                <a:sym typeface="Calibri"/>
-              </a:rPr>
-              <a:t>siguiente</a:t>
-            </a:r>
-            <a:r>
-              <a:rPr lang="en-US" sz="1100" b="1" dirty="0">
-                <a:solidFill>
-                  <a:schemeClr val="tx2">
-                    <a:lumMod val="75000"/>
-                  </a:schemeClr>
-                </a:solidFill>
-                <a:latin typeface="Calibri"/>
-                <a:ea typeface="Calibri"/>
-                <a:cs typeface="Calibri"/>
-                <a:sym typeface="Calibri"/>
-              </a:rPr>
-              <a:t>  </a:t>
+              <a:t>Los datos fueron extraídos de Kaggle. Para mayor detalle ingresar al siguiente  </a:t>
             </a:r>
             <a:r>
               <a:rPr lang="en-US" sz="1100" b="1" u="sng" dirty="0">
@@ -20153,7 +18557,7 @@
           <a:lstStyle/>
           <a:p>
             <a:pPr algn="ctr"/>
-            <a:endParaRPr lang="es-AR">
+            <a:endParaRPr lang="es-AR" dirty="0">
               <a:solidFill>
                 <a:schemeClr val="tx1"/>
               </a:solidFill>
@@ -21046,7 +19450,7 @@
               </a:rPr>
               <a:t>6</a:t>
             </a:fld>
-            <a:endParaRPr sz="1050" b="0" i="0" u="none" strike="noStrike" cap="none">
+            <a:endParaRPr sz="1050" b="0" i="0" u="none" strike="noStrike" cap="none" dirty="0">
               <a:solidFill>
                 <a:srgbClr val="000000"/>
               </a:solidFill>
@@ -21234,7 +19638,7 @@
               </a:rPr>
               <a:t>7</a:t>
             </a:fld>
-            <a:endParaRPr sz="1050" b="0" i="0" u="none" strike="noStrike" cap="none">
+            <a:endParaRPr sz="1050" b="0" i="0" u="none" strike="noStrike" cap="none" dirty="0">
               <a:solidFill>
                 <a:srgbClr val="000000"/>
               </a:solidFill>
@@ -21295,43 +19699,7 @@
                 <a:cs typeface="Helvetica Neue"/>
                 <a:sym typeface="Helvetica Neue"/>
               </a:rPr>
-              <a:t>¿</a:t>
-            </a:r>
-            <a:r>
-              <a:rPr lang="en-US" sz="2800" b="1" dirty="0" err="1">
-                <a:latin typeface="Helvetica Neue"/>
-                <a:ea typeface="Helvetica Neue"/>
-                <a:cs typeface="Helvetica Neue"/>
-                <a:sym typeface="Helvetica Neue"/>
-              </a:rPr>
-              <a:t>Quienes</a:t>
-            </a:r>
-            <a:r>
-              <a:rPr lang="en-US" sz="2800" b="1" dirty="0">
-                <a:latin typeface="Helvetica Neue"/>
-                <a:ea typeface="Helvetica Neue"/>
-                <a:cs typeface="Helvetica Neue"/>
-                <a:sym typeface="Helvetica Neue"/>
-              </a:rPr>
-              <a:t> son </a:t>
-            </a:r>
-            <a:r>
-              <a:rPr lang="en-US" sz="2800" b="1" dirty="0" err="1">
-                <a:latin typeface="Helvetica Neue"/>
-                <a:ea typeface="Helvetica Neue"/>
-                <a:cs typeface="Helvetica Neue"/>
-                <a:sym typeface="Helvetica Neue"/>
-              </a:rPr>
-              <a:t>nuestros</a:t>
-            </a:r>
-            <a:r>
-              <a:rPr lang="en-US" sz="2800" b="1" dirty="0">
-                <a:latin typeface="Helvetica Neue"/>
-                <a:ea typeface="Helvetica Neue"/>
-                <a:cs typeface="Helvetica Neue"/>
-                <a:sym typeface="Helvetica Neue"/>
-              </a:rPr>
-              <a:t> clientes?</a:t>
+              <a:t>¿Quienes son nuestros clientes?</a:t>
             </a:r>
             <a:endParaRPr sz="100" b="1" i="0" u="none" strike="noStrike" cap="none" dirty="0">
               <a:solidFill>
@@ -21370,7 +19738,7 @@
           </a:bodyPr>
           <a:lstStyle/>
           <a:p>
-            <a:pPr marL="0" marR="0" lvl="0" indent="0" algn="l" rtl="0">
+            <a:pPr marL="0" marR="0" lvl="0" indent="0" algn="just" rtl="0">
               <a:spcBef>
                 <a:spcPts val="0"/>
               </a:spcBef>
@@ -21380,7 +19748,7 @@
               <a:buNone/>
             </a:pPr>
             <a:r>
-              <a:rPr lang="en-US" sz="1400" dirty="0">
+              <a:rPr lang="en-US" sz="1600" dirty="0">
                 <a:solidFill>
                   <a:schemeClr val="dk1"/>
                 </a:solidFill>
@@ -21389,285 +19757,9 @@
                 <a:cs typeface="Helvetica Neue Light"/>
                 <a:sym typeface="Helvetica Neue Light"/>
               </a:rPr>
-              <a:t>Los </a:t>
+              <a:t>Los gráficos de la derecha, nos muestran que el 84% de los clientes son clientes activos mientras el que el 16% restante corresponde a clientes desgastados.</a:t>
             </a:r>
-            <a:r>
-              <a:rPr lang="en-US" sz="1400" dirty="0" err="1">
-                <a:solidFill>
-                  <a:schemeClr val="dk1"/>
-                </a:solidFill>
-                <a:latin typeface="Helvetica Neue Light"/>
-                <a:ea typeface="Helvetica Neue Light"/>
-                <a:cs typeface="Helvetica Neue Light"/>
-                <a:sym typeface="Helvetica Neue Light"/>
-              </a:rPr>
-              <a:t>gr</a:t>
-            </a:r>
-            <a:r>
-              <a:rPr lang="en-US" dirty="0" err="1">
-                <a:solidFill>
-                  <a:schemeClr val="dk1"/>
-                </a:solidFill>
-                <a:latin typeface="Helvetica Neue Light"/>
-                <a:ea typeface="Helvetica Neue Light"/>
-                <a:cs typeface="Helvetica Neue Light"/>
-                <a:sym typeface="Helvetica Neue Light"/>
-              </a:rPr>
-              <a:t>áficos</a:t>
-            </a:r>
-            <a:r>
-              <a:rPr lang="en-US" dirty="0">
-                <a:solidFill>
-                  <a:schemeClr val="dk1"/>
-                </a:solidFill>
-                <a:latin typeface="Helvetica Neue Light"/>
-                <a:ea typeface="Helvetica Neue Light"/>
-                <a:cs typeface="Helvetica Neue Light"/>
-                <a:sym typeface="Helvetica Neue Light"/>
-              </a:rPr>
-              <a:t> de la </a:t>
-            </a:r>
-            <a:r>
-              <a:rPr lang="en-US" dirty="0" err="1">
-                <a:solidFill>
-                  <a:schemeClr val="dk1"/>
-                </a:solidFill>
-                <a:latin typeface="Helvetica Neue Light"/>
-                <a:ea typeface="Helvetica Neue Light"/>
-                <a:cs typeface="Helvetica Neue Light"/>
-                <a:sym typeface="Helvetica Neue Light"/>
-              </a:rPr>
-              <a:t>derecha</a:t>
-            </a:r>
-            <a:r>
-              <a:rPr lang="en-US" dirty="0">
-                <a:solidFill>
-                  <a:schemeClr val="dk1"/>
-                </a:solidFill>
-                <a:latin typeface="Helvetica Neue Light"/>
-                <a:ea typeface="Helvetica Neue Light"/>
-                <a:cs typeface="Helvetica Neue Light"/>
-                <a:sym typeface="Helvetica Neue Light"/>
-              </a:rPr>
-              <a:t>, </a:t>
-            </a:r>
-            <a:r>
-              <a:rPr lang="en-US" dirty="0" err="1">
-                <a:solidFill>
-                  <a:schemeClr val="dk1"/>
-                </a:solidFill>
-                <a:latin typeface="Helvetica Neue Light"/>
-                <a:ea typeface="Helvetica Neue Light"/>
-                <a:cs typeface="Helvetica Neue Light"/>
-                <a:sym typeface="Helvetica Neue Light"/>
-              </a:rPr>
-              <a:t>nos</a:t>
-            </a:r>
-            <a:r>
-              <a:rPr lang="en-US" dirty="0">
-                <a:solidFill>
-                  <a:schemeClr val="dk1"/>
-                </a:solidFill>
-                <a:latin typeface="Helvetica Neue Light"/>
-                <a:ea typeface="Helvetica Neue Light"/>
-                <a:cs typeface="Helvetica Neue Light"/>
-                <a:sym typeface="Helvetica Neue Light"/>
-              </a:rPr>
-              <a:t> </a:t>
-            </a:r>
-            <a:r>
-              <a:rPr lang="en-US" dirty="0" err="1">
-                <a:solidFill>
-                  <a:schemeClr val="dk1"/>
-                </a:solidFill>
-                <a:latin typeface="Helvetica Neue Light"/>
-                <a:ea typeface="Helvetica Neue Light"/>
-                <a:cs typeface="Helvetica Neue Light"/>
-                <a:sym typeface="Helvetica Neue Light"/>
-              </a:rPr>
-              <a:t>muestran</a:t>
-            </a:r>
-            <a:r>
-              <a:rPr lang="en-US" dirty="0">
-                <a:solidFill>
-                  <a:schemeClr val="dk1"/>
-                </a:solidFill>
-                <a:latin typeface="Helvetica Neue Light"/>
-                <a:ea typeface="Helvetica Neue Light"/>
-                <a:cs typeface="Helvetica Neue Light"/>
-                <a:sym typeface="Helvetica Neue Light"/>
-              </a:rPr>
-              <a:t> que </a:t>
-            </a:r>
-            <a:r>
-              <a:rPr lang="en-US" dirty="0" err="1">
-                <a:solidFill>
-                  <a:schemeClr val="dk1"/>
-                </a:solidFill>
-                <a:latin typeface="Helvetica Neue Light"/>
-                <a:ea typeface="Helvetica Neue Light"/>
-                <a:cs typeface="Helvetica Neue Light"/>
-                <a:sym typeface="Helvetica Neue Light"/>
-              </a:rPr>
-              <a:t>el</a:t>
-            </a:r>
-            <a:r>
-              <a:rPr lang="en-US" dirty="0">
-                <a:solidFill>
-                  <a:schemeClr val="dk1"/>
-                </a:solidFill>
-                <a:latin typeface="Helvetica Neue Light"/>
-                <a:ea typeface="Helvetica Neue Light"/>
-                <a:cs typeface="Helvetica Neue Light"/>
-                <a:sym typeface="Helvetica Neue Light"/>
-              </a:rPr>
-              <a:t> 84% de los clientes son clientes </a:t>
-            </a:r>
-            <a:r>
-              <a:rPr lang="en-US" dirty="0" err="1">
-                <a:solidFill>
-                  <a:schemeClr val="dk1"/>
-                </a:solidFill>
-                <a:latin typeface="Helvetica Neue Light"/>
-                <a:ea typeface="Helvetica Neue Light"/>
-                <a:cs typeface="Helvetica Neue Light"/>
-                <a:sym typeface="Helvetica Neue Light"/>
-              </a:rPr>
-              <a:t>activos</a:t>
-            </a:r>
-            <a:r>
-              <a:rPr lang="en-US" dirty="0">
-                <a:solidFill>
-                  <a:schemeClr val="dk1"/>
-                </a:solidFill>
-                <a:latin typeface="Helvetica Neue Light"/>
-                <a:ea typeface="Helvetica Neue Light"/>
-                <a:cs typeface="Helvetica Neue Light"/>
-                <a:sym typeface="Helvetica Neue Light"/>
-              </a:rPr>
-              <a:t> </a:t>
-            </a:r>
-            <a:r>
-              <a:rPr lang="en-US" dirty="0" err="1">
-                <a:solidFill>
-                  <a:schemeClr val="dk1"/>
-                </a:solidFill>
-                <a:latin typeface="Helvetica Neue Light"/>
-                <a:ea typeface="Helvetica Neue Light"/>
-                <a:cs typeface="Helvetica Neue Light"/>
-                <a:sym typeface="Helvetica Neue Light"/>
-              </a:rPr>
-              <a:t>mientras</a:t>
-            </a:r>
-            <a:r>
-              <a:rPr lang="en-US" dirty="0">
-                <a:solidFill>
-                  <a:schemeClr val="dk1"/>
-                </a:solidFill>
-                <a:latin typeface="Helvetica Neue Light"/>
-                <a:ea typeface="Helvetica Neue Light"/>
-                <a:cs typeface="Helvetica Neue Light"/>
-                <a:sym typeface="Helvetica Neue Light"/>
-              </a:rPr>
-              <a:t> </a:t>
-            </a:r>
-            <a:r>
-              <a:rPr lang="en-US" dirty="0" err="1">
-                <a:solidFill>
-                  <a:schemeClr val="dk1"/>
-                </a:solidFill>
-                <a:latin typeface="Helvetica Neue Light"/>
-                <a:ea typeface="Helvetica Neue Light"/>
-                <a:cs typeface="Helvetica Neue Light"/>
-                <a:sym typeface="Helvetica Neue Light"/>
-              </a:rPr>
-              <a:t>el</a:t>
-            </a:r>
-            <a:r>
-              <a:rPr lang="en-US" dirty="0">
-                <a:solidFill>
-                  <a:schemeClr val="dk1"/>
-                </a:solidFill>
-                <a:latin typeface="Helvetica Neue Light"/>
-                <a:ea typeface="Helvetica Neue Light"/>
-                <a:cs typeface="Helvetica Neue Light"/>
-                <a:sym typeface="Helvetica Neue Light"/>
-              </a:rPr>
-              <a:t> que </a:t>
-            </a:r>
-            <a:r>
-              <a:rPr lang="en-US" dirty="0" err="1">
-                <a:solidFill>
-                  <a:schemeClr val="dk1"/>
-                </a:solidFill>
-                <a:latin typeface="Helvetica Neue Light"/>
-                <a:ea typeface="Helvetica Neue Light"/>
-                <a:cs typeface="Helvetica Neue Light"/>
-                <a:sym typeface="Helvetica Neue Light"/>
-              </a:rPr>
-              <a:t>el</a:t>
-            </a:r>
-            <a:r>
-              <a:rPr lang="en-US" dirty="0">
-                <a:solidFill>
-                  <a:schemeClr val="dk1"/>
-                </a:solidFill>
-                <a:latin typeface="Helvetica Neue Light"/>
-                <a:ea typeface="Helvetica Neue Light"/>
-                <a:cs typeface="Helvetica Neue Light"/>
-                <a:sym typeface="Helvetica Neue Light"/>
-              </a:rPr>
-              <a:t> 16% restante </a:t>
-            </a:r>
-            <a:r>
-              <a:rPr lang="en-US" dirty="0" err="1">
-                <a:solidFill>
-                  <a:schemeClr val="dk1"/>
-                </a:solidFill>
-                <a:latin typeface="Helvetica Neue Light"/>
-                <a:ea typeface="Helvetica Neue Light"/>
-                <a:cs typeface="Helvetica Neue Light"/>
-                <a:sym typeface="Helvetica Neue Light"/>
-              </a:rPr>
-              <a:t>corresponde</a:t>
-            </a:r>
-            <a:r>
-              <a:rPr lang="en-US" dirty="0">
-                <a:solidFill>
-                  <a:schemeClr val="dk1"/>
-                </a:solidFill>
-                <a:latin typeface="Helvetica Neue Light"/>
-                <a:ea typeface="Helvetica Neue Light"/>
-                <a:cs typeface="Helvetica Neue Light"/>
-                <a:sym typeface="Helvetica Neue Light"/>
-              </a:rPr>
-              <a:t> a clientes </a:t>
-            </a:r>
-            <a:r>
-              <a:rPr lang="en-US" dirty="0" err="1">
-                <a:solidFill>
-                  <a:schemeClr val="dk1"/>
-                </a:solidFill>
-                <a:latin typeface="Helvetica Neue Light"/>
-                <a:ea typeface="Helvetica Neue Light"/>
-                <a:cs typeface="Helvetica Neue Light"/>
-                <a:sym typeface="Helvetica Neue Light"/>
-              </a:rPr>
-              <a:t>desgastados</a:t>
-            </a:r>
-            <a:r>
-              <a:rPr lang="en-US" dirty="0">
-                <a:solidFill>
-                  <a:schemeClr val="dk1"/>
-                </a:solidFill>
-                <a:latin typeface="Helvetica Neue Light"/>
-                <a:ea typeface="Helvetica Neue Light"/>
-                <a:cs typeface="Helvetica Neue Light"/>
-                <a:sym typeface="Helvetica Neue Light"/>
-              </a:rPr>
-              <a:t>.</a:t>
-            </a:r>
-            <a:endParaRPr dirty="0">
+            <a:endParaRPr sz="1600" dirty="0">
               <a:solidFill>
                 <a:schemeClr val="dk1"/>
               </a:solidFill>
@@ -21678,7 +19770,7 @@
             </a:endParaRPr>
           </a:p>
           <a:p>
-            <a:pPr marL="0" marR="0" lvl="0" indent="0" algn="l" rtl="0">
+            <a:pPr marL="0" marR="0" lvl="0" indent="0" algn="just" rtl="0">
               <a:spcBef>
                 <a:spcPts val="0"/>
               </a:spcBef>
@@ -21687,7 +19779,7 @@
               </a:spcAft>
               <a:buNone/>
             </a:pPr>
-            <a:endParaRPr dirty="0">
+            <a:endParaRPr sz="1600" dirty="0">
               <a:solidFill>
                 <a:schemeClr val="dk1"/>
               </a:solidFill>
@@ -21698,7 +19790,7 @@
             </a:endParaRPr>
           </a:p>
           <a:p>
-            <a:pPr marL="0" marR="0" lvl="0" indent="0" algn="l" rtl="0">
+            <a:pPr marL="0" marR="0" lvl="0" indent="0" algn="just" rtl="0">
               <a:spcBef>
                 <a:spcPts val="0"/>
               </a:spcBef>
@@ -21708,7 +19800,7 @@
               <a:buNone/>
             </a:pPr>
             <a:r>
-              <a:rPr lang="en-US" dirty="0">
+              <a:rPr lang="en-US" sz="1600" dirty="0">
                 <a:solidFill>
                   <a:schemeClr val="dk1"/>
                 </a:solidFill>
@@ -21717,657 +19809,9 @@
                 <a:cs typeface="Helvetica Neue Light"/>
                 <a:sym typeface="Helvetica Neue Light"/>
               </a:rPr>
-              <a:t>Si </a:t>
+              <a:t>Si analizamos la misma variable por género encontramos que 17% de los clientes de género femenino son clientas desgastadas mientras que el 83% son clientes estables. Para el género masculino la proporción es de 15% para los clientes desgastados y 85% para los clientes estables. La visualización de la derecha nos permite inferir que la distribución por género es bastante homogénea.</a:t>
             </a:r>
-            <a:r>
-              <a:rPr lang="en-US" dirty="0" err="1">
-                <a:solidFill>
-                  <a:schemeClr val="dk1"/>
-                </a:solidFill>
-                <a:latin typeface="Helvetica Neue Light"/>
-                <a:ea typeface="Helvetica Neue Light"/>
-                <a:cs typeface="Helvetica Neue Light"/>
-                <a:sym typeface="Helvetica Neue Light"/>
-              </a:rPr>
-              <a:t>analizamos</a:t>
-            </a:r>
-            <a:r>
-              <a:rPr lang="en-US" dirty="0">
-                <a:solidFill>
-                  <a:schemeClr val="dk1"/>
-                </a:solidFill>
-                <a:latin typeface="Helvetica Neue Light"/>
-                <a:ea typeface="Helvetica Neue Light"/>
-                <a:cs typeface="Helvetica Neue Light"/>
-                <a:sym typeface="Helvetica Neue Light"/>
-              </a:rPr>
-              <a:t> la </a:t>
-            </a:r>
-            <a:r>
-              <a:rPr lang="en-US" dirty="0" err="1">
-                <a:solidFill>
-                  <a:schemeClr val="dk1"/>
-                </a:solidFill>
-                <a:latin typeface="Helvetica Neue Light"/>
-                <a:ea typeface="Helvetica Neue Light"/>
-                <a:cs typeface="Helvetica Neue Light"/>
-                <a:sym typeface="Helvetica Neue Light"/>
-              </a:rPr>
-              <a:t>misma</a:t>
-            </a:r>
-            <a:r>
-              <a:rPr lang="en-US" dirty="0">
-                <a:solidFill>
-                  <a:schemeClr val="dk1"/>
-                </a:solidFill>
-                <a:latin typeface="Helvetica Neue Light"/>
-                <a:ea typeface="Helvetica Neue Light"/>
-                <a:cs typeface="Helvetica Neue Light"/>
-                <a:sym typeface="Helvetica Neue Light"/>
-              </a:rPr>
-              <a:t> variable </a:t>
-            </a:r>
-            <a:r>
-              <a:rPr lang="en-US" dirty="0" err="1">
-                <a:solidFill>
-                  <a:schemeClr val="dk1"/>
-                </a:solidFill>
-                <a:latin typeface="Helvetica Neue Light"/>
-                <a:ea typeface="Helvetica Neue Light"/>
-                <a:cs typeface="Helvetica Neue Light"/>
-                <a:sym typeface="Helvetica Neue Light"/>
-              </a:rPr>
-              <a:t>por</a:t>
-            </a:r>
-            <a:r>
-              <a:rPr lang="en-US" dirty="0">
-                <a:solidFill>
-                  <a:schemeClr val="dk1"/>
-                </a:solidFill>
-                <a:latin typeface="Helvetica Neue Light"/>
-                <a:ea typeface="Helvetica Neue Light"/>
-                <a:cs typeface="Helvetica Neue Light"/>
-                <a:sym typeface="Helvetica Neue Light"/>
-              </a:rPr>
-              <a:t> género </a:t>
-            </a:r>
-            <a:r>
-              <a:rPr lang="en-US" dirty="0" err="1">
-                <a:solidFill>
-                  <a:schemeClr val="dk1"/>
-                </a:solidFill>
-                <a:latin typeface="Helvetica Neue Light"/>
-                <a:ea typeface="Helvetica Neue Light"/>
-                <a:cs typeface="Helvetica Neue Light"/>
-                <a:sym typeface="Helvetica Neue Light"/>
-              </a:rPr>
-              <a:t>encontramos</a:t>
-            </a:r>
-            <a:r>
-              <a:rPr lang="en-US" dirty="0">
-                <a:solidFill>
-                  <a:schemeClr val="dk1"/>
-                </a:solidFill>
-                <a:latin typeface="Helvetica Neue Light"/>
-                <a:ea typeface="Helvetica Neue Light"/>
-                <a:cs typeface="Helvetica Neue Light"/>
-                <a:sym typeface="Helvetica Neue Light"/>
-              </a:rPr>
-              <a:t> que 17% de los clientes de género </a:t>
-            </a:r>
-            <a:r>
-              <a:rPr lang="en-US" dirty="0" err="1">
-                <a:solidFill>
-                  <a:schemeClr val="dk1"/>
-                </a:solidFill>
-                <a:latin typeface="Helvetica Neue Light"/>
-                <a:ea typeface="Helvetica Neue Light"/>
-                <a:cs typeface="Helvetica Neue Light"/>
-                <a:sym typeface="Helvetica Neue Light"/>
-              </a:rPr>
-              <a:t>femenino</a:t>
-            </a:r>
-            <a:r>
-              <a:rPr lang="en-US" dirty="0">
-                <a:solidFill>
-                  <a:schemeClr val="dk1"/>
-                </a:solidFill>
-                <a:latin typeface="Helvetica Neue Light"/>
-                <a:ea typeface="Helvetica Neue Light"/>
-                <a:cs typeface="Helvetica Neue Light"/>
-                <a:sym typeface="Helvetica Neue Light"/>
-              </a:rPr>
-              <a:t> son clientes </a:t>
-            </a:r>
-            <a:r>
-              <a:rPr lang="en-US" dirty="0" err="1">
-                <a:solidFill>
-                  <a:schemeClr val="dk1"/>
-                </a:solidFill>
-                <a:latin typeface="Helvetica Neue Light"/>
-                <a:ea typeface="Helvetica Neue Light"/>
-                <a:cs typeface="Helvetica Neue Light"/>
-                <a:sym typeface="Helvetica Neue Light"/>
-              </a:rPr>
-              <a:t>desgastadas</a:t>
-            </a:r>
-            <a:r>
-              <a:rPr lang="en-US" dirty="0">
-                <a:solidFill>
-                  <a:schemeClr val="dk1"/>
-                </a:solidFill>
-                <a:latin typeface="Helvetica Neue Light"/>
-                <a:ea typeface="Helvetica Neue Light"/>
-                <a:cs typeface="Helvetica Neue Light"/>
-                <a:sym typeface="Helvetica Neue Light"/>
-              </a:rPr>
-              <a:t> </a:t>
-            </a:r>
-            <a:r>
-              <a:rPr lang="en-US" dirty="0" err="1">
-                <a:solidFill>
-                  <a:schemeClr val="dk1"/>
-                </a:solidFill>
-                <a:latin typeface="Helvetica Neue Light"/>
-                <a:ea typeface="Helvetica Neue Light"/>
-                <a:cs typeface="Helvetica Neue Light"/>
-                <a:sym typeface="Helvetica Neue Light"/>
-              </a:rPr>
-              <a:t>mientras</a:t>
-            </a:r>
-            <a:r>
-              <a:rPr lang="en-US" dirty="0">
-                <a:solidFill>
-                  <a:schemeClr val="dk1"/>
-                </a:solidFill>
-                <a:latin typeface="Helvetica Neue Light"/>
-                <a:ea typeface="Helvetica Neue Light"/>
-                <a:cs typeface="Helvetica Neue Light"/>
-                <a:sym typeface="Helvetica Neue Light"/>
-              </a:rPr>
-              <a:t> que </a:t>
-            </a:r>
-            <a:r>
-              <a:rPr lang="en-US" dirty="0" err="1">
-                <a:solidFill>
-                  <a:schemeClr val="dk1"/>
-                </a:solidFill>
-                <a:latin typeface="Helvetica Neue Light"/>
-                <a:ea typeface="Helvetica Neue Light"/>
-                <a:cs typeface="Helvetica Neue Light"/>
-                <a:sym typeface="Helvetica Neue Light"/>
-              </a:rPr>
-              <a:t>el</a:t>
-            </a:r>
-            <a:r>
-              <a:rPr lang="en-US" dirty="0">
-                <a:solidFill>
-                  <a:schemeClr val="dk1"/>
-                </a:solidFill>
-                <a:latin typeface="Helvetica Neue Light"/>
-                <a:ea typeface="Helvetica Neue Light"/>
-                <a:cs typeface="Helvetica Neue Light"/>
-                <a:sym typeface="Helvetica Neue Light"/>
-              </a:rPr>
-              <a:t> 83% son clientes </a:t>
-            </a:r>
-            <a:r>
-              <a:rPr lang="en-US" dirty="0" err="1">
-                <a:solidFill>
-                  <a:schemeClr val="dk1"/>
-                </a:solidFill>
-                <a:latin typeface="Helvetica Neue Light"/>
-                <a:ea typeface="Helvetica Neue Light"/>
-                <a:cs typeface="Helvetica Neue Light"/>
-                <a:sym typeface="Helvetica Neue Light"/>
-              </a:rPr>
-              <a:t>estables</a:t>
-            </a:r>
-            <a:r>
-              <a:rPr lang="en-US" dirty="0">
-                <a:solidFill>
-                  <a:schemeClr val="dk1"/>
-                </a:solidFill>
-                <a:latin typeface="Helvetica Neue Light"/>
-                <a:ea typeface="Helvetica Neue Light"/>
-                <a:cs typeface="Helvetica Neue Light"/>
-                <a:sym typeface="Helvetica Neue Light"/>
-              </a:rPr>
-              <a:t>. Para </a:t>
-            </a:r>
-            <a:r>
-              <a:rPr lang="en-US" dirty="0" err="1">
-                <a:solidFill>
-                  <a:schemeClr val="dk1"/>
-                </a:solidFill>
-                <a:latin typeface="Helvetica Neue Light"/>
-                <a:ea typeface="Helvetica Neue Light"/>
-                <a:cs typeface="Helvetica Neue Light"/>
-                <a:sym typeface="Helvetica Neue Light"/>
-              </a:rPr>
-              <a:t>el</a:t>
-            </a:r>
-            <a:r>
-              <a:rPr lang="en-US" dirty="0">
-                <a:solidFill>
-                  <a:schemeClr val="dk1"/>
-                </a:solidFill>
-                <a:latin typeface="Helvetica Neue Light"/>
-                <a:ea typeface="Helvetica Neue Light"/>
-                <a:cs typeface="Helvetica Neue Light"/>
-                <a:sym typeface="Helvetica Neue Light"/>
-              </a:rPr>
-              <a:t> género masculine la </a:t>
-            </a:r>
-            <a:r>
-              <a:rPr lang="en-US" dirty="0" err="1">
-                <a:solidFill>
-                  <a:schemeClr val="dk1"/>
-                </a:solidFill>
-                <a:latin typeface="Helvetica Neue Light"/>
-                <a:ea typeface="Helvetica Neue Light"/>
-                <a:cs typeface="Helvetica Neue Light"/>
-                <a:sym typeface="Helvetica Neue Light"/>
-              </a:rPr>
-              <a:t>proporción</a:t>
-            </a:r>
-            <a:r>
-              <a:rPr lang="en-US" dirty="0">
-                <a:solidFill>
-                  <a:schemeClr val="dk1"/>
-                </a:solidFill>
-                <a:latin typeface="Helvetica Neue Light"/>
-                <a:ea typeface="Helvetica Neue Light"/>
-                <a:cs typeface="Helvetica Neue Light"/>
-                <a:sym typeface="Helvetica Neue Light"/>
-              </a:rPr>
-              <a:t> es de 15% para los clientes </a:t>
-            </a:r>
-            <a:r>
-              <a:rPr lang="en-US" dirty="0" err="1">
-                <a:solidFill>
-                  <a:schemeClr val="dk1"/>
-                </a:solidFill>
-                <a:latin typeface="Helvetica Neue Light"/>
-                <a:ea typeface="Helvetica Neue Light"/>
-                <a:cs typeface="Helvetica Neue Light"/>
-                <a:sym typeface="Helvetica Neue Light"/>
-              </a:rPr>
-              <a:t>desgastados</a:t>
-            </a:r>
-            <a:r>
-              <a:rPr lang="en-US" dirty="0">
-                <a:solidFill>
-                  <a:schemeClr val="dk1"/>
-                </a:solidFill>
-                <a:latin typeface="Helvetica Neue Light"/>
-                <a:ea typeface="Helvetica Neue Light"/>
-                <a:cs typeface="Helvetica Neue Light"/>
-                <a:sym typeface="Helvetica Neue Light"/>
-              </a:rPr>
-              <a:t> y 85% para los clientes </a:t>
-            </a:r>
-            <a:r>
-              <a:rPr lang="en-US" dirty="0" err="1">
-                <a:solidFill>
-                  <a:schemeClr val="dk1"/>
-                </a:solidFill>
-                <a:latin typeface="Helvetica Neue Light"/>
-                <a:ea typeface="Helvetica Neue Light"/>
-                <a:cs typeface="Helvetica Neue Light"/>
-                <a:sym typeface="Helvetica Neue Light"/>
-              </a:rPr>
-              <a:t>estables</a:t>
-            </a:r>
-            <a:r>
-              <a:rPr lang="en-US" dirty="0">
-                <a:solidFill>
-                  <a:schemeClr val="dk1"/>
-                </a:solidFill>
-                <a:latin typeface="Helvetica Neue Light"/>
-                <a:ea typeface="Helvetica Neue Light"/>
-                <a:cs typeface="Helvetica Neue Light"/>
-                <a:sym typeface="Helvetica Neue Light"/>
-              </a:rPr>
-              <a:t>. La </a:t>
-            </a:r>
-            <a:r>
-              <a:rPr lang="en-US" dirty="0" err="1">
-                <a:solidFill>
-                  <a:schemeClr val="dk1"/>
-                </a:solidFill>
-                <a:latin typeface="Helvetica Neue Light"/>
-                <a:ea typeface="Helvetica Neue Light"/>
-                <a:cs typeface="Helvetica Neue Light"/>
-                <a:sym typeface="Helvetica Neue Light"/>
-              </a:rPr>
-              <a:t>visualización</a:t>
-            </a:r>
-            <a:r>
-              <a:rPr lang="en-US" dirty="0">
-                <a:solidFill>
-                  <a:schemeClr val="dk1"/>
-                </a:solidFill>
-                <a:latin typeface="Helvetica Neue Light"/>
-                <a:ea typeface="Helvetica Neue Light"/>
-                <a:cs typeface="Helvetica Neue Light"/>
-                <a:sym typeface="Helvetica Neue Light"/>
-              </a:rPr>
-              <a:t> de la </a:t>
-            </a:r>
-            <a:r>
-              <a:rPr lang="en-US" dirty="0" err="1">
-                <a:solidFill>
-                  <a:schemeClr val="dk1"/>
-                </a:solidFill>
-                <a:latin typeface="Helvetica Neue Light"/>
-                <a:ea typeface="Helvetica Neue Light"/>
-                <a:cs typeface="Helvetica Neue Light"/>
-                <a:sym typeface="Helvetica Neue Light"/>
-              </a:rPr>
-              <a:t>derecha</a:t>
-            </a:r>
-            <a:r>
-              <a:rPr lang="en-US" dirty="0">
-                <a:solidFill>
-                  <a:schemeClr val="dk1"/>
-                </a:solidFill>
-                <a:latin typeface="Helvetica Neue Light"/>
-                <a:ea typeface="Helvetica Neue Light"/>
-                <a:cs typeface="Helvetica Neue Light"/>
-                <a:sym typeface="Helvetica Neue Light"/>
-              </a:rPr>
-              <a:t> </a:t>
-            </a:r>
-            <a:r>
-              <a:rPr lang="en-US" dirty="0" err="1">
-                <a:solidFill>
-                  <a:schemeClr val="dk1"/>
-                </a:solidFill>
-                <a:latin typeface="Helvetica Neue Light"/>
-                <a:ea typeface="Helvetica Neue Light"/>
-                <a:cs typeface="Helvetica Neue Light"/>
-                <a:sym typeface="Helvetica Neue Light"/>
-              </a:rPr>
-              <a:t>nos</a:t>
-            </a:r>
-            <a:r>
-              <a:rPr lang="en-US" dirty="0">
-                <a:solidFill>
-                  <a:schemeClr val="dk1"/>
-                </a:solidFill>
-                <a:latin typeface="Helvetica Neue Light"/>
-                <a:ea typeface="Helvetica Neue Light"/>
-                <a:cs typeface="Helvetica Neue Light"/>
-                <a:sym typeface="Helvetica Neue Light"/>
-              </a:rPr>
-              <a:t> </a:t>
-            </a:r>
-            <a:r>
-              <a:rPr lang="en-US" dirty="0" err="1">
-                <a:solidFill>
-                  <a:schemeClr val="dk1"/>
-                </a:solidFill>
-                <a:latin typeface="Helvetica Neue Light"/>
-                <a:ea typeface="Helvetica Neue Light"/>
-                <a:cs typeface="Helvetica Neue Light"/>
-                <a:sym typeface="Helvetica Neue Light"/>
-              </a:rPr>
-              <a:t>permite</a:t>
-            </a:r>
-            <a:r>
-              <a:rPr lang="en-US" dirty="0">
-                <a:solidFill>
-                  <a:schemeClr val="dk1"/>
-                </a:solidFill>
-                <a:latin typeface="Helvetica Neue Light"/>
-                <a:ea typeface="Helvetica Neue Light"/>
-                <a:cs typeface="Helvetica Neue Light"/>
-                <a:sym typeface="Helvetica Neue Light"/>
-              </a:rPr>
-              <a:t> </a:t>
-            </a:r>
-            <a:r>
-              <a:rPr lang="en-US" dirty="0" err="1">
-                <a:solidFill>
-                  <a:schemeClr val="dk1"/>
-                </a:solidFill>
-                <a:latin typeface="Helvetica Neue Light"/>
-                <a:ea typeface="Helvetica Neue Light"/>
-                <a:cs typeface="Helvetica Neue Light"/>
-                <a:sym typeface="Helvetica Neue Light"/>
-              </a:rPr>
-              <a:t>inferir</a:t>
-            </a:r>
-            <a:r>
-              <a:rPr lang="en-US" dirty="0">
-                <a:solidFill>
-                  <a:schemeClr val="dk1"/>
-                </a:solidFill>
-                <a:latin typeface="Helvetica Neue Light"/>
-                <a:ea typeface="Helvetica Neue Light"/>
-                <a:cs typeface="Helvetica Neue Light"/>
-                <a:sym typeface="Helvetica Neue Light"/>
-              </a:rPr>
-              <a:t> que </a:t>
-            </a:r>
-            <a:r>
-              <a:rPr lang="en-US" dirty="0" err="1">
-                <a:solidFill>
-                  <a:schemeClr val="dk1"/>
-                </a:solidFill>
-                <a:latin typeface="Helvetica Neue Light"/>
-                <a:ea typeface="Helvetica Neue Light"/>
-                <a:cs typeface="Helvetica Neue Light"/>
-                <a:sym typeface="Helvetica Neue Light"/>
-              </a:rPr>
-              <a:t>el</a:t>
-            </a:r>
-            <a:r>
-              <a:rPr lang="en-US" dirty="0">
-                <a:solidFill>
-                  <a:schemeClr val="dk1"/>
-                </a:solidFill>
-                <a:latin typeface="Helvetica Neue Light"/>
-                <a:ea typeface="Helvetica Neue Light"/>
-                <a:cs typeface="Helvetica Neue Light"/>
-                <a:sym typeface="Helvetica Neue Light"/>
-              </a:rPr>
-              <a:t> género no </a:t>
-            </a:r>
-            <a:r>
-              <a:rPr lang="en-US" dirty="0" err="1">
-                <a:solidFill>
-                  <a:schemeClr val="dk1"/>
-                </a:solidFill>
-                <a:latin typeface="Helvetica Neue Light"/>
-                <a:ea typeface="Helvetica Neue Light"/>
-                <a:cs typeface="Helvetica Neue Light"/>
-                <a:sym typeface="Helvetica Neue Light"/>
-              </a:rPr>
-              <a:t>será</a:t>
-            </a:r>
-            <a:r>
-              <a:rPr lang="en-US" dirty="0">
-                <a:solidFill>
-                  <a:schemeClr val="dk1"/>
-                </a:solidFill>
-                <a:latin typeface="Helvetica Neue Light"/>
-                <a:ea typeface="Helvetica Neue Light"/>
-                <a:cs typeface="Helvetica Neue Light"/>
-                <a:sym typeface="Helvetica Neue Light"/>
-              </a:rPr>
-              <a:t> </a:t>
-            </a:r>
-            <a:r>
-              <a:rPr lang="en-US" dirty="0" err="1">
-                <a:solidFill>
-                  <a:schemeClr val="dk1"/>
-                </a:solidFill>
-                <a:latin typeface="Helvetica Neue Light"/>
-                <a:ea typeface="Helvetica Neue Light"/>
-                <a:cs typeface="Helvetica Neue Light"/>
-                <a:sym typeface="Helvetica Neue Light"/>
-              </a:rPr>
-              <a:t>determinante</a:t>
-            </a:r>
-            <a:r>
-              <a:rPr lang="en-US" dirty="0">
-                <a:solidFill>
-                  <a:schemeClr val="dk1"/>
-                </a:solidFill>
-                <a:latin typeface="Helvetica Neue Light"/>
-                <a:ea typeface="Helvetica Neue Light"/>
-                <a:cs typeface="Helvetica Neue Light"/>
-                <a:sym typeface="Helvetica Neue Light"/>
-              </a:rPr>
-              <a:t> a la hora de determiner la </a:t>
-            </a:r>
-            <a:r>
-              <a:rPr lang="en-US" dirty="0" err="1">
-                <a:solidFill>
-                  <a:schemeClr val="dk1"/>
-                </a:solidFill>
-                <a:latin typeface="Helvetica Neue Light"/>
-                <a:ea typeface="Helvetica Neue Light"/>
-                <a:cs typeface="Helvetica Neue Light"/>
-                <a:sym typeface="Helvetica Neue Light"/>
-              </a:rPr>
-              <a:t>probabilidad</a:t>
-            </a:r>
-            <a:r>
-              <a:rPr lang="en-US" dirty="0">
-                <a:solidFill>
-                  <a:schemeClr val="dk1"/>
-                </a:solidFill>
-                <a:latin typeface="Helvetica Neue Light"/>
-                <a:ea typeface="Helvetica Neue Light"/>
-                <a:cs typeface="Helvetica Neue Light"/>
-                <a:sym typeface="Helvetica Neue Light"/>
-              </a:rPr>
-              <a:t> de abandon de </a:t>
-            </a:r>
-            <a:r>
-              <a:rPr lang="en-US" dirty="0" err="1">
-                <a:solidFill>
-                  <a:schemeClr val="dk1"/>
-                </a:solidFill>
-                <a:latin typeface="Helvetica Neue Light"/>
-                <a:ea typeface="Helvetica Neue Light"/>
-                <a:cs typeface="Helvetica Neue Light"/>
-                <a:sym typeface="Helvetica Neue Light"/>
-              </a:rPr>
-              <a:t>nuestros</a:t>
-            </a:r>
-            <a:r>
-              <a:rPr lang="en-US" dirty="0">
-                <a:solidFill>
-                  <a:schemeClr val="dk1"/>
-                </a:solidFill>
-                <a:latin typeface="Helvetica Neue Light"/>
-                <a:ea typeface="Helvetica Neue Light"/>
-                <a:cs typeface="Helvetica Neue Light"/>
-                <a:sym typeface="Helvetica Neue Light"/>
-              </a:rPr>
-              <a:t> clientes dado que la </a:t>
-            </a:r>
-            <a:r>
-              <a:rPr lang="en-US" dirty="0" err="1">
-                <a:solidFill>
-                  <a:schemeClr val="dk1"/>
-                </a:solidFill>
-                <a:latin typeface="Helvetica Neue Light"/>
-                <a:ea typeface="Helvetica Neue Light"/>
-                <a:cs typeface="Helvetica Neue Light"/>
-                <a:sym typeface="Helvetica Neue Light"/>
-              </a:rPr>
-              <a:t>distribución</a:t>
-            </a:r>
-            <a:r>
-              <a:rPr lang="en-US" dirty="0">
-                <a:solidFill>
-                  <a:schemeClr val="dk1"/>
-                </a:solidFill>
-                <a:latin typeface="Helvetica Neue Light"/>
-                <a:ea typeface="Helvetica Neue Light"/>
-                <a:cs typeface="Helvetica Neue Light"/>
-                <a:sym typeface="Helvetica Neue Light"/>
-              </a:rPr>
-              <a:t> </a:t>
-            </a:r>
-            <a:r>
-              <a:rPr lang="en-US" dirty="0" err="1">
-                <a:solidFill>
-                  <a:schemeClr val="dk1"/>
-                </a:solidFill>
-                <a:latin typeface="Helvetica Neue Light"/>
-                <a:ea typeface="Helvetica Neue Light"/>
-                <a:cs typeface="Helvetica Neue Light"/>
-                <a:sym typeface="Helvetica Neue Light"/>
-              </a:rPr>
-              <a:t>por</a:t>
-            </a:r>
-            <a:r>
-              <a:rPr lang="en-US" dirty="0">
-                <a:solidFill>
-                  <a:schemeClr val="dk1"/>
-                </a:solidFill>
-                <a:latin typeface="Helvetica Neue Light"/>
-                <a:ea typeface="Helvetica Neue Light"/>
-                <a:cs typeface="Helvetica Neue Light"/>
-                <a:sym typeface="Helvetica Neue Light"/>
-              </a:rPr>
-              <a:t> género es </a:t>
-            </a:r>
-            <a:r>
-              <a:rPr lang="en-US" dirty="0" err="1">
-                <a:solidFill>
-                  <a:schemeClr val="dk1"/>
-                </a:solidFill>
-                <a:latin typeface="Helvetica Neue Light"/>
-                <a:ea typeface="Helvetica Neue Light"/>
-                <a:cs typeface="Helvetica Neue Light"/>
-                <a:sym typeface="Helvetica Neue Light"/>
-              </a:rPr>
-              <a:t>bastante</a:t>
-            </a:r>
-            <a:r>
-              <a:rPr lang="en-US" dirty="0">
-                <a:solidFill>
-                  <a:schemeClr val="dk1"/>
-                </a:solidFill>
-                <a:latin typeface="Helvetica Neue Light"/>
-                <a:ea typeface="Helvetica Neue Light"/>
-                <a:cs typeface="Helvetica Neue Light"/>
-                <a:sym typeface="Helvetica Neue Light"/>
-              </a:rPr>
-              <a:t> </a:t>
-            </a:r>
-            <a:r>
-              <a:rPr lang="en-US" dirty="0" err="1">
-                <a:solidFill>
-                  <a:schemeClr val="dk1"/>
-                </a:solidFill>
-                <a:latin typeface="Helvetica Neue Light"/>
-                <a:ea typeface="Helvetica Neue Light"/>
-                <a:cs typeface="Helvetica Neue Light"/>
-                <a:sym typeface="Helvetica Neue Light"/>
-              </a:rPr>
-              <a:t>homogénea</a:t>
-            </a:r>
-            <a:r>
-              <a:rPr lang="en-US" dirty="0">
-                <a:solidFill>
-                  <a:schemeClr val="dk1"/>
-                </a:solidFill>
-                <a:latin typeface="Helvetica Neue Light"/>
-                <a:ea typeface="Helvetica Neue Light"/>
-                <a:cs typeface="Helvetica Neue Light"/>
-                <a:sym typeface="Helvetica Neue Light"/>
-              </a:rPr>
-              <a:t>.</a:t>
-            </a:r>
-            <a:endParaRPr dirty="0">
+            <a:endParaRPr sz="1600" dirty="0">
               <a:solidFill>
                 <a:schemeClr val="dk1"/>
               </a:solidFill>
@@ -22414,7 +19858,7 @@
               <a:buNone/>
             </a:pPr>
             <a:r>
-              <a:rPr lang="en-US" sz="1200" b="1">
+              <a:rPr lang="en-US" sz="1200" b="1" dirty="0">
                 <a:solidFill>
                   <a:schemeClr val="lt1"/>
                 </a:solidFill>
@@ -22425,7 +19869,7 @@
               </a:rPr>
               <a:t>47%</a:t>
             </a:r>
-            <a:endParaRPr/>
+            <a:endParaRPr dirty="0"/>
           </a:p>
         </p:txBody>
       </p:sp>
@@ -22464,7 +19908,7 @@
               <a:buNone/>
             </a:pPr>
             <a:r>
-              <a:rPr lang="en-US" sz="1200" b="1">
+              <a:rPr lang="en-US" sz="1200" b="1" dirty="0">
                 <a:solidFill>
                   <a:schemeClr val="lt1"/>
                 </a:solidFill>
@@ -22475,7 +19919,7 @@
               </a:rPr>
               <a:t>55%</a:t>
             </a:r>
-            <a:endParaRPr/>
+            <a:endParaRPr dirty="0"/>
           </a:p>
         </p:txBody>
       </p:sp>
@@ -22514,7 +19958,7 @@
               <a:buNone/>
             </a:pPr>
             <a:r>
-              <a:rPr lang="en-US" sz="1200" b="1">
+              <a:rPr lang="en-US" sz="1200" b="1" dirty="0">
                 <a:solidFill>
                   <a:schemeClr val="lt1"/>
                 </a:solidFill>
@@ -22525,7 +19969,7 @@
               </a:rPr>
               <a:t>52%</a:t>
             </a:r>
-            <a:endParaRPr/>
+            <a:endParaRPr dirty="0"/>
           </a:p>
         </p:txBody>
       </p:sp>
@@ -22572,64 +20016,6 @@
               <a:t>Clientes y género</a:t>
             </a:r>
             <a:endParaRPr dirty="0"/>
-          </a:p>
-        </p:txBody>
-      </p:sp>
-      <p:sp>
-        <p:nvSpPr>
-          <p:cNvPr id="209" name="Google Shape;209;p31"/>
-          <p:cNvSpPr txBox="1"/>
-          <p:nvPr/>
-        </p:nvSpPr>
-        <p:spPr>
-          <a:xfrm>
-            <a:off x="471475" y="6452838"/>
-            <a:ext cx="10739400" cy="338700"/>
-          </a:xfrm>
-          <a:prstGeom prst="rect">
-            <a:avLst/>
-          </a:prstGeom>
-          <a:noFill/>
-          <a:ln>
-            <a:noFill/>
-          </a:ln>
-        </p:spPr>
-        <p:txBody>
-          <a:bodyPr spcFirstLastPara="1" wrap="square" lIns="91425" tIns="91425" rIns="91425" bIns="91425" anchor="t" anchorCtr="0">
-            <a:spAutoFit/>
-          </a:bodyPr>
-          <a:lstStyle/>
-          <a:p>
-            <a:pPr marL="0" lvl="0" indent="0" algn="l" rtl="0">
-              <a:spcBef>
-                <a:spcPts val="0"/>
-              </a:spcBef>
-              <a:spcAft>
-                <a:spcPts val="0"/>
-              </a:spcAft>
-              <a:buNone/>
-            </a:pPr>
-            <a:r>
-              <a:rPr lang="en-US" sz="1000">
-                <a:solidFill>
-                  <a:schemeClr val="dk1"/>
-                </a:solidFill>
-                <a:latin typeface="Calibri"/>
-                <a:ea typeface="Calibri"/>
-                <a:cs typeface="Calibri"/>
-                <a:sym typeface="Calibri"/>
-              </a:rPr>
-              <a:t>*Si bien muchas vistas pueden originarse de manera orgánica (i.e gente que hace click en un video sugerido por YouTube), vamos a asumir que la mayoría de las vistas provenien de suscriptores.</a:t>
-            </a:r>
-            <a:endParaRPr sz="1000">
-              <a:solidFill>
-                <a:schemeClr val="dk1"/>
-              </a:solidFill>
-              <a:latin typeface="Calibri"/>
-              <a:ea typeface="Calibri"/>
-              <a:cs typeface="Calibri"/>
-              <a:sym typeface="Calibri"/>
-            </a:endParaRPr>
           </a:p>
         </p:txBody>
       </p:sp>
@@ -22676,7 +20062,7 @@
           <a:lstStyle/>
           <a:p>
             <a:pPr algn="ctr"/>
-            <a:endParaRPr lang="es-AR">
+            <a:endParaRPr lang="es-AR" dirty="0">
               <a:solidFill>
                 <a:schemeClr val="tx1"/>
               </a:solidFill>
@@ -22796,7 +20182,7 @@
               </a:rPr>
               <a:t>8</a:t>
             </a:fld>
-            <a:endParaRPr sz="1050" b="0" i="0" u="none" strike="noStrike" cap="none">
+            <a:endParaRPr sz="1050" b="0" i="0" u="none" strike="noStrike" cap="none" dirty="0">
               <a:solidFill>
                 <a:srgbClr val="000000"/>
               </a:solidFill>
@@ -22963,84 +20349,7 @@
                 </a:solidFill>
                 <a:latin typeface="Helvetica Neue" panose="020B0604020202020204" charset="0"/>
               </a:rPr>
-              <a:t>Distribución de abandon del </a:t>
-            </a:r>
-            <a:r>
-              <a:rPr lang="en-US" sz="1500" b="1" dirty="0" err="1">
-                <a:solidFill>
-                  <a:schemeClr val="tx2">
-                    <a:lumMod val="75000"/>
-                  </a:schemeClr>
-                </a:solidFill>
-                <a:latin typeface="Helvetica Neue" panose="020B0604020202020204" charset="0"/>
-              </a:rPr>
-              <a:t>servicio</a:t>
-            </a:r>
-            <a:r>
-              <a:rPr lang="en-US" sz="1500" b="1" dirty="0">
-                <a:solidFill>
-                  <a:schemeClr val="tx2">
-                    <a:lumMod val="75000"/>
-                  </a:schemeClr>
-                </a:solidFill>
-                <a:latin typeface="Helvetica Neue" panose="020B0604020202020204" charset="0"/>
-              </a:rPr>
-              <a:t> </a:t>
-            </a:r>
-            <a:r>
-              <a:rPr lang="en-US" sz="1500" b="1" dirty="0" err="1">
-                <a:solidFill>
-                  <a:schemeClr val="tx2">
-                    <a:lumMod val="75000"/>
-                  </a:schemeClr>
-                </a:solidFill>
-                <a:latin typeface="Helvetica Neue" panose="020B0604020202020204" charset="0"/>
-              </a:rPr>
-              <a:t>por</a:t>
-            </a:r>
-            <a:r>
-              <a:rPr lang="en-US" sz="1500" b="1" dirty="0">
-                <a:solidFill>
-                  <a:schemeClr val="tx2">
-                    <a:lumMod val="75000"/>
-                  </a:schemeClr>
-                </a:solidFill>
-                <a:latin typeface="Helvetica Neue" panose="020B0604020202020204" charset="0"/>
-              </a:rPr>
-              <a:t> </a:t>
-            </a:r>
-            <a:r>
-              <a:rPr lang="en-US" sz="1500" b="1" dirty="0" err="1">
-                <a:solidFill>
-                  <a:schemeClr val="tx2">
-                    <a:lumMod val="75000"/>
-                  </a:schemeClr>
-                </a:solidFill>
-                <a:latin typeface="Helvetica Neue" panose="020B0604020202020204" charset="0"/>
-              </a:rPr>
-              <a:t>rango</a:t>
-            </a:r>
-            <a:r>
-              <a:rPr lang="en-US" sz="1500" b="1" dirty="0">
-                <a:solidFill>
-                  <a:schemeClr val="tx2">
-                    <a:lumMod val="75000"/>
-                  </a:schemeClr>
-                </a:solidFill>
-                <a:latin typeface="Helvetica Neue" panose="020B0604020202020204" charset="0"/>
-              </a:rPr>
-              <a:t> </a:t>
-            </a:r>
-            <a:r>
-              <a:rPr lang="en-US" sz="1500" b="1" dirty="0" err="1">
-                <a:solidFill>
-                  <a:schemeClr val="tx2">
-                    <a:lumMod val="75000"/>
-                  </a:schemeClr>
-                </a:solidFill>
-                <a:latin typeface="Helvetica Neue" panose="020B0604020202020204" charset="0"/>
-              </a:rPr>
-              <a:t>etáreo</a:t>
+              <a:t>Distribución de abandon del servicio por rango etáreo</a:t>
             </a:r>
             <a:endParaRPr dirty="0">
               <a:solidFill>
@@ -23096,7 +20405,7 @@
           <a:lstStyle/>
           <a:p>
             <a:pPr algn="ctr"/>
-            <a:endParaRPr lang="es-AR">
+            <a:endParaRPr lang="es-AR" dirty="0">
               <a:solidFill>
                 <a:schemeClr val="tx1"/>
               </a:solidFill>
@@ -23104,36 +20413,6 @@
           </a:p>
         </p:txBody>
       </p:sp>
-      <p:pic>
-        <p:nvPicPr>
-          <p:cNvPr id="6" name="Imagen 5">
-            <a:extLst>
-              <a:ext uri="{FF2B5EF4-FFF2-40B4-BE49-F238E27FC236}">
-                <a16:creationId xmlns:a16="http://schemas.microsoft.com/office/drawing/2014/main" id="{7CEF5F77-275E-7C81-93EA-73125B5AD8C4}"/>
-              </a:ext>
-            </a:extLst>
-          </p:cNvPr>
-          <p:cNvPicPr>
-            <a:picLocks noChangeAspect="1"/>
-          </p:cNvPicPr>
-          <p:nvPr/>
-        </p:nvPicPr>
-        <p:blipFill>
-          <a:blip r:embed="rId4"/>
-          <a:stretch>
-            <a:fillRect/>
-          </a:stretch>
-        </p:blipFill>
-        <p:spPr>
-          <a:xfrm>
-            <a:off x="6201707" y="2496112"/>
-            <a:ext cx="5418207" cy="3445790"/>
-          </a:xfrm>
-          <a:prstGeom prst="rect">
-            <a:avLst/>
-          </a:prstGeom>
-        </p:spPr>
-      </p:pic>
       <p:sp>
         <p:nvSpPr>
           <p:cNvPr id="7" name="Google Shape;237;p33">
@@ -23212,8 +20491,8 @@
         </p:nvSpPr>
         <p:spPr bwMode="auto">
           <a:xfrm>
-            <a:off x="2550973" y="210659"/>
-            <a:ext cx="9641027" cy="1723549"/>
+            <a:off x="2550974" y="102937"/>
+            <a:ext cx="9360290" cy="1942031"/>
           </a:xfrm>
           <a:prstGeom prst="rect">
             <a:avLst/>
@@ -23414,7 +20693,7 @@
                 </a:solidFill>
                 <a:latin typeface="Helvetica Neue" panose="020B0604020202020204" charset="0"/>
               </a:rPr>
-              <a:t>Las tasas de abandono del servicio aumentan con la edad. Además, parece haber un grupo de edad específico donde las tasas de deserción son particularmente bajas (rango de edad 44 a 50 años. Esta puede ser un área de enfoque para que el banco identifique y aborde cualquier problema específico de ese grupo de edad.</a:t>
+              <a:t>Hay más clientes existentes en las edades entre 32 y 38 años y menos clientes attrited en estas edades. También, hay más clientes attrited en las edades entre 50 y 55 años. Estas tendencias sugieren que los bancos pueden enfocarse en la retención de clientes y la atención adecuada a las necesidades de los clientes en estas edades específicas.</a:t>
             </a:r>
           </a:p>
           <a:p>
@@ -23439,29 +20718,7 @@
                 </a:solidFill>
                 <a:latin typeface="Helvetica Neue" panose="020B0604020202020204" charset="0"/>
               </a:rPr>
-              <a:t>Si visualizamos la distribución de la edad de los clientes abiertos por género vemos que se mantiene la proporción de cada género en cada rango </a:t>
-            </a:r>
-            <a:r>
-              <a:rPr lang="es-ES" altLang="es-AR" sz="1400" dirty="0" err="1">
-                <a:solidFill>
-                  <a:schemeClr val="tx2">
-                    <a:lumMod val="75000"/>
-                  </a:schemeClr>
-                </a:solidFill>
-                <a:latin typeface="Helvetica Neue" panose="020B0604020202020204" charset="0"/>
-              </a:rPr>
-              <a:t>etáreo</a:t>
-            </a:r>
-            <a:r>
-              <a:rPr lang="es-ES" altLang="es-AR" sz="1400" dirty="0">
-                <a:solidFill>
-                  <a:schemeClr val="tx2">
-                    <a:lumMod val="75000"/>
-                  </a:schemeClr>
-                </a:solidFill>
-                <a:latin typeface="Helvetica Neue" panose="020B0604020202020204" charset="0"/>
-              </a:rPr>
-              <a:t>. Resulta relevante conservar este dato para alimentar nuestro modelo predictivo.</a:t>
+              <a:t>Si visualizamos la distribución de la edad de los clientes abiertos por género vemos que se mantiene la proporción de cada género en cada rango etáreo previamente evidenciado. Resulta relevante conservar este dato para alimentar nuestro modelo predictivo.</a:t>
             </a:r>
           </a:p>
         </p:txBody>
@@ -23472,6 +20729,36 @@
             <a:extLst>
               <a:ext uri="{FF2B5EF4-FFF2-40B4-BE49-F238E27FC236}">
                 <a16:creationId xmlns:a16="http://schemas.microsoft.com/office/drawing/2014/main" id="{AF06AB47-F3A7-6502-3865-19C976F42F83}"/>
+              </a:ext>
+            </a:extLst>
+          </p:cNvPr>
+          <p:cNvPicPr>
+            <a:picLocks noChangeAspect="1"/>
+          </p:cNvPicPr>
+          <p:nvPr/>
+        </p:nvPicPr>
+        <p:blipFill>
+          <a:blip r:embed="rId4"/>
+          <a:stretch>
+            <a:fillRect/>
+          </a:stretch>
+        </p:blipFill>
+        <p:spPr>
+          <a:xfrm>
+            <a:off x="761503" y="2496111"/>
+            <a:ext cx="5372100" cy="3400425"/>
+          </a:xfrm>
+          <a:prstGeom prst="rect">
+            <a:avLst/>
+          </a:prstGeom>
+        </p:spPr>
+      </p:pic>
+      <p:pic>
+        <p:nvPicPr>
+          <p:cNvPr id="18" name="Imagen 17">
+            <a:extLst>
+              <a:ext uri="{FF2B5EF4-FFF2-40B4-BE49-F238E27FC236}">
+                <a16:creationId xmlns:a16="http://schemas.microsoft.com/office/drawing/2014/main" id="{804B03DE-1B20-5520-D288-3BB3530CD7B4}"/>
               </a:ext>
             </a:extLst>
           </p:cNvPr>
@@ -23488,8 +20775,8 @@
         </p:blipFill>
         <p:spPr>
           <a:xfrm>
-            <a:off x="761503" y="2496111"/>
-            <a:ext cx="5372100" cy="3400425"/>
+            <a:off x="7240797" y="2609354"/>
+            <a:ext cx="4419600" cy="3345270"/>
           </a:xfrm>
           <a:prstGeom prst="rect">
             <a:avLst/>
@@ -23578,7 +20865,7 @@
               </a:rPr>
               <a:t>9</a:t>
             </a:fld>
-            <a:endParaRPr sz="1050" b="0" i="0" u="none" strike="noStrike" cap="none">
+            <a:endParaRPr sz="1050" b="0" i="0" u="none" strike="noStrike" cap="none" dirty="0">
               <a:solidFill>
                 <a:srgbClr val="000000"/>
               </a:solidFill>
@@ -23652,8 +20939,8 @@
         </p:nvSpPr>
         <p:spPr>
           <a:xfrm>
-            <a:off x="3402250" y="440725"/>
-            <a:ext cx="8387700" cy="1046400"/>
+            <a:off x="4944978" y="440725"/>
+            <a:ext cx="7247021" cy="6284660"/>
           </a:xfrm>
           <a:prstGeom prst="rect">
             <a:avLst/>
@@ -23688,757 +20975,146 @@
                 <a:cs typeface="DM Sans"/>
                 <a:sym typeface="DM Sans"/>
               </a:rPr>
-              <a:t>¿Con </a:t>
+              <a:t>¿Qué tarjeta de crédito utilizan nuestros clientes?</a:t>
             </a:r>
-            <a:r>
-              <a:rPr lang="en-US" sz="2000" b="1" dirty="0" err="1">
-                <a:solidFill>
-                  <a:schemeClr val="dk1"/>
-                </a:solidFill>
-                <a:latin typeface="Helvetica Neue" panose="020B0604020202020204" charset="0"/>
-                <a:ea typeface="DM Sans"/>
-                <a:cs typeface="DM Sans"/>
-                <a:sym typeface="DM Sans"/>
-              </a:rPr>
-              <a:t>qué</a:t>
-            </a:r>
-            <a:r>
-              <a:rPr lang="en-US" sz="2000" b="1" dirty="0">
-                <a:solidFill>
-                  <a:schemeClr val="dk1"/>
-                </a:solidFill>
-                <a:latin typeface="Helvetica Neue" panose="020B0604020202020204" charset="0"/>
-                <a:ea typeface="DM Sans"/>
-                <a:cs typeface="DM Sans"/>
-                <a:sym typeface="DM Sans"/>
-              </a:rPr>
-              <a:t> </a:t>
-            </a:r>
-            <a:r>
-              <a:rPr lang="en-US" sz="2000" b="1" dirty="0" err="1">
-                <a:solidFill>
-                  <a:schemeClr val="dk1"/>
-                </a:solidFill>
-                <a:latin typeface="Helvetica Neue" panose="020B0604020202020204" charset="0"/>
-                <a:ea typeface="DM Sans"/>
-                <a:cs typeface="DM Sans"/>
-                <a:sym typeface="DM Sans"/>
-              </a:rPr>
-              <a:t>frecuencia</a:t>
-            </a:r>
-            <a:r>
-              <a:rPr lang="en-US" sz="2000" b="1" dirty="0">
-                <a:solidFill>
-                  <a:schemeClr val="dk1"/>
-                </a:solidFill>
-                <a:latin typeface="Helvetica Neue" panose="020B0604020202020204" charset="0"/>
-                <a:ea typeface="DM Sans"/>
-                <a:cs typeface="DM Sans"/>
-                <a:sym typeface="DM Sans"/>
-              </a:rPr>
-              <a:t> </a:t>
-            </a:r>
-            <a:r>
-              <a:rPr lang="en-US" sz="2000" b="1" dirty="0" err="1">
-                <a:solidFill>
-                  <a:schemeClr val="dk1"/>
-                </a:solidFill>
-                <a:latin typeface="Helvetica Neue" panose="020B0604020202020204" charset="0"/>
-                <a:ea typeface="DM Sans"/>
-                <a:cs typeface="DM Sans"/>
-                <a:sym typeface="DM Sans"/>
-              </a:rPr>
-              <a:t>crean</a:t>
-            </a:r>
-            <a:r>
-              <a:rPr lang="en-US" sz="2000" b="1" dirty="0">
-                <a:solidFill>
-                  <a:schemeClr val="dk1"/>
-                </a:solidFill>
-                <a:latin typeface="Helvetica Neue" panose="020B0604020202020204" charset="0"/>
-                <a:ea typeface="DM Sans"/>
-                <a:cs typeface="DM Sans"/>
-                <a:sym typeface="DM Sans"/>
-              </a:rPr>
-              <a:t> </a:t>
-            </a:r>
-            <a:r>
-              <a:rPr lang="en-US" sz="2000" b="1" dirty="0" err="1">
-                <a:solidFill>
-                  <a:schemeClr val="dk1"/>
-                </a:solidFill>
-                <a:latin typeface="Helvetica Neue" panose="020B0604020202020204" charset="0"/>
-                <a:ea typeface="DM Sans"/>
-                <a:cs typeface="DM Sans"/>
-                <a:sym typeface="DM Sans"/>
-              </a:rPr>
-              <a:t>contenido</a:t>
-            </a:r>
-            <a:r>
-              <a:rPr lang="en-US" sz="2000" b="1" dirty="0">
-                <a:solidFill>
-                  <a:schemeClr val="dk1"/>
-                </a:solidFill>
-                <a:latin typeface="Helvetica Neue" panose="020B0604020202020204" charset="0"/>
-                <a:ea typeface="DM Sans"/>
-                <a:cs typeface="DM Sans"/>
-                <a:sym typeface="DM Sans"/>
-              </a:rPr>
-              <a:t>?</a:t>
-            </a:r>
-            <a:endParaRPr dirty="0">
+          </a:p>
+          <a:p>
+            <a:pPr algn="l"/>
+            <a:endParaRPr lang="es-ES" dirty="0">
               <a:latin typeface="Helvetica Neue" panose="020B0604020202020204" charset="0"/>
-              <a:ea typeface="DM Sans"/>
-              <a:cs typeface="DM Sans"/>
               <a:sym typeface="DM Sans"/>
             </a:endParaRPr>
           </a:p>
           <a:p>
-            <a:pPr marL="0" marR="0" lvl="0" indent="0" algn="l" rtl="0">
-              <a:spcBef>
-                <a:spcPts val="0"/>
-              </a:spcBef>
-              <a:spcAft>
-                <a:spcPts val="0"/>
-              </a:spcAft>
-              <a:buNone/>
-            </a:pPr>
+            <a:pPr algn="l"/>
             <a:r>
-              <a:rPr lang="en-US" dirty="0">
-                <a:solidFill>
-                  <a:schemeClr val="dk1"/>
-                </a:solidFill>
-                <a:latin typeface="Helvetica Neue" panose="020B0604020202020204" charset="0"/>
-                <a:ea typeface="DM Sans"/>
-                <a:cs typeface="DM Sans"/>
-                <a:sym typeface="DM Sans"/>
+              <a:rPr lang="es-ES" sz="1400" b="0" i="0" dirty="0">
+                <a:solidFill>
+                  <a:srgbClr val="374151"/>
+                </a:solidFill>
+                <a:effectLst/>
+                <a:latin typeface="__Inter_e66fe9"/>
               </a:rPr>
-              <a:t>Ambos “youtubers” </a:t>
+              <a:t>Los hombres (M) tienden a tener tarjetas de crédito de las categorías más altas, como Gold y Platinum.</a:t>
             </a:r>
+          </a:p>
+          <a:p>
+            <a:pPr algn="l"/>
+            <a:endParaRPr lang="es-ES" sz="1400" b="0" i="0" dirty="0">
+              <a:solidFill>
+                <a:srgbClr val="374151"/>
+              </a:solidFill>
+              <a:effectLst/>
+              <a:latin typeface="__Inter_e66fe9"/>
+            </a:endParaRPr>
+          </a:p>
+          <a:p>
+            <a:pPr algn="l"/>
             <a:r>
-              <a:rPr lang="en-US" dirty="0" err="1">
-                <a:solidFill>
-                  <a:schemeClr val="dk1"/>
-                </a:solidFill>
-                <a:latin typeface="Helvetica Neue" panose="020B0604020202020204" charset="0"/>
-                <a:ea typeface="DM Sans"/>
-                <a:cs typeface="DM Sans"/>
-                <a:sym typeface="DM Sans"/>
+              <a:rPr lang="es-ES" sz="1400" b="0" i="0" dirty="0">
+                <a:solidFill>
+                  <a:srgbClr val="374151"/>
+                </a:solidFill>
+                <a:effectLst/>
+                <a:latin typeface="__Inter_e66fe9"/>
               </a:rPr>
-              <a:t>comenzaron</a:t>
+              <a:t>Las mujeres (F) tienden a tener tarjetas de crédito de las categorías más bajas, como Blue.</a:t>
             </a:r>
+          </a:p>
+          <a:p>
+            <a:pPr algn="l"/>
+            <a:endParaRPr lang="es-ES" sz="1400" dirty="0">
+              <a:solidFill>
+                <a:srgbClr val="374151"/>
+              </a:solidFill>
+              <a:latin typeface="__Inter_e66fe9"/>
+            </a:endParaRPr>
+          </a:p>
+          <a:p>
+            <a:pPr algn="l"/>
             <a:r>
-              <a:rPr lang="en-US" dirty="0">
-                <a:solidFill>
-                  <a:schemeClr val="dk1"/>
-                </a:solidFill>
-                <a:latin typeface="Helvetica Neue" panose="020B0604020202020204" charset="0"/>
-                <a:ea typeface="DM Sans"/>
-                <a:cs typeface="DM Sans"/>
-                <a:sym typeface="DM Sans"/>
+              <a:rPr lang="es-ES" sz="1400" b="0" i="0" dirty="0">
+                <a:solidFill>
+                  <a:srgbClr val="374151"/>
+                </a:solidFill>
+                <a:effectLst/>
+                <a:latin typeface="__Inter_e66fe9"/>
               </a:rPr>
-              <a:t> a </a:t>
+              <a:t>Aproximadamente el 40% de los clientes existentes (existing customer) tienen tarjetas de crédito de la categoría Blue, lo que sugiere que la categoría Blue es popular entre los clientes existentes.</a:t>
             </a:r>
+          </a:p>
+          <a:p>
+            <a:pPr algn="l"/>
+            <a:endParaRPr lang="es-ES" sz="1400" b="0" i="0" dirty="0">
+              <a:solidFill>
+                <a:srgbClr val="374151"/>
+              </a:solidFill>
+              <a:effectLst/>
+              <a:latin typeface="__Inter_e66fe9"/>
+            </a:endParaRPr>
+          </a:p>
+          <a:p>
+            <a:pPr algn="l"/>
             <a:r>
-              <a:rPr lang="en-US" dirty="0" err="1">
-                <a:solidFill>
-                  <a:schemeClr val="dk1"/>
-                </a:solidFill>
-                <a:latin typeface="Helvetica Neue" panose="020B0604020202020204" charset="0"/>
-                <a:ea typeface="DM Sans"/>
-                <a:cs typeface="DM Sans"/>
-                <a:sym typeface="DM Sans"/>
+              <a:rPr lang="es-ES" sz="1400" b="0" i="0" dirty="0">
+                <a:solidFill>
+                  <a:srgbClr val="374151"/>
+                </a:solidFill>
+                <a:effectLst/>
+                <a:latin typeface="__Inter_e66fe9"/>
               </a:rPr>
-              <a:t>subir</a:t>
+              <a:t>El 15% de los clientes existentes tienen tarjetas de crédito de la categoría Gold, lo que sugiere que la categoría Gold también es popular entre los clientes existentes. </a:t>
             </a:r>
+          </a:p>
+          <a:p>
+            <a:pPr algn="l"/>
+            <a:endParaRPr lang="es-ES" sz="1400" dirty="0">
+              <a:solidFill>
+                <a:srgbClr val="374151"/>
+              </a:solidFill>
+              <a:latin typeface="__Inter_e66fe9"/>
+            </a:endParaRPr>
+          </a:p>
+          <a:p>
+            <a:pPr algn="l"/>
             <a:r>
-              <a:rPr lang="en-US" dirty="0">
-                <a:solidFill>
-                  <a:schemeClr val="dk1"/>
-                </a:solidFill>
-                <a:latin typeface="Helvetica Neue" panose="020B0604020202020204" charset="0"/>
-                <a:ea typeface="DM Sans"/>
-                <a:cs typeface="DM Sans"/>
-                <a:sym typeface="DM Sans"/>
+              <a:rPr lang="es-ES" sz="1400" b="0" i="0" dirty="0">
+                <a:solidFill>
+                  <a:srgbClr val="374151"/>
+                </a:solidFill>
+                <a:effectLst/>
+                <a:latin typeface="__Inter_e66fe9"/>
               </a:rPr>
-              <a:t> </a:t>
+              <a:t>Aproximadamente el 42% de los clientes que abandonaron el servicio (attrited customer) tienen tarjetas de crédito de la categoría Blue, lo que sugiere que la categoría Blue es popular entre los clientes que abandonaron el servicio.</a:t>
             </a:r>
+          </a:p>
+          <a:p>
+            <a:pPr algn="l"/>
+            <a:endParaRPr lang="es-ES" sz="1400" b="0" i="0" dirty="0">
+              <a:solidFill>
+                <a:srgbClr val="374151"/>
+              </a:solidFill>
+              <a:effectLst/>
+              <a:latin typeface="__Inter_e66fe9"/>
+            </a:endParaRPr>
+          </a:p>
+          <a:p>
+            <a:pPr algn="l"/>
             <a:r>
-              <a:rPr lang="en-US" dirty="0" err="1">
-                <a:solidFill>
-                  <a:schemeClr val="dk1"/>
-                </a:solidFill>
-                <a:latin typeface="Helvetica Neue" panose="020B0604020202020204" charset="0"/>
-                <a:ea typeface="DM Sans"/>
-                <a:cs typeface="DM Sans"/>
-                <a:sym typeface="DM Sans"/>
+              <a:rPr lang="es-ES" sz="1400" dirty="0">
+                <a:solidFill>
+                  <a:srgbClr val="374151"/>
+                </a:solidFill>
+                <a:latin typeface="__Inter_e66fe9"/>
               </a:rPr>
-              <a:t>contenido</a:t>
+              <a:t>Identificando cada % podremos alimentar a nuestro modelo predictivo y precedir, según el género y tarjeta de crédito, la probabilidad de que un cliente abandone el servicio. </a:t>
             </a:r>
-            <a:r>
-              <a:rPr lang="en-US" dirty="0">
-                <a:solidFill>
-                  <a:schemeClr val="dk1"/>
-                </a:solidFill>
-                <a:latin typeface="Helvetica Neue" panose="020B0604020202020204" charset="0"/>
-                <a:ea typeface="DM Sans"/>
-                <a:cs typeface="DM Sans"/>
-                <a:sym typeface="DM Sans"/>
-              </a:rPr>
-              <a:t> </a:t>
-            </a:r>
-            <a:r>
-              <a:rPr lang="en-US" dirty="0" err="1">
-                <a:solidFill>
-                  <a:schemeClr val="dk1"/>
-                </a:solidFill>
-                <a:latin typeface="Helvetica Neue" panose="020B0604020202020204" charset="0"/>
-                <a:ea typeface="DM Sans"/>
-                <a:cs typeface="DM Sans"/>
-                <a:sym typeface="DM Sans"/>
-              </a:rPr>
-              <a:t>en</a:t>
-            </a:r>
-            <a:r>
-              <a:rPr lang="en-US" dirty="0">
-                <a:solidFill>
-                  <a:schemeClr val="dk1"/>
-                </a:solidFill>
-                <a:latin typeface="Helvetica Neue" panose="020B0604020202020204" charset="0"/>
-                <a:ea typeface="DM Sans"/>
-                <a:cs typeface="DM Sans"/>
-                <a:sym typeface="DM Sans"/>
-              </a:rPr>
-              <a:t> 2014, con </a:t>
-            </a:r>
-            <a:r>
-              <a:rPr lang="en-US" b="1" dirty="0" err="1">
-                <a:solidFill>
-                  <a:schemeClr val="dk1"/>
-                </a:solidFill>
-                <a:latin typeface="Helvetica Neue" panose="020B0604020202020204" charset="0"/>
-                <a:ea typeface="DM Sans"/>
-                <a:cs typeface="DM Sans"/>
-                <a:sym typeface="DM Sans"/>
-              </a:rPr>
-              <a:t>picos</a:t>
-            </a:r>
-            <a:r>
-              <a:rPr lang="en-US" b="1" dirty="0">
-                <a:solidFill>
-                  <a:schemeClr val="dk1"/>
-                </a:solidFill>
-                <a:latin typeface="Helvetica Neue" panose="020B0604020202020204" charset="0"/>
-                <a:ea typeface="DM Sans"/>
-                <a:cs typeface="DM Sans"/>
-                <a:sym typeface="DM Sans"/>
-              </a:rPr>
-              <a:t> entre los años 2018-2020</a:t>
-            </a:r>
-            <a:r>
-              <a:rPr lang="en-US" dirty="0">
-                <a:solidFill>
-                  <a:schemeClr val="dk1"/>
-                </a:solidFill>
-                <a:latin typeface="Helvetica Neue" panose="020B0604020202020204" charset="0"/>
-                <a:ea typeface="DM Sans"/>
-                <a:cs typeface="DM Sans"/>
-                <a:sym typeface="DM Sans"/>
-              </a:rPr>
-              <a:t>.</a:t>
-            </a:r>
-            <a:endParaRPr dirty="0">
+            <a:endParaRPr lang="es-ES" sz="1400" b="0" i="0" dirty="0">
               <a:solidFill>
-                <a:schemeClr val="dk1"/>
+                <a:srgbClr val="374151"/>
               </a:solidFill>
-              <a:latin typeface="Helvetica Neue" panose="020B0604020202020204" charset="0"/>
-              <a:ea typeface="DM Sans"/>
-              <a:cs typeface="DM Sans"/>
-              <a:sym typeface="DM Sans"/>
-            </a:endParaRPr>
-          </a:p>
-          <a:p>
-            <a:pPr marL="0" marR="0" lvl="0" indent="0" algn="l" rtl="0">
-              <a:spcBef>
-                <a:spcPts val="0"/>
-              </a:spcBef>
-              <a:spcAft>
-                <a:spcPts val="0"/>
-              </a:spcAft>
-              <a:buNone/>
-            </a:pPr>
-            <a:r>
-              <a:rPr lang="en-US" dirty="0">
-                <a:solidFill>
-                  <a:schemeClr val="dk1"/>
-                </a:solidFill>
-                <a:latin typeface="Helvetica Neue" panose="020B0604020202020204" charset="0"/>
-                <a:ea typeface="DM Sans"/>
-                <a:cs typeface="DM Sans"/>
-                <a:sym typeface="DM Sans"/>
-              </a:rPr>
-              <a:t>La pandemia </a:t>
-            </a:r>
-            <a:r>
-              <a:rPr lang="en-US" dirty="0" err="1">
-                <a:solidFill>
-                  <a:schemeClr val="dk1"/>
-                </a:solidFill>
-                <a:latin typeface="Helvetica Neue" panose="020B0604020202020204" charset="0"/>
-                <a:ea typeface="DM Sans"/>
-                <a:cs typeface="DM Sans"/>
-                <a:sym typeface="DM Sans"/>
-              </a:rPr>
-              <a:t>parece</a:t>
-            </a:r>
-            <a:r>
-              <a:rPr lang="en-US" dirty="0">
-                <a:solidFill>
-                  <a:schemeClr val="dk1"/>
-                </a:solidFill>
-                <a:latin typeface="Helvetica Neue" panose="020B0604020202020204" charset="0"/>
-                <a:ea typeface="DM Sans"/>
-                <a:cs typeface="DM Sans"/>
-                <a:sym typeface="DM Sans"/>
-              </a:rPr>
-              <a:t> </a:t>
-            </a:r>
-            <a:r>
-              <a:rPr lang="en-US" dirty="0" err="1">
-                <a:solidFill>
-                  <a:schemeClr val="dk1"/>
-                </a:solidFill>
-                <a:latin typeface="Helvetica Neue" panose="020B0604020202020204" charset="0"/>
-                <a:ea typeface="DM Sans"/>
-                <a:cs typeface="DM Sans"/>
-                <a:sym typeface="DM Sans"/>
-              </a:rPr>
-              <a:t>haber</a:t>
-            </a:r>
-            <a:r>
-              <a:rPr lang="en-US" dirty="0">
-                <a:solidFill>
-                  <a:schemeClr val="dk1"/>
-                </a:solidFill>
-                <a:latin typeface="Helvetica Neue" panose="020B0604020202020204" charset="0"/>
-                <a:ea typeface="DM Sans"/>
-                <a:cs typeface="DM Sans"/>
-                <a:sym typeface="DM Sans"/>
-              </a:rPr>
-              <a:t> </a:t>
-            </a:r>
-            <a:r>
-              <a:rPr lang="en-US" dirty="0" err="1">
-                <a:solidFill>
-                  <a:schemeClr val="dk1"/>
-                </a:solidFill>
-                <a:latin typeface="Helvetica Neue" panose="020B0604020202020204" charset="0"/>
-                <a:ea typeface="DM Sans"/>
-                <a:cs typeface="DM Sans"/>
-                <a:sym typeface="DM Sans"/>
-              </a:rPr>
-              <a:t>afectado</a:t>
-            </a:r>
-            <a:r>
-              <a:rPr lang="en-US" dirty="0">
-                <a:solidFill>
-                  <a:schemeClr val="dk1"/>
-                </a:solidFill>
-                <a:latin typeface="Helvetica Neue" panose="020B0604020202020204" charset="0"/>
-                <a:ea typeface="DM Sans"/>
-                <a:cs typeface="DM Sans"/>
-                <a:sym typeface="DM Sans"/>
-              </a:rPr>
-              <a:t> la </a:t>
-            </a:r>
-            <a:r>
-              <a:rPr lang="en-US" dirty="0" err="1">
-                <a:solidFill>
-                  <a:schemeClr val="dk1"/>
-                </a:solidFill>
-                <a:latin typeface="Helvetica Neue" panose="020B0604020202020204" charset="0"/>
-                <a:ea typeface="DM Sans"/>
-                <a:cs typeface="DM Sans"/>
-                <a:sym typeface="DM Sans"/>
-              </a:rPr>
-              <a:t>producción</a:t>
-            </a:r>
-            <a:r>
-              <a:rPr lang="en-US" dirty="0">
-                <a:solidFill>
-                  <a:schemeClr val="dk1"/>
-                </a:solidFill>
-                <a:latin typeface="Helvetica Neue" panose="020B0604020202020204" charset="0"/>
-                <a:ea typeface="DM Sans"/>
-                <a:cs typeface="DM Sans"/>
-                <a:sym typeface="DM Sans"/>
-              </a:rPr>
-              <a:t> de </a:t>
-            </a:r>
-            <a:r>
-              <a:rPr lang="en-US" dirty="0" err="1">
-                <a:solidFill>
-                  <a:schemeClr val="dk1"/>
-                </a:solidFill>
-                <a:latin typeface="Helvetica Neue" panose="020B0604020202020204" charset="0"/>
-                <a:ea typeface="DM Sans"/>
-                <a:cs typeface="DM Sans"/>
-                <a:sym typeface="DM Sans"/>
-              </a:rPr>
-              <a:t>contenido</a:t>
-            </a:r>
-            <a:r>
-              <a:rPr lang="en-US" dirty="0">
-                <a:solidFill>
-                  <a:schemeClr val="dk1"/>
-                </a:solidFill>
-                <a:latin typeface="Helvetica Neue" panose="020B0604020202020204" charset="0"/>
-                <a:ea typeface="DM Sans"/>
-                <a:cs typeface="DM Sans"/>
-                <a:sym typeface="DM Sans"/>
-              </a:rPr>
-              <a:t>, al </a:t>
-            </a:r>
-            <a:r>
-              <a:rPr lang="en-US" dirty="0" err="1">
-                <a:solidFill>
-                  <a:schemeClr val="dk1"/>
-                </a:solidFill>
-                <a:latin typeface="Helvetica Neue" panose="020B0604020202020204" charset="0"/>
-                <a:ea typeface="DM Sans"/>
-                <a:cs typeface="DM Sans"/>
-                <a:sym typeface="DM Sans"/>
-              </a:rPr>
-              <a:t>menos</a:t>
-            </a:r>
-            <a:r>
-              <a:rPr lang="en-US" dirty="0">
-                <a:solidFill>
-                  <a:schemeClr val="dk1"/>
-                </a:solidFill>
-                <a:latin typeface="Helvetica Neue" panose="020B0604020202020204" charset="0"/>
-                <a:ea typeface="DM Sans"/>
-                <a:cs typeface="DM Sans"/>
-                <a:sym typeface="DM Sans"/>
-              </a:rPr>
-              <a:t> </a:t>
-            </a:r>
-            <a:r>
-              <a:rPr lang="en-US" dirty="0" err="1">
-                <a:solidFill>
-                  <a:schemeClr val="dk1"/>
-                </a:solidFill>
-                <a:latin typeface="Helvetica Neue" panose="020B0604020202020204" charset="0"/>
-                <a:ea typeface="DM Sans"/>
-                <a:cs typeface="DM Sans"/>
-                <a:sym typeface="DM Sans"/>
-              </a:rPr>
-              <a:t>en</a:t>
-            </a:r>
-            <a:r>
-              <a:rPr lang="en-US" dirty="0">
-                <a:solidFill>
-                  <a:schemeClr val="dk1"/>
-                </a:solidFill>
-                <a:latin typeface="Helvetica Neue" panose="020B0604020202020204" charset="0"/>
-                <a:ea typeface="DM Sans"/>
-                <a:cs typeface="DM Sans"/>
-                <a:sym typeface="DM Sans"/>
-              </a:rPr>
-              <a:t> </a:t>
-            </a:r>
-            <a:r>
-              <a:rPr lang="en-US" dirty="0" err="1">
-                <a:solidFill>
-                  <a:schemeClr val="dk1"/>
-                </a:solidFill>
-                <a:latin typeface="Helvetica Neue" panose="020B0604020202020204" charset="0"/>
-                <a:ea typeface="DM Sans"/>
-                <a:cs typeface="DM Sans"/>
-                <a:sym typeface="DM Sans"/>
-              </a:rPr>
-              <a:t>Youtube</a:t>
-            </a:r>
-            <a:r>
-              <a:rPr lang="en-US" dirty="0">
-                <a:solidFill>
-                  <a:schemeClr val="dk1"/>
-                </a:solidFill>
-                <a:latin typeface="Helvetica Neue" panose="020B0604020202020204" charset="0"/>
-                <a:ea typeface="DM Sans"/>
-                <a:cs typeface="DM Sans"/>
-                <a:sym typeface="DM Sans"/>
-              </a:rPr>
-              <a:t>.</a:t>
-            </a:r>
-            <a:endParaRPr dirty="0">
-              <a:solidFill>
-                <a:schemeClr val="dk1"/>
-              </a:solidFill>
-              <a:latin typeface="Helvetica Neue" panose="020B0604020202020204" charset="0"/>
-              <a:ea typeface="DM Sans"/>
-              <a:cs typeface="DM Sans"/>
-              <a:sym typeface="DM Sans"/>
-            </a:endParaRPr>
-          </a:p>
-          <a:p>
-            <a:pPr marL="0" marR="0" lvl="0" indent="0" algn="l" rtl="0">
-              <a:spcBef>
-                <a:spcPts val="0"/>
-              </a:spcBef>
-              <a:spcAft>
-                <a:spcPts val="0"/>
-              </a:spcAft>
-              <a:buNone/>
-            </a:pPr>
-            <a:r>
-              <a:rPr lang="en-US" dirty="0" err="1">
-                <a:solidFill>
-                  <a:schemeClr val="dk1"/>
-                </a:solidFill>
-                <a:latin typeface="Helvetica Neue" panose="020B0604020202020204" charset="0"/>
-                <a:ea typeface="DM Sans"/>
-                <a:cs typeface="DM Sans"/>
-                <a:sym typeface="DM Sans"/>
-              </a:rPr>
-              <a:t>Esto</a:t>
-            </a:r>
-            <a:r>
-              <a:rPr lang="en-US" dirty="0">
-                <a:solidFill>
-                  <a:schemeClr val="dk1"/>
-                </a:solidFill>
-                <a:latin typeface="Helvetica Neue" panose="020B0604020202020204" charset="0"/>
-                <a:ea typeface="DM Sans"/>
-                <a:cs typeface="DM Sans"/>
-                <a:sym typeface="DM Sans"/>
-              </a:rPr>
-              <a:t> se </a:t>
-            </a:r>
-            <a:r>
-              <a:rPr lang="en-US" dirty="0" err="1">
-                <a:solidFill>
-                  <a:schemeClr val="dk1"/>
-                </a:solidFill>
-                <a:latin typeface="Helvetica Neue" panose="020B0604020202020204" charset="0"/>
-                <a:ea typeface="DM Sans"/>
-                <a:cs typeface="DM Sans"/>
-                <a:sym typeface="DM Sans"/>
-              </a:rPr>
-              <a:t>va</a:t>
-            </a:r>
-            <a:r>
-              <a:rPr lang="en-US" dirty="0">
-                <a:solidFill>
-                  <a:schemeClr val="dk1"/>
-                </a:solidFill>
-                <a:latin typeface="Helvetica Neue" panose="020B0604020202020204" charset="0"/>
-                <a:ea typeface="DM Sans"/>
-                <a:cs typeface="DM Sans"/>
-                <a:sym typeface="DM Sans"/>
-              </a:rPr>
-              <a:t> </a:t>
-            </a:r>
-            <a:r>
-              <a:rPr lang="en-US" dirty="0" err="1">
-                <a:solidFill>
-                  <a:schemeClr val="dk1"/>
-                </a:solidFill>
-                <a:latin typeface="Helvetica Neue" panose="020B0604020202020204" charset="0"/>
-                <a:ea typeface="DM Sans"/>
-                <a:cs typeface="DM Sans"/>
-                <a:sym typeface="DM Sans"/>
-              </a:rPr>
-              <a:t>drásticamente</a:t>
-            </a:r>
-            <a:r>
-              <a:rPr lang="en-US" dirty="0">
-                <a:solidFill>
-                  <a:schemeClr val="dk1"/>
-                </a:solidFill>
-                <a:latin typeface="Helvetica Neue" panose="020B0604020202020204" charset="0"/>
-                <a:ea typeface="DM Sans"/>
-                <a:cs typeface="DM Sans"/>
-                <a:sym typeface="DM Sans"/>
-              </a:rPr>
-              <a:t> </a:t>
-            </a:r>
-            <a:r>
-              <a:rPr lang="en-US" dirty="0" err="1">
-                <a:solidFill>
-                  <a:schemeClr val="dk1"/>
-                </a:solidFill>
-                <a:latin typeface="Helvetica Neue" panose="020B0604020202020204" charset="0"/>
-                <a:ea typeface="DM Sans"/>
-                <a:cs typeface="DM Sans"/>
-                <a:sym typeface="DM Sans"/>
-              </a:rPr>
-              <a:t>en</a:t>
-            </a:r>
-            <a:r>
-              <a:rPr lang="en-US" dirty="0">
-                <a:solidFill>
-                  <a:schemeClr val="dk1"/>
-                </a:solidFill>
-                <a:latin typeface="Helvetica Neue" panose="020B0604020202020204" charset="0"/>
-                <a:ea typeface="DM Sans"/>
-                <a:cs typeface="DM Sans"/>
-                <a:sym typeface="DM Sans"/>
-              </a:rPr>
-              <a:t> </a:t>
-            </a:r>
-            <a:r>
-              <a:rPr lang="en-US" dirty="0" err="1">
-                <a:solidFill>
-                  <a:schemeClr val="dk1"/>
-                </a:solidFill>
-                <a:latin typeface="Helvetica Neue" panose="020B0604020202020204" charset="0"/>
-                <a:ea typeface="DM Sans"/>
-                <a:cs typeface="DM Sans"/>
-                <a:sym typeface="DM Sans"/>
-              </a:rPr>
-              <a:t>el</a:t>
-            </a:r>
-            <a:r>
-              <a:rPr lang="en-US" dirty="0">
-                <a:solidFill>
-                  <a:schemeClr val="dk1"/>
-                </a:solidFill>
-                <a:latin typeface="Helvetica Neue" panose="020B0604020202020204" charset="0"/>
-                <a:ea typeface="DM Sans"/>
-                <a:cs typeface="DM Sans"/>
-                <a:sym typeface="DM Sans"/>
-              </a:rPr>
-              <a:t> canal de </a:t>
-            </a:r>
-            <a:r>
-              <a:rPr lang="en-US" b="1" dirty="0">
-                <a:solidFill>
-                  <a:schemeClr val="dk1"/>
-                </a:solidFill>
-                <a:latin typeface="Helvetica Neue" panose="020B0604020202020204" charset="0"/>
-                <a:ea typeface="DM Sans"/>
-                <a:cs typeface="DM Sans"/>
-                <a:sym typeface="DM Sans"/>
-              </a:rPr>
-              <a:t>Corey Schafer</a:t>
-            </a:r>
-            <a:r>
-              <a:rPr lang="en-US" dirty="0">
-                <a:solidFill>
-                  <a:schemeClr val="dk1"/>
-                </a:solidFill>
-                <a:latin typeface="Helvetica Neue" panose="020B0604020202020204" charset="0"/>
-                <a:ea typeface="DM Sans"/>
-                <a:cs typeface="DM Sans"/>
-                <a:sym typeface="DM Sans"/>
-              </a:rPr>
-              <a:t> </a:t>
-            </a:r>
-            <a:r>
-              <a:rPr lang="en-US" dirty="0" err="1">
-                <a:solidFill>
-                  <a:schemeClr val="dk1"/>
-                </a:solidFill>
-                <a:latin typeface="Helvetica Neue" panose="020B0604020202020204" charset="0"/>
-                <a:ea typeface="DM Sans"/>
-                <a:cs typeface="DM Sans"/>
-                <a:sym typeface="DM Sans"/>
-              </a:rPr>
-              <a:t>quién</a:t>
-            </a:r>
-            <a:r>
-              <a:rPr lang="en-US" dirty="0">
-                <a:solidFill>
-                  <a:schemeClr val="dk1"/>
-                </a:solidFill>
-                <a:latin typeface="Helvetica Neue" panose="020B0604020202020204" charset="0"/>
-                <a:ea typeface="DM Sans"/>
-                <a:cs typeface="DM Sans"/>
-                <a:sym typeface="DM Sans"/>
-              </a:rPr>
-              <a:t> </a:t>
-            </a:r>
-            <a:r>
-              <a:rPr lang="en-US" b="1" dirty="0">
-                <a:solidFill>
-                  <a:schemeClr val="dk1"/>
-                </a:solidFill>
-                <a:latin typeface="Helvetica Neue" panose="020B0604020202020204" charset="0"/>
-                <a:ea typeface="DM Sans"/>
-                <a:cs typeface="DM Sans"/>
-                <a:sym typeface="DM Sans"/>
-              </a:rPr>
-              <a:t>no </a:t>
-            </a:r>
-            <a:r>
-              <a:rPr lang="en-US" b="1" dirty="0" err="1">
-                <a:solidFill>
-                  <a:schemeClr val="dk1"/>
-                </a:solidFill>
-                <a:latin typeface="Helvetica Neue" panose="020B0604020202020204" charset="0"/>
-                <a:ea typeface="DM Sans"/>
-                <a:cs typeface="DM Sans"/>
-                <a:sym typeface="DM Sans"/>
-              </a:rPr>
-              <a:t>sube</a:t>
-            </a:r>
-            <a:r>
-              <a:rPr lang="en-US" b="1" dirty="0">
-                <a:solidFill>
-                  <a:schemeClr val="dk1"/>
-                </a:solidFill>
-                <a:latin typeface="Helvetica Neue" panose="020B0604020202020204" charset="0"/>
-                <a:ea typeface="DM Sans"/>
-                <a:cs typeface="DM Sans"/>
-                <a:sym typeface="DM Sans"/>
-              </a:rPr>
-              <a:t> videos </a:t>
-            </a:r>
-            <a:r>
-              <a:rPr lang="en-US" b="1" dirty="0" err="1">
-                <a:solidFill>
-                  <a:schemeClr val="dk1"/>
-                </a:solidFill>
-                <a:latin typeface="Helvetica Neue" panose="020B0604020202020204" charset="0"/>
-                <a:ea typeface="DM Sans"/>
-                <a:cs typeface="DM Sans"/>
-                <a:sym typeface="DM Sans"/>
-              </a:rPr>
-              <a:t>desde</a:t>
-            </a:r>
-            <a:r>
-              <a:rPr lang="en-US" b="1" dirty="0">
-                <a:solidFill>
-                  <a:schemeClr val="dk1"/>
-                </a:solidFill>
-                <a:latin typeface="Helvetica Neue" panose="020B0604020202020204" charset="0"/>
-                <a:ea typeface="DM Sans"/>
-                <a:cs typeface="DM Sans"/>
-                <a:sym typeface="DM Sans"/>
-              </a:rPr>
-              <a:t> fines del 2020</a:t>
-            </a:r>
-            <a:r>
-              <a:rPr lang="en-US" dirty="0">
-                <a:solidFill>
-                  <a:schemeClr val="dk1"/>
-                </a:solidFill>
-                <a:latin typeface="Helvetica Neue" panose="020B0604020202020204" charset="0"/>
-                <a:ea typeface="DM Sans"/>
-                <a:cs typeface="DM Sans"/>
-                <a:sym typeface="DM Sans"/>
-              </a:rPr>
-              <a:t>.</a:t>
-            </a:r>
-            <a:endParaRPr dirty="0">
-              <a:solidFill>
-                <a:schemeClr val="dk1"/>
-              </a:solidFill>
-              <a:latin typeface="Helvetica Neue" panose="020B0604020202020204" charset="0"/>
-              <a:ea typeface="DM Sans"/>
-              <a:cs typeface="DM Sans"/>
-              <a:sym typeface="DM Sans"/>
+              <a:effectLst/>
+              <a:latin typeface="__Inter_e66fe9"/>
             </a:endParaRPr>
           </a:p>
         </p:txBody>
@@ -24478,7 +21154,7 @@
               <a:buNone/>
             </a:pPr>
             <a:r>
-              <a:rPr lang="en-US" sz="1200" b="1">
+              <a:rPr lang="en-US" sz="1200" b="1" dirty="0">
                 <a:solidFill>
                   <a:schemeClr val="lt1"/>
                 </a:solidFill>
@@ -24489,7 +21165,7 @@
               </a:rPr>
               <a:t>47%</a:t>
             </a:r>
-            <a:endParaRPr/>
+            <a:endParaRPr dirty="0"/>
           </a:p>
         </p:txBody>
       </p:sp>
@@ -24528,7 +21204,7 @@
               <a:buNone/>
             </a:pPr>
             <a:r>
-              <a:rPr lang="en-US" sz="1200" b="1">
+              <a:rPr lang="en-US" sz="1200" b="1" dirty="0">
                 <a:solidFill>
                   <a:schemeClr val="lt1"/>
                 </a:solidFill>
@@ -24539,7 +21215,7 @@
               </a:rPr>
               <a:t>55%</a:t>
             </a:r>
-            <a:endParaRPr/>
+            <a:endParaRPr dirty="0"/>
           </a:p>
         </p:txBody>
       </p:sp>
@@ -24578,7 +21254,7 @@
               <a:buNone/>
             </a:pPr>
             <a:r>
-              <a:rPr lang="en-US" sz="1200" b="1">
+              <a:rPr lang="en-US" sz="1200" b="1" dirty="0">
                 <a:solidFill>
                   <a:schemeClr val="lt1"/>
                 </a:solidFill>
@@ -24589,7 +21265,7 @@
               </a:rPr>
               <a:t>52%</a:t>
             </a:r>
-            <a:endParaRPr/>
+            <a:endParaRPr dirty="0"/>
           </a:p>
         </p:txBody>
       </p:sp>
@@ -24601,19 +21277,31 @@
         </p:nvSpPr>
         <p:spPr>
           <a:xfrm>
-            <a:off x="6276900" y="2282471"/>
-            <a:ext cx="3468900" cy="461700"/>
+            <a:off x="0" y="2059023"/>
+            <a:ext cx="5029200" cy="461665"/>
           </a:xfrm>
           <a:prstGeom prst="rect">
             <a:avLst/>
           </a:prstGeom>
-          <a:solidFill>
-            <a:schemeClr val="lt1"/>
-          </a:solidFill>
+          <a:noFill/>
           <a:ln>
             <a:noFill/>
           </a:ln>
         </p:spPr>
+        <p:style>
+          <a:lnRef idx="0">
+            <a:scrgbClr r="0" g="0" b="0"/>
+          </a:lnRef>
+          <a:fillRef idx="0">
+            <a:scrgbClr r="0" g="0" b="0"/>
+          </a:fillRef>
+          <a:effectRef idx="0">
+            <a:scrgbClr r="0" g="0" b="0"/>
+          </a:effectRef>
+          <a:fontRef idx="minor">
+            <a:schemeClr val="dk1"/>
+          </a:fontRef>
+        </p:style>
         <p:txBody>
           <a:bodyPr spcFirstLastPara="1" wrap="square" lIns="0" tIns="0" rIns="0" bIns="0" anchor="ctr" anchorCtr="0">
             <a:spAutoFit/>
@@ -24630,33 +21318,39 @@
               <a:buNone/>
             </a:pPr>
             <a:r>
-              <a:rPr lang="en-US" sz="1500" b="1">
+              <a:rPr lang="es-ES" sz="1500" b="1" dirty="0">
                 <a:solidFill>
                   <a:schemeClr val="dk1"/>
                 </a:solidFill>
+                <a:latin typeface="Helvetica Neue" panose="020B0604020202020204" charset="0"/>
               </a:rPr>
-              <a:t>Cantidad de videos por trimestre</a:t>
+              <a:t>Distribución de clientes abiertos por tarjeta </a:t>
             </a:r>
-            <a:endParaRPr sz="1500" b="1">
+          </a:p>
+          <a:p>
+            <a:pPr marL="0" marR="0" lvl="0" indent="0" algn="ctr" rtl="0">
+              <a:spcBef>
+                <a:spcPts val="0"/>
+              </a:spcBef>
+              <a:spcAft>
+                <a:spcPts val="0"/>
+              </a:spcAft>
+              <a:buNone/>
+            </a:pPr>
+            <a:r>
+              <a:rPr lang="es-ES" sz="1500" b="1" dirty="0">
+                <a:solidFill>
+                  <a:schemeClr val="dk1"/>
+                </a:solidFill>
+                <a:latin typeface="Helvetica Neue" panose="020B0604020202020204" charset="0"/>
+              </a:rPr>
+              <a:t>de crédito, género y variable target</a:t>
+            </a:r>
+            <a:endParaRPr sz="1500" b="1" dirty="0">
               <a:solidFill>
                 <a:schemeClr val="dk1"/>
               </a:solidFill>
-            </a:endParaRPr>
-          </a:p>
-          <a:p>
-            <a:pPr marL="0" marR="0" lvl="0" indent="0" algn="ctr" rtl="0">
-              <a:spcBef>
-                <a:spcPts val="0"/>
-              </a:spcBef>
-              <a:spcAft>
-                <a:spcPts val="0"/>
-              </a:spcAft>
-              <a:buNone/>
-            </a:pPr>
-            <a:endParaRPr sz="1500" b="1">
-              <a:solidFill>
-                <a:schemeClr val="dk1"/>
-              </a:solidFill>
+              <a:latin typeface="Helvetica Neue" panose="020B0604020202020204" charset="0"/>
             </a:endParaRPr>
           </a:p>
         </p:txBody>
@@ -24704,7 +21398,7 @@
           <a:lstStyle/>
           <a:p>
             <a:pPr algn="ctr"/>
-            <a:endParaRPr lang="es-AR">
+            <a:endParaRPr lang="es-AR" dirty="0">
               <a:solidFill>
                 <a:schemeClr val="tx1"/>
               </a:solidFill>
@@ -24714,10 +21408,10 @@
       </p:sp>
       <p:pic>
         <p:nvPicPr>
-          <p:cNvPr id="4" name="Imagen 3">
+          <p:cNvPr id="6" name="Imagen 5">
             <a:extLst>
               <a:ext uri="{FF2B5EF4-FFF2-40B4-BE49-F238E27FC236}">
-                <a16:creationId xmlns:a16="http://schemas.microsoft.com/office/drawing/2014/main" id="{534A5936-72D4-983F-77E0-30277AAB09AE}"/>
+                <a16:creationId xmlns:a16="http://schemas.microsoft.com/office/drawing/2014/main" id="{D49927D4-73B9-AEAC-4F47-C831268FC667}"/>
               </a:ext>
             </a:extLst>
           </p:cNvPr>
@@ -24734,8 +21428,8 @@
         </p:blipFill>
         <p:spPr>
           <a:xfrm>
-            <a:off x="3699033" y="2818809"/>
-            <a:ext cx="6149707" cy="3674353"/>
+            <a:off x="175963" y="2567906"/>
+            <a:ext cx="4769014" cy="3083850"/>
           </a:xfrm>
           <a:prstGeom prst="rect">
             <a:avLst/>
